--- a/results/Capstone_2_Presentation.pptx
+++ b/results/Capstone_2_Presentation.pptx
@@ -367,104 +367,239 @@
             <a:noAutofit/>
           </a:bodyPr>
           <a:lstStyle>
-            <a:lvl1pPr indent="-298450" lvl="0" marL="457200">
-              <a:spcBef>
-                <a:spcPts val="0"/>
-              </a:spcBef>
-              <a:spcAft>
-                <a:spcPts val="0"/>
-              </a:spcAft>
+            <a:lvl1pPr indent="-298450" lvl="0" marL="457200" marR="0" rtl="0" algn="l">
+              <a:lnSpc>
+                <a:spcPct val="100000"/>
+              </a:lnSpc>
+              <a:spcBef>
+                <a:spcPts val="0"/>
+              </a:spcBef>
+              <a:spcAft>
+                <a:spcPts val="0"/>
+              </a:spcAft>
+              <a:buClr>
+                <a:srgbClr val="000000"/>
+              </a:buClr>
               <a:buSzPts val="1100"/>
+              <a:buFont typeface="Arial"/>
               <a:buChar char="●"/>
-              <a:defRPr sz="1100"/>
+              <a:defRPr b="0" i="0" sz="1100" u="none" cap="none" strike="noStrike">
+                <a:solidFill>
+                  <a:srgbClr val="000000"/>
+                </a:solidFill>
+                <a:latin typeface="Arial"/>
+                <a:ea typeface="Arial"/>
+                <a:cs typeface="Arial"/>
+                <a:sym typeface="Arial"/>
+              </a:defRPr>
             </a:lvl1pPr>
-            <a:lvl2pPr indent="-298450" lvl="1" marL="914400">
-              <a:spcBef>
-                <a:spcPts val="0"/>
-              </a:spcBef>
-              <a:spcAft>
-                <a:spcPts val="0"/>
-              </a:spcAft>
+            <a:lvl2pPr indent="-298450" lvl="1" marL="914400" marR="0" rtl="0" algn="l">
+              <a:lnSpc>
+                <a:spcPct val="100000"/>
+              </a:lnSpc>
+              <a:spcBef>
+                <a:spcPts val="0"/>
+              </a:spcBef>
+              <a:spcAft>
+                <a:spcPts val="0"/>
+              </a:spcAft>
+              <a:buClr>
+                <a:srgbClr val="000000"/>
+              </a:buClr>
               <a:buSzPts val="1100"/>
+              <a:buFont typeface="Arial"/>
               <a:buChar char="○"/>
-              <a:defRPr sz="1100"/>
+              <a:defRPr b="0" i="0" sz="1100" u="none" cap="none" strike="noStrike">
+                <a:solidFill>
+                  <a:srgbClr val="000000"/>
+                </a:solidFill>
+                <a:latin typeface="Arial"/>
+                <a:ea typeface="Arial"/>
+                <a:cs typeface="Arial"/>
+                <a:sym typeface="Arial"/>
+              </a:defRPr>
             </a:lvl2pPr>
-            <a:lvl3pPr indent="-298450" lvl="2" marL="1371600">
-              <a:spcBef>
-                <a:spcPts val="0"/>
-              </a:spcBef>
-              <a:spcAft>
-                <a:spcPts val="0"/>
-              </a:spcAft>
+            <a:lvl3pPr indent="-298450" lvl="2" marL="1371600" marR="0" rtl="0" algn="l">
+              <a:lnSpc>
+                <a:spcPct val="100000"/>
+              </a:lnSpc>
+              <a:spcBef>
+                <a:spcPts val="0"/>
+              </a:spcBef>
+              <a:spcAft>
+                <a:spcPts val="0"/>
+              </a:spcAft>
+              <a:buClr>
+                <a:srgbClr val="000000"/>
+              </a:buClr>
               <a:buSzPts val="1100"/>
+              <a:buFont typeface="Arial"/>
               <a:buChar char="■"/>
-              <a:defRPr sz="1100"/>
+              <a:defRPr b="0" i="0" sz="1100" u="none" cap="none" strike="noStrike">
+                <a:solidFill>
+                  <a:srgbClr val="000000"/>
+                </a:solidFill>
+                <a:latin typeface="Arial"/>
+                <a:ea typeface="Arial"/>
+                <a:cs typeface="Arial"/>
+                <a:sym typeface="Arial"/>
+              </a:defRPr>
             </a:lvl3pPr>
-            <a:lvl4pPr indent="-298450" lvl="3" marL="1828800">
-              <a:spcBef>
-                <a:spcPts val="0"/>
-              </a:spcBef>
-              <a:spcAft>
-                <a:spcPts val="0"/>
-              </a:spcAft>
+            <a:lvl4pPr indent="-298450" lvl="3" marL="1828800" marR="0" rtl="0" algn="l">
+              <a:lnSpc>
+                <a:spcPct val="100000"/>
+              </a:lnSpc>
+              <a:spcBef>
+                <a:spcPts val="0"/>
+              </a:spcBef>
+              <a:spcAft>
+                <a:spcPts val="0"/>
+              </a:spcAft>
+              <a:buClr>
+                <a:srgbClr val="000000"/>
+              </a:buClr>
               <a:buSzPts val="1100"/>
+              <a:buFont typeface="Arial"/>
               <a:buChar char="●"/>
-              <a:defRPr sz="1100"/>
+              <a:defRPr b="0" i="0" sz="1100" u="none" cap="none" strike="noStrike">
+                <a:solidFill>
+                  <a:srgbClr val="000000"/>
+                </a:solidFill>
+                <a:latin typeface="Arial"/>
+                <a:ea typeface="Arial"/>
+                <a:cs typeface="Arial"/>
+                <a:sym typeface="Arial"/>
+              </a:defRPr>
             </a:lvl4pPr>
-            <a:lvl5pPr indent="-298450" lvl="4" marL="2286000">
-              <a:spcBef>
-                <a:spcPts val="0"/>
-              </a:spcBef>
-              <a:spcAft>
-                <a:spcPts val="0"/>
-              </a:spcAft>
+            <a:lvl5pPr indent="-298450" lvl="4" marL="2286000" marR="0" rtl="0" algn="l">
+              <a:lnSpc>
+                <a:spcPct val="100000"/>
+              </a:lnSpc>
+              <a:spcBef>
+                <a:spcPts val="0"/>
+              </a:spcBef>
+              <a:spcAft>
+                <a:spcPts val="0"/>
+              </a:spcAft>
+              <a:buClr>
+                <a:srgbClr val="000000"/>
+              </a:buClr>
               <a:buSzPts val="1100"/>
+              <a:buFont typeface="Arial"/>
               <a:buChar char="○"/>
-              <a:defRPr sz="1100"/>
+              <a:defRPr b="0" i="0" sz="1100" u="none" cap="none" strike="noStrike">
+                <a:solidFill>
+                  <a:srgbClr val="000000"/>
+                </a:solidFill>
+                <a:latin typeface="Arial"/>
+                <a:ea typeface="Arial"/>
+                <a:cs typeface="Arial"/>
+                <a:sym typeface="Arial"/>
+              </a:defRPr>
             </a:lvl5pPr>
-            <a:lvl6pPr indent="-298450" lvl="5" marL="2743200">
-              <a:spcBef>
-                <a:spcPts val="0"/>
-              </a:spcBef>
-              <a:spcAft>
-                <a:spcPts val="0"/>
-              </a:spcAft>
+            <a:lvl6pPr indent="-298450" lvl="5" marL="2743200" marR="0" rtl="0" algn="l">
+              <a:lnSpc>
+                <a:spcPct val="100000"/>
+              </a:lnSpc>
+              <a:spcBef>
+                <a:spcPts val="0"/>
+              </a:spcBef>
+              <a:spcAft>
+                <a:spcPts val="0"/>
+              </a:spcAft>
+              <a:buClr>
+                <a:srgbClr val="000000"/>
+              </a:buClr>
               <a:buSzPts val="1100"/>
+              <a:buFont typeface="Arial"/>
               <a:buChar char="■"/>
-              <a:defRPr sz="1100"/>
+              <a:defRPr b="0" i="0" sz="1100" u="none" cap="none" strike="noStrike">
+                <a:solidFill>
+                  <a:srgbClr val="000000"/>
+                </a:solidFill>
+                <a:latin typeface="Arial"/>
+                <a:ea typeface="Arial"/>
+                <a:cs typeface="Arial"/>
+                <a:sym typeface="Arial"/>
+              </a:defRPr>
             </a:lvl6pPr>
-            <a:lvl7pPr indent="-298450" lvl="6" marL="3200400">
-              <a:spcBef>
-                <a:spcPts val="0"/>
-              </a:spcBef>
-              <a:spcAft>
-                <a:spcPts val="0"/>
-              </a:spcAft>
+            <a:lvl7pPr indent="-298450" lvl="6" marL="3200400" marR="0" rtl="0" algn="l">
+              <a:lnSpc>
+                <a:spcPct val="100000"/>
+              </a:lnSpc>
+              <a:spcBef>
+                <a:spcPts val="0"/>
+              </a:spcBef>
+              <a:spcAft>
+                <a:spcPts val="0"/>
+              </a:spcAft>
+              <a:buClr>
+                <a:srgbClr val="000000"/>
+              </a:buClr>
               <a:buSzPts val="1100"/>
+              <a:buFont typeface="Arial"/>
               <a:buChar char="●"/>
-              <a:defRPr sz="1100"/>
+              <a:defRPr b="0" i="0" sz="1100" u="none" cap="none" strike="noStrike">
+                <a:solidFill>
+                  <a:srgbClr val="000000"/>
+                </a:solidFill>
+                <a:latin typeface="Arial"/>
+                <a:ea typeface="Arial"/>
+                <a:cs typeface="Arial"/>
+                <a:sym typeface="Arial"/>
+              </a:defRPr>
             </a:lvl7pPr>
-            <a:lvl8pPr indent="-298450" lvl="7" marL="3657600">
-              <a:spcBef>
-                <a:spcPts val="0"/>
-              </a:spcBef>
-              <a:spcAft>
-                <a:spcPts val="0"/>
-              </a:spcAft>
+            <a:lvl8pPr indent="-298450" lvl="7" marL="3657600" marR="0" rtl="0" algn="l">
+              <a:lnSpc>
+                <a:spcPct val="100000"/>
+              </a:lnSpc>
+              <a:spcBef>
+                <a:spcPts val="0"/>
+              </a:spcBef>
+              <a:spcAft>
+                <a:spcPts val="0"/>
+              </a:spcAft>
+              <a:buClr>
+                <a:srgbClr val="000000"/>
+              </a:buClr>
               <a:buSzPts val="1100"/>
+              <a:buFont typeface="Arial"/>
               <a:buChar char="○"/>
-              <a:defRPr sz="1100"/>
+              <a:defRPr b="0" i="0" sz="1100" u="none" cap="none" strike="noStrike">
+                <a:solidFill>
+                  <a:srgbClr val="000000"/>
+                </a:solidFill>
+                <a:latin typeface="Arial"/>
+                <a:ea typeface="Arial"/>
+                <a:cs typeface="Arial"/>
+                <a:sym typeface="Arial"/>
+              </a:defRPr>
             </a:lvl8pPr>
-            <a:lvl9pPr indent="-298450" lvl="8" marL="4114800">
-              <a:spcBef>
-                <a:spcPts val="0"/>
-              </a:spcBef>
-              <a:spcAft>
-                <a:spcPts val="0"/>
-              </a:spcAft>
+            <a:lvl9pPr indent="-298450" lvl="8" marL="4114800" marR="0" rtl="0" algn="l">
+              <a:lnSpc>
+                <a:spcPct val="100000"/>
+              </a:lnSpc>
+              <a:spcBef>
+                <a:spcPts val="0"/>
+              </a:spcBef>
+              <a:spcAft>
+                <a:spcPts val="0"/>
+              </a:spcAft>
+              <a:buClr>
+                <a:srgbClr val="000000"/>
+              </a:buClr>
               <a:buSzPts val="1100"/>
+              <a:buFont typeface="Arial"/>
               <a:buChar char="■"/>
-              <a:defRPr sz="1100"/>
+              <a:defRPr b="0" i="0" sz="1100" u="none" cap="none" strike="noStrike">
+                <a:solidFill>
+                  <a:srgbClr val="000000"/>
+                </a:solidFill>
+                <a:latin typeface="Arial"/>
+                <a:ea typeface="Arial"/>
+                <a:cs typeface="Arial"/>
+                <a:sym typeface="Arial"/>
+              </a:defRPr>
             </a:lvl9pPr>
           </a:lstStyle>
           <a:p/>
@@ -724,7 +859,7 @@
       </p:grpSpPr>
       <p:sp>
         <p:nvSpPr>
-          <p:cNvPr id="51" name="Google Shape;51;p:notes"/>
+          <p:cNvPr id="51" name="Google Shape;51;p1:notes"/>
           <p:cNvSpPr/>
           <p:nvPr>
             <p:ph idx="2" type="sldImg"/>
@@ -755,11 +890,21 @@
               </a:path>
             </a:pathLst>
           </a:custGeom>
+          <a:noFill/>
+          <a:ln cap="flat" cmpd="sng" w="9525">
+            <a:solidFill>
+              <a:srgbClr val="000000"/>
+            </a:solidFill>
+            <a:prstDash val="solid"/>
+            <a:round/>
+            <a:headEnd len="sm" w="sm" type="none"/>
+            <a:tailEnd len="sm" w="sm" type="none"/>
+          </a:ln>
         </p:spPr>
       </p:sp>
       <p:sp>
         <p:nvSpPr>
-          <p:cNvPr id="52" name="Google Shape;52;p:notes"/>
+          <p:cNvPr id="52" name="Google Shape;52;p1:notes"/>
           <p:cNvSpPr txBox="1"/>
           <p:nvPr>
             <p:ph idx="1" type="body"/>
@@ -773,6 +918,10 @@
           <a:prstGeom prst="rect">
             <a:avLst/>
           </a:prstGeom>
+          <a:noFill/>
+          <a:ln>
+            <a:noFill/>
+          </a:ln>
         </p:spPr>
         <p:txBody>
           <a:bodyPr anchorCtr="0" anchor="t" bIns="91425" lIns="91425" spcFirstLastPara="1" rIns="91425" wrap="square" tIns="91425">
@@ -781,12 +930,16 @@
           <a:lstStyle/>
           <a:p>
             <a:pPr indent="0" lvl="0" marL="0" rtl="0" algn="l">
-              <a:spcBef>
-                <a:spcPts val="0"/>
-              </a:spcBef>
-              <a:spcAft>
-                <a:spcPts val="0"/>
-              </a:spcAft>
+              <a:lnSpc>
+                <a:spcPct val="100000"/>
+              </a:lnSpc>
+              <a:spcBef>
+                <a:spcPts val="0"/>
+              </a:spcBef>
+              <a:spcAft>
+                <a:spcPts val="0"/>
+              </a:spcAft>
+              <a:buSzPts val="1100"/>
               <a:buNone/>
             </a:pPr>
             <a:r>
@@ -823,7 +976,7 @@
       </p:grpSpPr>
       <p:sp>
         <p:nvSpPr>
-          <p:cNvPr id="112" name="Google Shape;112;g371807809e0_0_19:notes"/>
+          <p:cNvPr id="112" name="Google Shape;112;p10:notes"/>
           <p:cNvSpPr/>
           <p:nvPr>
             <p:ph idx="2" type="sldImg"/>
@@ -854,11 +1007,21 @@
               </a:path>
             </a:pathLst>
           </a:custGeom>
+          <a:noFill/>
+          <a:ln cap="flat" cmpd="sng" w="9525">
+            <a:solidFill>
+              <a:srgbClr val="000000"/>
+            </a:solidFill>
+            <a:prstDash val="solid"/>
+            <a:round/>
+            <a:headEnd len="sm" w="sm" type="none"/>
+            <a:tailEnd len="sm" w="sm" type="none"/>
+          </a:ln>
         </p:spPr>
       </p:sp>
       <p:sp>
         <p:nvSpPr>
-          <p:cNvPr id="113" name="Google Shape;113;g371807809e0_0_19:notes"/>
+          <p:cNvPr id="113" name="Google Shape;113;p10:notes"/>
           <p:cNvSpPr txBox="1"/>
           <p:nvPr>
             <p:ph idx="1" type="body"/>
@@ -872,6 +1035,10 @@
           <a:prstGeom prst="rect">
             <a:avLst/>
           </a:prstGeom>
+          <a:noFill/>
+          <a:ln>
+            <a:noFill/>
+          </a:ln>
         </p:spPr>
         <p:txBody>
           <a:bodyPr anchorCtr="0" anchor="t" bIns="91425" lIns="91425" spcFirstLastPara="1" rIns="91425" wrap="square" tIns="91425">
@@ -880,12 +1047,16 @@
           <a:lstStyle/>
           <a:p>
             <a:pPr indent="0" lvl="0" marL="0" rtl="0" algn="l">
-              <a:spcBef>
-                <a:spcPts val="0"/>
-              </a:spcBef>
-              <a:spcAft>
-                <a:spcPts val="0"/>
-              </a:spcAft>
+              <a:lnSpc>
+                <a:spcPct val="100000"/>
+              </a:lnSpc>
+              <a:spcBef>
+                <a:spcPts val="0"/>
+              </a:spcBef>
+              <a:spcAft>
+                <a:spcPts val="0"/>
+              </a:spcAft>
+              <a:buSzPts val="1100"/>
               <a:buNone/>
             </a:pPr>
             <a:r>
@@ -908,7 +1079,7 @@
   <p:cSld>
     <p:spTree>
       <p:nvGrpSpPr>
-        <p:cNvPr id="118" name="Shape 118"/>
+        <p:cNvPr id="119" name="Shape 119"/>
         <p:cNvGrpSpPr/>
         <p:nvPr/>
       </p:nvGrpSpPr>
@@ -922,7 +1093,7 @@
       </p:grpSpPr>
       <p:sp>
         <p:nvSpPr>
-          <p:cNvPr id="119" name="Google Shape;119;g371807809e0_0_24:notes"/>
+          <p:cNvPr id="120" name="Google Shape;120;p11:notes"/>
           <p:cNvSpPr/>
           <p:nvPr>
             <p:ph idx="2" type="sldImg"/>
@@ -953,11 +1124,21 @@
               </a:path>
             </a:pathLst>
           </a:custGeom>
+          <a:noFill/>
+          <a:ln cap="flat" cmpd="sng" w="9525">
+            <a:solidFill>
+              <a:srgbClr val="000000"/>
+            </a:solidFill>
+            <a:prstDash val="solid"/>
+            <a:round/>
+            <a:headEnd len="sm" w="sm" type="none"/>
+            <a:tailEnd len="sm" w="sm" type="none"/>
+          </a:ln>
         </p:spPr>
       </p:sp>
       <p:sp>
         <p:nvSpPr>
-          <p:cNvPr id="120" name="Google Shape;120;g371807809e0_0_24:notes"/>
+          <p:cNvPr id="121" name="Google Shape;121;p11:notes"/>
           <p:cNvSpPr txBox="1"/>
           <p:nvPr>
             <p:ph idx="1" type="body"/>
@@ -971,6 +1152,10 @@
           <a:prstGeom prst="rect">
             <a:avLst/>
           </a:prstGeom>
+          <a:noFill/>
+          <a:ln>
+            <a:noFill/>
+          </a:ln>
         </p:spPr>
         <p:txBody>
           <a:bodyPr anchorCtr="0" anchor="t" bIns="91425" lIns="91425" spcFirstLastPara="1" rIns="91425" wrap="square" tIns="91425">
@@ -979,12 +1164,16 @@
           <a:lstStyle/>
           <a:p>
             <a:pPr indent="0" lvl="0" marL="0" rtl="0" algn="l">
-              <a:spcBef>
-                <a:spcPts val="0"/>
-              </a:spcBef>
-              <a:spcAft>
-                <a:spcPts val="0"/>
-              </a:spcAft>
+              <a:lnSpc>
+                <a:spcPct val="100000"/>
+              </a:lnSpc>
+              <a:spcBef>
+                <a:spcPts val="0"/>
+              </a:spcBef>
+              <a:spcAft>
+                <a:spcPts val="0"/>
+              </a:spcAft>
+              <a:buSzPts val="1100"/>
               <a:buNone/>
             </a:pPr>
             <a:r>
@@ -1021,7 +1210,7 @@
       </p:grpSpPr>
       <p:sp>
         <p:nvSpPr>
-          <p:cNvPr id="61" name="Google Shape;61;g3709117e213_0_5:notes"/>
+          <p:cNvPr id="61" name="Google Shape;61;p2:notes"/>
           <p:cNvSpPr/>
           <p:nvPr>
             <p:ph idx="2" type="sldImg"/>
@@ -1052,11 +1241,21 @@
               </a:path>
             </a:pathLst>
           </a:custGeom>
+          <a:noFill/>
+          <a:ln cap="flat" cmpd="sng" w="9525">
+            <a:solidFill>
+              <a:srgbClr val="000000"/>
+            </a:solidFill>
+            <a:prstDash val="solid"/>
+            <a:round/>
+            <a:headEnd len="sm" w="sm" type="none"/>
+            <a:tailEnd len="sm" w="sm" type="none"/>
+          </a:ln>
         </p:spPr>
       </p:sp>
       <p:sp>
         <p:nvSpPr>
-          <p:cNvPr id="62" name="Google Shape;62;g3709117e213_0_5:notes"/>
+          <p:cNvPr id="62" name="Google Shape;62;p2:notes"/>
           <p:cNvSpPr txBox="1"/>
           <p:nvPr>
             <p:ph idx="1" type="body"/>
@@ -1070,6 +1269,10 @@
           <a:prstGeom prst="rect">
             <a:avLst/>
           </a:prstGeom>
+          <a:noFill/>
+          <a:ln>
+            <a:noFill/>
+          </a:ln>
         </p:spPr>
         <p:txBody>
           <a:bodyPr anchorCtr="0" anchor="t" bIns="91425" lIns="91425" spcFirstLastPara="1" rIns="91425" wrap="square" tIns="91425">
@@ -1078,12 +1281,16 @@
           <a:lstStyle/>
           <a:p>
             <a:pPr indent="0" lvl="0" marL="0" rtl="0" algn="l">
-              <a:spcBef>
-                <a:spcPts val="0"/>
-              </a:spcBef>
-              <a:spcAft>
-                <a:spcPts val="0"/>
-              </a:spcAft>
+              <a:lnSpc>
+                <a:spcPct val="100000"/>
+              </a:lnSpc>
+              <a:spcBef>
+                <a:spcPts val="0"/>
+              </a:spcBef>
+              <a:spcAft>
+                <a:spcPts val="0"/>
+              </a:spcAft>
+              <a:buSzPts val="1100"/>
               <a:buNone/>
             </a:pPr>
             <a:r>
@@ -1120,7 +1327,7 @@
       </p:grpSpPr>
       <p:sp>
         <p:nvSpPr>
-          <p:cNvPr id="67" name="Google Shape;67;g3709117e213_0_15:notes"/>
+          <p:cNvPr id="67" name="Google Shape;67;p3:notes"/>
           <p:cNvSpPr/>
           <p:nvPr>
             <p:ph idx="2" type="sldImg"/>
@@ -1151,11 +1358,21 @@
               </a:path>
             </a:pathLst>
           </a:custGeom>
+          <a:noFill/>
+          <a:ln cap="flat" cmpd="sng" w="9525">
+            <a:solidFill>
+              <a:srgbClr val="000000"/>
+            </a:solidFill>
+            <a:prstDash val="solid"/>
+            <a:round/>
+            <a:headEnd len="sm" w="sm" type="none"/>
+            <a:tailEnd len="sm" w="sm" type="none"/>
+          </a:ln>
         </p:spPr>
       </p:sp>
       <p:sp>
         <p:nvSpPr>
-          <p:cNvPr id="68" name="Google Shape;68;g3709117e213_0_15:notes"/>
+          <p:cNvPr id="68" name="Google Shape;68;p3:notes"/>
           <p:cNvSpPr txBox="1"/>
           <p:nvPr>
             <p:ph idx="1" type="body"/>
@@ -1169,6 +1386,10 @@
           <a:prstGeom prst="rect">
             <a:avLst/>
           </a:prstGeom>
+          <a:noFill/>
+          <a:ln>
+            <a:noFill/>
+          </a:ln>
         </p:spPr>
         <p:txBody>
           <a:bodyPr anchorCtr="0" anchor="t" bIns="91425" lIns="91425" spcFirstLastPara="1" rIns="91425" wrap="square" tIns="91425">
@@ -1177,12 +1398,16 @@
           <a:lstStyle/>
           <a:p>
             <a:pPr indent="0" lvl="0" marL="0" rtl="0" algn="l">
-              <a:spcBef>
-                <a:spcPts val="0"/>
-              </a:spcBef>
-              <a:spcAft>
-                <a:spcPts val="0"/>
-              </a:spcAft>
+              <a:lnSpc>
+                <a:spcPct val="100000"/>
+              </a:lnSpc>
+              <a:spcBef>
+                <a:spcPts val="0"/>
+              </a:spcBef>
+              <a:spcAft>
+                <a:spcPts val="0"/>
+              </a:spcAft>
+              <a:buSzPts val="1100"/>
               <a:buNone/>
             </a:pPr>
             <a:r>
@@ -1219,7 +1444,7 @@
       </p:grpSpPr>
       <p:sp>
         <p:nvSpPr>
-          <p:cNvPr id="73" name="Google Shape;73;g3709117e213_0_10:notes"/>
+          <p:cNvPr id="73" name="Google Shape;73;p4:notes"/>
           <p:cNvSpPr/>
           <p:nvPr>
             <p:ph idx="2" type="sldImg"/>
@@ -1250,11 +1475,21 @@
               </a:path>
             </a:pathLst>
           </a:custGeom>
+          <a:noFill/>
+          <a:ln cap="flat" cmpd="sng" w="9525">
+            <a:solidFill>
+              <a:srgbClr val="000000"/>
+            </a:solidFill>
+            <a:prstDash val="solid"/>
+            <a:round/>
+            <a:headEnd len="sm" w="sm" type="none"/>
+            <a:tailEnd len="sm" w="sm" type="none"/>
+          </a:ln>
         </p:spPr>
       </p:sp>
       <p:sp>
         <p:nvSpPr>
-          <p:cNvPr id="74" name="Google Shape;74;g3709117e213_0_10:notes"/>
+          <p:cNvPr id="74" name="Google Shape;74;p4:notes"/>
           <p:cNvSpPr txBox="1"/>
           <p:nvPr>
             <p:ph idx="1" type="body"/>
@@ -1268,6 +1503,10 @@
           <a:prstGeom prst="rect">
             <a:avLst/>
           </a:prstGeom>
+          <a:noFill/>
+          <a:ln>
+            <a:noFill/>
+          </a:ln>
         </p:spPr>
         <p:txBody>
           <a:bodyPr anchorCtr="0" anchor="t" bIns="91425" lIns="91425" spcFirstLastPara="1" rIns="91425" wrap="square" tIns="91425">
@@ -1276,12 +1515,16 @@
           <a:lstStyle/>
           <a:p>
             <a:pPr indent="0" lvl="0" marL="0" rtl="0" algn="l">
-              <a:spcBef>
-                <a:spcPts val="0"/>
-              </a:spcBef>
-              <a:spcAft>
-                <a:spcPts val="0"/>
-              </a:spcAft>
+              <a:lnSpc>
+                <a:spcPct val="100000"/>
+              </a:lnSpc>
+              <a:spcBef>
+                <a:spcPts val="0"/>
+              </a:spcBef>
+              <a:spcAft>
+                <a:spcPts val="0"/>
+              </a:spcAft>
+              <a:buSzPts val="1100"/>
               <a:buNone/>
             </a:pPr>
             <a:r>
@@ -1318,7 +1561,7 @@
       </p:grpSpPr>
       <p:sp>
         <p:nvSpPr>
-          <p:cNvPr id="79" name="Google Shape;79;g3709117e213_0_20:notes"/>
+          <p:cNvPr id="79" name="Google Shape;79;p5:notes"/>
           <p:cNvSpPr/>
           <p:nvPr>
             <p:ph idx="2" type="sldImg"/>
@@ -1349,11 +1592,21 @@
               </a:path>
             </a:pathLst>
           </a:custGeom>
+          <a:noFill/>
+          <a:ln cap="flat" cmpd="sng" w="9525">
+            <a:solidFill>
+              <a:srgbClr val="000000"/>
+            </a:solidFill>
+            <a:prstDash val="solid"/>
+            <a:round/>
+            <a:headEnd len="sm" w="sm" type="none"/>
+            <a:tailEnd len="sm" w="sm" type="none"/>
+          </a:ln>
         </p:spPr>
       </p:sp>
       <p:sp>
         <p:nvSpPr>
-          <p:cNvPr id="80" name="Google Shape;80;g3709117e213_0_20:notes"/>
+          <p:cNvPr id="80" name="Google Shape;80;p5:notes"/>
           <p:cNvSpPr txBox="1"/>
           <p:nvPr>
             <p:ph idx="1" type="body"/>
@@ -1367,6 +1620,10 @@
           <a:prstGeom prst="rect">
             <a:avLst/>
           </a:prstGeom>
+          <a:noFill/>
+          <a:ln>
+            <a:noFill/>
+          </a:ln>
         </p:spPr>
         <p:txBody>
           <a:bodyPr anchorCtr="0" anchor="t" bIns="91425" lIns="91425" spcFirstLastPara="1" rIns="91425" wrap="square" tIns="91425">
@@ -1375,12 +1632,16 @@
           <a:lstStyle/>
           <a:p>
             <a:pPr indent="0" lvl="0" marL="0" rtl="0" algn="l">
-              <a:spcBef>
-                <a:spcPts val="0"/>
-              </a:spcBef>
-              <a:spcAft>
-                <a:spcPts val="0"/>
-              </a:spcAft>
+              <a:lnSpc>
+                <a:spcPct val="100000"/>
+              </a:lnSpc>
+              <a:spcBef>
+                <a:spcPts val="0"/>
+              </a:spcBef>
+              <a:spcAft>
+                <a:spcPts val="0"/>
+              </a:spcAft>
+              <a:buSzPts val="1100"/>
               <a:buNone/>
             </a:pPr>
             <a:r>
@@ -1417,7 +1678,7 @@
       </p:grpSpPr>
       <p:sp>
         <p:nvSpPr>
-          <p:cNvPr id="85" name="Google Shape;85;g3709117e213_0_30:notes"/>
+          <p:cNvPr id="85" name="Google Shape;85;p6:notes"/>
           <p:cNvSpPr/>
           <p:nvPr>
             <p:ph idx="2" type="sldImg"/>
@@ -1448,11 +1709,21 @@
               </a:path>
             </a:pathLst>
           </a:custGeom>
+          <a:noFill/>
+          <a:ln cap="flat" cmpd="sng" w="9525">
+            <a:solidFill>
+              <a:srgbClr val="000000"/>
+            </a:solidFill>
+            <a:prstDash val="solid"/>
+            <a:round/>
+            <a:headEnd len="sm" w="sm" type="none"/>
+            <a:tailEnd len="sm" w="sm" type="none"/>
+          </a:ln>
         </p:spPr>
       </p:sp>
       <p:sp>
         <p:nvSpPr>
-          <p:cNvPr id="86" name="Google Shape;86;g3709117e213_0_30:notes"/>
+          <p:cNvPr id="86" name="Google Shape;86;p6:notes"/>
           <p:cNvSpPr txBox="1"/>
           <p:nvPr>
             <p:ph idx="1" type="body"/>
@@ -1466,6 +1737,10 @@
           <a:prstGeom prst="rect">
             <a:avLst/>
           </a:prstGeom>
+          <a:noFill/>
+          <a:ln>
+            <a:noFill/>
+          </a:ln>
         </p:spPr>
         <p:txBody>
           <a:bodyPr anchorCtr="0" anchor="t" bIns="91425" lIns="91425" spcFirstLastPara="1" rIns="91425" wrap="square" tIns="91425">
@@ -1474,12 +1749,16 @@
           <a:lstStyle/>
           <a:p>
             <a:pPr indent="0" lvl="0" marL="0" rtl="0" algn="l">
-              <a:spcBef>
-                <a:spcPts val="0"/>
-              </a:spcBef>
-              <a:spcAft>
-                <a:spcPts val="0"/>
-              </a:spcAft>
+              <a:lnSpc>
+                <a:spcPct val="100000"/>
+              </a:lnSpc>
+              <a:spcBef>
+                <a:spcPts val="0"/>
+              </a:spcBef>
+              <a:spcAft>
+                <a:spcPts val="0"/>
+              </a:spcAft>
+              <a:buSzPts val="1100"/>
               <a:buNone/>
             </a:pPr>
             <a:r>
@@ -1516,7 +1795,7 @@
       </p:grpSpPr>
       <p:sp>
         <p:nvSpPr>
-          <p:cNvPr id="92" name="Google Shape;92;g371807809e0_0_7:notes"/>
+          <p:cNvPr id="92" name="Google Shape;92;p7:notes"/>
           <p:cNvSpPr/>
           <p:nvPr>
             <p:ph idx="2" type="sldImg"/>
@@ -1547,11 +1826,21 @@
               </a:path>
             </a:pathLst>
           </a:custGeom>
+          <a:noFill/>
+          <a:ln cap="flat" cmpd="sng" w="9525">
+            <a:solidFill>
+              <a:srgbClr val="000000"/>
+            </a:solidFill>
+            <a:prstDash val="solid"/>
+            <a:round/>
+            <a:headEnd len="sm" w="sm" type="none"/>
+            <a:tailEnd len="sm" w="sm" type="none"/>
+          </a:ln>
         </p:spPr>
       </p:sp>
       <p:sp>
         <p:nvSpPr>
-          <p:cNvPr id="93" name="Google Shape;93;g371807809e0_0_7:notes"/>
+          <p:cNvPr id="93" name="Google Shape;93;p7:notes"/>
           <p:cNvSpPr txBox="1"/>
           <p:nvPr>
             <p:ph idx="1" type="body"/>
@@ -1565,6 +1854,10 @@
           <a:prstGeom prst="rect">
             <a:avLst/>
           </a:prstGeom>
+          <a:noFill/>
+          <a:ln>
+            <a:noFill/>
+          </a:ln>
         </p:spPr>
         <p:txBody>
           <a:bodyPr anchorCtr="0" anchor="t" bIns="91425" lIns="91425" spcFirstLastPara="1" rIns="91425" wrap="square" tIns="91425">
@@ -1573,12 +1866,16 @@
           <a:lstStyle/>
           <a:p>
             <a:pPr indent="0" lvl="0" marL="0" rtl="0" algn="l">
-              <a:spcBef>
-                <a:spcPts val="0"/>
-              </a:spcBef>
-              <a:spcAft>
-                <a:spcPts val="0"/>
-              </a:spcAft>
+              <a:lnSpc>
+                <a:spcPct val="100000"/>
+              </a:lnSpc>
+              <a:spcBef>
+                <a:spcPts val="0"/>
+              </a:spcBef>
+              <a:spcAft>
+                <a:spcPts val="0"/>
+              </a:spcAft>
+              <a:buSzPts val="1100"/>
               <a:buNone/>
             </a:pPr>
             <a:r>
@@ -1615,7 +1912,7 @@
       </p:grpSpPr>
       <p:sp>
         <p:nvSpPr>
-          <p:cNvPr id="99" name="Google Shape;99;g371807809e0_0_13:notes"/>
+          <p:cNvPr id="99" name="Google Shape;99;p8:notes"/>
           <p:cNvSpPr/>
           <p:nvPr>
             <p:ph idx="2" type="sldImg"/>
@@ -1646,11 +1943,21 @@
               </a:path>
             </a:pathLst>
           </a:custGeom>
+          <a:noFill/>
+          <a:ln cap="flat" cmpd="sng" w="9525">
+            <a:solidFill>
+              <a:srgbClr val="000000"/>
+            </a:solidFill>
+            <a:prstDash val="solid"/>
+            <a:round/>
+            <a:headEnd len="sm" w="sm" type="none"/>
+            <a:tailEnd len="sm" w="sm" type="none"/>
+          </a:ln>
         </p:spPr>
       </p:sp>
       <p:sp>
         <p:nvSpPr>
-          <p:cNvPr id="100" name="Google Shape;100;g371807809e0_0_13:notes"/>
+          <p:cNvPr id="100" name="Google Shape;100;p8:notes"/>
           <p:cNvSpPr txBox="1"/>
           <p:nvPr>
             <p:ph idx="1" type="body"/>
@@ -1664,6 +1971,10 @@
           <a:prstGeom prst="rect">
             <a:avLst/>
           </a:prstGeom>
+          <a:noFill/>
+          <a:ln>
+            <a:noFill/>
+          </a:ln>
         </p:spPr>
         <p:txBody>
           <a:bodyPr anchorCtr="0" anchor="t" bIns="91425" lIns="91425" spcFirstLastPara="1" rIns="91425" wrap="square" tIns="91425">
@@ -1672,12 +1983,16 @@
           <a:lstStyle/>
           <a:p>
             <a:pPr indent="0" lvl="0" marL="0" rtl="0" algn="l">
-              <a:spcBef>
-                <a:spcPts val="0"/>
-              </a:spcBef>
-              <a:spcAft>
-                <a:spcPts val="0"/>
-              </a:spcAft>
+              <a:lnSpc>
+                <a:spcPct val="100000"/>
+              </a:lnSpc>
+              <a:spcBef>
+                <a:spcPts val="0"/>
+              </a:spcBef>
+              <a:spcAft>
+                <a:spcPts val="0"/>
+              </a:spcAft>
+              <a:buSzPts val="1100"/>
               <a:buNone/>
             </a:pPr>
             <a:r>
@@ -1714,7 +2029,7 @@
       </p:grpSpPr>
       <p:sp>
         <p:nvSpPr>
-          <p:cNvPr id="106" name="Google Shape;106;g3709117e213_0_25:notes"/>
+          <p:cNvPr id="106" name="Google Shape;106;p9:notes"/>
           <p:cNvSpPr/>
           <p:nvPr>
             <p:ph idx="2" type="sldImg"/>
@@ -1745,11 +2060,21 @@
               </a:path>
             </a:pathLst>
           </a:custGeom>
+          <a:noFill/>
+          <a:ln cap="flat" cmpd="sng" w="9525">
+            <a:solidFill>
+              <a:srgbClr val="000000"/>
+            </a:solidFill>
+            <a:prstDash val="solid"/>
+            <a:round/>
+            <a:headEnd len="sm" w="sm" type="none"/>
+            <a:tailEnd len="sm" w="sm" type="none"/>
+          </a:ln>
         </p:spPr>
       </p:sp>
       <p:sp>
         <p:nvSpPr>
-          <p:cNvPr id="107" name="Google Shape;107;g3709117e213_0_25:notes"/>
+          <p:cNvPr id="107" name="Google Shape;107;p9:notes"/>
           <p:cNvSpPr txBox="1"/>
           <p:nvPr>
             <p:ph idx="1" type="body"/>
@@ -1763,6 +2088,10 @@
           <a:prstGeom prst="rect">
             <a:avLst/>
           </a:prstGeom>
+          <a:noFill/>
+          <a:ln>
+            <a:noFill/>
+          </a:ln>
         </p:spPr>
         <p:txBody>
           <a:bodyPr anchorCtr="0" anchor="t" bIns="91425" lIns="91425" spcFirstLastPara="1" rIns="91425" wrap="square" tIns="91425">
@@ -1771,12 +2100,16 @@
           <a:lstStyle/>
           <a:p>
             <a:pPr indent="0" lvl="0" marL="0" rtl="0" algn="l">
-              <a:spcBef>
-                <a:spcPts val="0"/>
-              </a:spcBef>
-              <a:spcAft>
-                <a:spcPts val="0"/>
-              </a:spcAft>
+              <a:lnSpc>
+                <a:spcPct val="100000"/>
+              </a:lnSpc>
+              <a:spcBef>
+                <a:spcPts val="0"/>
+              </a:spcBef>
+              <a:spcAft>
+                <a:spcPts val="0"/>
+              </a:spcAft>
+              <a:buSzPts val="1100"/>
               <a:buNone/>
             </a:pPr>
             <a:r>
@@ -1827,6 +2160,10 @@
           <a:prstGeom prst="rect">
             <a:avLst/>
           </a:prstGeom>
+          <a:noFill/>
+          <a:ln>
+            <a:noFill/>
+          </a:ln>
         </p:spPr>
         <p:txBody>
           <a:bodyPr anchorCtr="0" anchor="b" bIns="91425" lIns="91425" spcFirstLastPara="1" rIns="91425" wrap="square" tIns="91425">
@@ -1834,6 +2171,9 @@
           </a:bodyPr>
           <a:lstStyle>
             <a:lvl1pPr lvl="0" algn="ctr">
+              <a:lnSpc>
+                <a:spcPct val="100000"/>
+              </a:lnSpc>
               <a:spcBef>
                 <a:spcPts val="0"/>
               </a:spcBef>
@@ -1845,6 +2185,9 @@
               <a:defRPr sz="5200"/>
             </a:lvl1pPr>
             <a:lvl2pPr lvl="1" algn="ctr">
+              <a:lnSpc>
+                <a:spcPct val="100000"/>
+              </a:lnSpc>
               <a:spcBef>
                 <a:spcPts val="0"/>
               </a:spcBef>
@@ -1856,6 +2199,9 @@
               <a:defRPr sz="5200"/>
             </a:lvl2pPr>
             <a:lvl3pPr lvl="2" algn="ctr">
+              <a:lnSpc>
+                <a:spcPct val="100000"/>
+              </a:lnSpc>
               <a:spcBef>
                 <a:spcPts val="0"/>
               </a:spcBef>
@@ -1867,6 +2213,9 @@
               <a:defRPr sz="5200"/>
             </a:lvl3pPr>
             <a:lvl4pPr lvl="3" algn="ctr">
+              <a:lnSpc>
+                <a:spcPct val="100000"/>
+              </a:lnSpc>
               <a:spcBef>
                 <a:spcPts val="0"/>
               </a:spcBef>
@@ -1878,6 +2227,9 @@
               <a:defRPr sz="5200"/>
             </a:lvl4pPr>
             <a:lvl5pPr lvl="4" algn="ctr">
+              <a:lnSpc>
+                <a:spcPct val="100000"/>
+              </a:lnSpc>
               <a:spcBef>
                 <a:spcPts val="0"/>
               </a:spcBef>
@@ -1889,6 +2241,9 @@
               <a:defRPr sz="5200"/>
             </a:lvl5pPr>
             <a:lvl6pPr lvl="5" algn="ctr">
+              <a:lnSpc>
+                <a:spcPct val="100000"/>
+              </a:lnSpc>
               <a:spcBef>
                 <a:spcPts val="0"/>
               </a:spcBef>
@@ -1900,6 +2255,9 @@
               <a:defRPr sz="5200"/>
             </a:lvl6pPr>
             <a:lvl7pPr lvl="6" algn="ctr">
+              <a:lnSpc>
+                <a:spcPct val="100000"/>
+              </a:lnSpc>
               <a:spcBef>
                 <a:spcPts val="0"/>
               </a:spcBef>
@@ -1911,6 +2269,9 @@
               <a:defRPr sz="5200"/>
             </a:lvl7pPr>
             <a:lvl8pPr lvl="7" algn="ctr">
+              <a:lnSpc>
+                <a:spcPct val="100000"/>
+              </a:lnSpc>
               <a:spcBef>
                 <a:spcPts val="0"/>
               </a:spcBef>
@@ -1922,6 +2283,9 @@
               <a:defRPr sz="5200"/>
             </a:lvl8pPr>
             <a:lvl9pPr lvl="8" algn="ctr">
+              <a:lnSpc>
+                <a:spcPct val="100000"/>
+              </a:lnSpc>
               <a:spcBef>
                 <a:spcPts val="0"/>
               </a:spcBef>
@@ -1952,6 +2316,10 @@
           <a:prstGeom prst="rect">
             <a:avLst/>
           </a:prstGeom>
+          <a:noFill/>
+          <a:ln>
+            <a:noFill/>
+          </a:ln>
         </p:spPr>
         <p:txBody>
           <a:bodyPr anchorCtr="0" anchor="t" bIns="91425" lIns="91425" spcFirstLastPara="1" rIns="91425" wrap="square" tIns="91425">
@@ -2104,47 +2472,249 @@
           <a:prstGeom prst="rect">
             <a:avLst/>
           </a:prstGeom>
+          <a:noFill/>
+          <a:ln>
+            <a:noFill/>
+          </a:ln>
         </p:spPr>
         <p:txBody>
           <a:bodyPr anchorCtr="0" anchor="ctr" bIns="91425" lIns="91425" spcFirstLastPara="1" rIns="91425" wrap="square" tIns="91425">
             <a:normAutofit/>
           </a:bodyPr>
           <a:lstStyle>
-            <a:lvl1pPr lvl="0">
-              <a:buNone/>
-              <a:defRPr/>
+            <a:lvl1pPr indent="0" lvl="0" marL="0" marR="0" algn="r">
+              <a:lnSpc>
+                <a:spcPct val="100000"/>
+              </a:lnSpc>
+              <a:spcBef>
+                <a:spcPts val="0"/>
+              </a:spcBef>
+              <a:spcAft>
+                <a:spcPts val="0"/>
+              </a:spcAft>
+              <a:buClr>
+                <a:srgbClr val="000000"/>
+              </a:buClr>
+              <a:buSzPts val="1000"/>
+              <a:buFont typeface="Arial"/>
+              <a:buNone/>
+              <a:defRPr b="0" i="0" sz="1000" u="none" cap="none" strike="noStrike">
+                <a:solidFill>
+                  <a:schemeClr val="dk2"/>
+                </a:solidFill>
+                <a:latin typeface="Arial"/>
+                <a:ea typeface="Arial"/>
+                <a:cs typeface="Arial"/>
+                <a:sym typeface="Arial"/>
+              </a:defRPr>
             </a:lvl1pPr>
-            <a:lvl2pPr lvl="1">
-              <a:buNone/>
-              <a:defRPr/>
+            <a:lvl2pPr indent="0" lvl="1" marL="0" marR="0" algn="r">
+              <a:lnSpc>
+                <a:spcPct val="100000"/>
+              </a:lnSpc>
+              <a:spcBef>
+                <a:spcPts val="0"/>
+              </a:spcBef>
+              <a:spcAft>
+                <a:spcPts val="0"/>
+              </a:spcAft>
+              <a:buClr>
+                <a:srgbClr val="000000"/>
+              </a:buClr>
+              <a:buSzPts val="1000"/>
+              <a:buFont typeface="Arial"/>
+              <a:buNone/>
+              <a:defRPr b="0" i="0" sz="1000" u="none" cap="none" strike="noStrike">
+                <a:solidFill>
+                  <a:schemeClr val="dk2"/>
+                </a:solidFill>
+                <a:latin typeface="Arial"/>
+                <a:ea typeface="Arial"/>
+                <a:cs typeface="Arial"/>
+                <a:sym typeface="Arial"/>
+              </a:defRPr>
             </a:lvl2pPr>
-            <a:lvl3pPr lvl="2">
-              <a:buNone/>
-              <a:defRPr/>
+            <a:lvl3pPr indent="0" lvl="2" marL="0" marR="0" algn="r">
+              <a:lnSpc>
+                <a:spcPct val="100000"/>
+              </a:lnSpc>
+              <a:spcBef>
+                <a:spcPts val="0"/>
+              </a:spcBef>
+              <a:spcAft>
+                <a:spcPts val="0"/>
+              </a:spcAft>
+              <a:buClr>
+                <a:srgbClr val="000000"/>
+              </a:buClr>
+              <a:buSzPts val="1000"/>
+              <a:buFont typeface="Arial"/>
+              <a:buNone/>
+              <a:defRPr b="0" i="0" sz="1000" u="none" cap="none" strike="noStrike">
+                <a:solidFill>
+                  <a:schemeClr val="dk2"/>
+                </a:solidFill>
+                <a:latin typeface="Arial"/>
+                <a:ea typeface="Arial"/>
+                <a:cs typeface="Arial"/>
+                <a:sym typeface="Arial"/>
+              </a:defRPr>
             </a:lvl3pPr>
-            <a:lvl4pPr lvl="3">
-              <a:buNone/>
-              <a:defRPr/>
+            <a:lvl4pPr indent="0" lvl="3" marL="0" marR="0" algn="r">
+              <a:lnSpc>
+                <a:spcPct val="100000"/>
+              </a:lnSpc>
+              <a:spcBef>
+                <a:spcPts val="0"/>
+              </a:spcBef>
+              <a:spcAft>
+                <a:spcPts val="0"/>
+              </a:spcAft>
+              <a:buClr>
+                <a:srgbClr val="000000"/>
+              </a:buClr>
+              <a:buSzPts val="1000"/>
+              <a:buFont typeface="Arial"/>
+              <a:buNone/>
+              <a:defRPr b="0" i="0" sz="1000" u="none" cap="none" strike="noStrike">
+                <a:solidFill>
+                  <a:schemeClr val="dk2"/>
+                </a:solidFill>
+                <a:latin typeface="Arial"/>
+                <a:ea typeface="Arial"/>
+                <a:cs typeface="Arial"/>
+                <a:sym typeface="Arial"/>
+              </a:defRPr>
             </a:lvl4pPr>
-            <a:lvl5pPr lvl="4">
-              <a:buNone/>
-              <a:defRPr/>
+            <a:lvl5pPr indent="0" lvl="4" marL="0" marR="0" algn="r">
+              <a:lnSpc>
+                <a:spcPct val="100000"/>
+              </a:lnSpc>
+              <a:spcBef>
+                <a:spcPts val="0"/>
+              </a:spcBef>
+              <a:spcAft>
+                <a:spcPts val="0"/>
+              </a:spcAft>
+              <a:buClr>
+                <a:srgbClr val="000000"/>
+              </a:buClr>
+              <a:buSzPts val="1000"/>
+              <a:buFont typeface="Arial"/>
+              <a:buNone/>
+              <a:defRPr b="0" i="0" sz="1000" u="none" cap="none" strike="noStrike">
+                <a:solidFill>
+                  <a:schemeClr val="dk2"/>
+                </a:solidFill>
+                <a:latin typeface="Arial"/>
+                <a:ea typeface="Arial"/>
+                <a:cs typeface="Arial"/>
+                <a:sym typeface="Arial"/>
+              </a:defRPr>
             </a:lvl5pPr>
-            <a:lvl6pPr lvl="5">
-              <a:buNone/>
-              <a:defRPr/>
+            <a:lvl6pPr indent="0" lvl="5" marL="0" marR="0" algn="r">
+              <a:lnSpc>
+                <a:spcPct val="100000"/>
+              </a:lnSpc>
+              <a:spcBef>
+                <a:spcPts val="0"/>
+              </a:spcBef>
+              <a:spcAft>
+                <a:spcPts val="0"/>
+              </a:spcAft>
+              <a:buClr>
+                <a:srgbClr val="000000"/>
+              </a:buClr>
+              <a:buSzPts val="1000"/>
+              <a:buFont typeface="Arial"/>
+              <a:buNone/>
+              <a:defRPr b="0" i="0" sz="1000" u="none" cap="none" strike="noStrike">
+                <a:solidFill>
+                  <a:schemeClr val="dk2"/>
+                </a:solidFill>
+                <a:latin typeface="Arial"/>
+                <a:ea typeface="Arial"/>
+                <a:cs typeface="Arial"/>
+                <a:sym typeface="Arial"/>
+              </a:defRPr>
             </a:lvl6pPr>
-            <a:lvl7pPr lvl="6">
-              <a:buNone/>
-              <a:defRPr/>
+            <a:lvl7pPr indent="0" lvl="6" marL="0" marR="0" algn="r">
+              <a:lnSpc>
+                <a:spcPct val="100000"/>
+              </a:lnSpc>
+              <a:spcBef>
+                <a:spcPts val="0"/>
+              </a:spcBef>
+              <a:spcAft>
+                <a:spcPts val="0"/>
+              </a:spcAft>
+              <a:buClr>
+                <a:srgbClr val="000000"/>
+              </a:buClr>
+              <a:buSzPts val="1000"/>
+              <a:buFont typeface="Arial"/>
+              <a:buNone/>
+              <a:defRPr b="0" i="0" sz="1000" u="none" cap="none" strike="noStrike">
+                <a:solidFill>
+                  <a:schemeClr val="dk2"/>
+                </a:solidFill>
+                <a:latin typeface="Arial"/>
+                <a:ea typeface="Arial"/>
+                <a:cs typeface="Arial"/>
+                <a:sym typeface="Arial"/>
+              </a:defRPr>
             </a:lvl7pPr>
-            <a:lvl8pPr lvl="7">
-              <a:buNone/>
-              <a:defRPr/>
+            <a:lvl8pPr indent="0" lvl="7" marL="0" marR="0" algn="r">
+              <a:lnSpc>
+                <a:spcPct val="100000"/>
+              </a:lnSpc>
+              <a:spcBef>
+                <a:spcPts val="0"/>
+              </a:spcBef>
+              <a:spcAft>
+                <a:spcPts val="0"/>
+              </a:spcAft>
+              <a:buClr>
+                <a:srgbClr val="000000"/>
+              </a:buClr>
+              <a:buSzPts val="1000"/>
+              <a:buFont typeface="Arial"/>
+              <a:buNone/>
+              <a:defRPr b="0" i="0" sz="1000" u="none" cap="none" strike="noStrike">
+                <a:solidFill>
+                  <a:schemeClr val="dk2"/>
+                </a:solidFill>
+                <a:latin typeface="Arial"/>
+                <a:ea typeface="Arial"/>
+                <a:cs typeface="Arial"/>
+                <a:sym typeface="Arial"/>
+              </a:defRPr>
             </a:lvl8pPr>
-            <a:lvl9pPr lvl="8">
-              <a:buNone/>
-              <a:defRPr/>
+            <a:lvl9pPr indent="0" lvl="8" marL="0" marR="0" algn="r">
+              <a:lnSpc>
+                <a:spcPct val="100000"/>
+              </a:lnSpc>
+              <a:spcBef>
+                <a:spcPts val="0"/>
+              </a:spcBef>
+              <a:spcAft>
+                <a:spcPts val="0"/>
+              </a:spcAft>
+              <a:buClr>
+                <a:srgbClr val="000000"/>
+              </a:buClr>
+              <a:buSzPts val="1000"/>
+              <a:buFont typeface="Arial"/>
+              <a:buNone/>
+              <a:defRPr b="0" i="0" sz="1000" u="none" cap="none" strike="noStrike">
+                <a:solidFill>
+                  <a:schemeClr val="dk2"/>
+                </a:solidFill>
+                <a:latin typeface="Arial"/>
+                <a:ea typeface="Arial"/>
+                <a:cs typeface="Arial"/>
+                <a:sym typeface="Arial"/>
+              </a:defRPr>
             </a:lvl9pPr>
           </a:lstStyle>
           <a:p>
@@ -2206,6 +2776,10 @@
           <a:prstGeom prst="rect">
             <a:avLst/>
           </a:prstGeom>
+          <a:noFill/>
+          <a:ln>
+            <a:noFill/>
+          </a:ln>
         </p:spPr>
         <p:txBody>
           <a:bodyPr anchorCtr="0" anchor="b" bIns="91425" lIns="91425" spcFirstLastPara="1" rIns="91425" wrap="square" tIns="91425">
@@ -2213,6 +2787,9 @@
           </a:bodyPr>
           <a:lstStyle>
             <a:lvl1pPr lvl="0" algn="ctr">
+              <a:lnSpc>
+                <a:spcPct val="100000"/>
+              </a:lnSpc>
               <a:spcBef>
                 <a:spcPts val="0"/>
               </a:spcBef>
@@ -2224,6 +2801,9 @@
               <a:defRPr sz="12000"/>
             </a:lvl1pPr>
             <a:lvl2pPr lvl="1" algn="ctr">
+              <a:lnSpc>
+                <a:spcPct val="100000"/>
+              </a:lnSpc>
               <a:spcBef>
                 <a:spcPts val="0"/>
               </a:spcBef>
@@ -2235,6 +2815,9 @@
               <a:defRPr sz="12000"/>
             </a:lvl2pPr>
             <a:lvl3pPr lvl="2" algn="ctr">
+              <a:lnSpc>
+                <a:spcPct val="100000"/>
+              </a:lnSpc>
               <a:spcBef>
                 <a:spcPts val="0"/>
               </a:spcBef>
@@ -2246,6 +2829,9 @@
               <a:defRPr sz="12000"/>
             </a:lvl3pPr>
             <a:lvl4pPr lvl="3" algn="ctr">
+              <a:lnSpc>
+                <a:spcPct val="100000"/>
+              </a:lnSpc>
               <a:spcBef>
                 <a:spcPts val="0"/>
               </a:spcBef>
@@ -2257,6 +2843,9 @@
               <a:defRPr sz="12000"/>
             </a:lvl4pPr>
             <a:lvl5pPr lvl="4" algn="ctr">
+              <a:lnSpc>
+                <a:spcPct val="100000"/>
+              </a:lnSpc>
               <a:spcBef>
                 <a:spcPts val="0"/>
               </a:spcBef>
@@ -2268,6 +2857,9 @@
               <a:defRPr sz="12000"/>
             </a:lvl5pPr>
             <a:lvl6pPr lvl="5" algn="ctr">
+              <a:lnSpc>
+                <a:spcPct val="100000"/>
+              </a:lnSpc>
               <a:spcBef>
                 <a:spcPts val="0"/>
               </a:spcBef>
@@ -2279,6 +2871,9 @@
               <a:defRPr sz="12000"/>
             </a:lvl6pPr>
             <a:lvl7pPr lvl="6" algn="ctr">
+              <a:lnSpc>
+                <a:spcPct val="100000"/>
+              </a:lnSpc>
               <a:spcBef>
                 <a:spcPts val="0"/>
               </a:spcBef>
@@ -2290,6 +2885,9 @@
               <a:defRPr sz="12000"/>
             </a:lvl7pPr>
             <a:lvl8pPr lvl="7" algn="ctr">
+              <a:lnSpc>
+                <a:spcPct val="100000"/>
+              </a:lnSpc>
               <a:spcBef>
                 <a:spcPts val="0"/>
               </a:spcBef>
@@ -2301,6 +2899,9 @@
               <a:defRPr sz="12000"/>
             </a:lvl8pPr>
             <a:lvl9pPr lvl="8" algn="ctr">
+              <a:lnSpc>
+                <a:spcPct val="100000"/>
+              </a:lnSpc>
               <a:spcBef>
                 <a:spcPts val="0"/>
               </a:spcBef>
@@ -2335,6 +2936,10 @@
           <a:prstGeom prst="rect">
             <a:avLst/>
           </a:prstGeom>
+          <a:noFill/>
+          <a:ln>
+            <a:noFill/>
+          </a:ln>
         </p:spPr>
         <p:txBody>
           <a:bodyPr anchorCtr="0" anchor="t" bIns="91425" lIns="91425" spcFirstLastPara="1" rIns="91425" wrap="square" tIns="91425">
@@ -2342,6 +2947,9 @@
           </a:bodyPr>
           <a:lstStyle>
             <a:lvl1pPr indent="-342900" lvl="0" marL="457200" algn="ctr">
+              <a:lnSpc>
+                <a:spcPct val="115000"/>
+              </a:lnSpc>
               <a:spcBef>
                 <a:spcPts val="0"/>
               </a:spcBef>
@@ -2353,6 +2961,9 @@
               <a:defRPr/>
             </a:lvl1pPr>
             <a:lvl2pPr indent="-317500" lvl="1" marL="914400" algn="ctr">
+              <a:lnSpc>
+                <a:spcPct val="115000"/>
+              </a:lnSpc>
               <a:spcBef>
                 <a:spcPts val="0"/>
               </a:spcBef>
@@ -2364,6 +2975,9 @@
               <a:defRPr/>
             </a:lvl2pPr>
             <a:lvl3pPr indent="-317500" lvl="2" marL="1371600" algn="ctr">
+              <a:lnSpc>
+                <a:spcPct val="115000"/>
+              </a:lnSpc>
               <a:spcBef>
                 <a:spcPts val="0"/>
               </a:spcBef>
@@ -2375,6 +2989,9 @@
               <a:defRPr/>
             </a:lvl3pPr>
             <a:lvl4pPr indent="-317500" lvl="3" marL="1828800" algn="ctr">
+              <a:lnSpc>
+                <a:spcPct val="115000"/>
+              </a:lnSpc>
               <a:spcBef>
                 <a:spcPts val="0"/>
               </a:spcBef>
@@ -2386,6 +3003,9 @@
               <a:defRPr/>
             </a:lvl4pPr>
             <a:lvl5pPr indent="-317500" lvl="4" marL="2286000" algn="ctr">
+              <a:lnSpc>
+                <a:spcPct val="115000"/>
+              </a:lnSpc>
               <a:spcBef>
                 <a:spcPts val="0"/>
               </a:spcBef>
@@ -2397,6 +3017,9 @@
               <a:defRPr/>
             </a:lvl5pPr>
             <a:lvl6pPr indent="-317500" lvl="5" marL="2743200" algn="ctr">
+              <a:lnSpc>
+                <a:spcPct val="115000"/>
+              </a:lnSpc>
               <a:spcBef>
                 <a:spcPts val="0"/>
               </a:spcBef>
@@ -2408,6 +3031,9 @@
               <a:defRPr/>
             </a:lvl6pPr>
             <a:lvl7pPr indent="-317500" lvl="6" marL="3200400" algn="ctr">
+              <a:lnSpc>
+                <a:spcPct val="115000"/>
+              </a:lnSpc>
               <a:spcBef>
                 <a:spcPts val="0"/>
               </a:spcBef>
@@ -2419,6 +3045,9 @@
               <a:defRPr/>
             </a:lvl7pPr>
             <a:lvl8pPr indent="-317500" lvl="7" marL="3657600" algn="ctr">
+              <a:lnSpc>
+                <a:spcPct val="115000"/>
+              </a:lnSpc>
               <a:spcBef>
                 <a:spcPts val="0"/>
               </a:spcBef>
@@ -2430,6 +3059,9 @@
               <a:defRPr/>
             </a:lvl8pPr>
             <a:lvl9pPr indent="-317500" lvl="8" marL="4114800" algn="ctr">
+              <a:lnSpc>
+                <a:spcPct val="115000"/>
+              </a:lnSpc>
               <a:spcBef>
                 <a:spcPts val="0"/>
               </a:spcBef>
@@ -2460,47 +3092,249 @@
           <a:prstGeom prst="rect">
             <a:avLst/>
           </a:prstGeom>
+          <a:noFill/>
+          <a:ln>
+            <a:noFill/>
+          </a:ln>
         </p:spPr>
         <p:txBody>
           <a:bodyPr anchorCtr="0" anchor="ctr" bIns="91425" lIns="91425" spcFirstLastPara="1" rIns="91425" wrap="square" tIns="91425">
             <a:normAutofit/>
           </a:bodyPr>
           <a:lstStyle>
-            <a:lvl1pPr lvl="0">
-              <a:buNone/>
-              <a:defRPr/>
+            <a:lvl1pPr indent="0" lvl="0" marL="0" marR="0" algn="r">
+              <a:lnSpc>
+                <a:spcPct val="100000"/>
+              </a:lnSpc>
+              <a:spcBef>
+                <a:spcPts val="0"/>
+              </a:spcBef>
+              <a:spcAft>
+                <a:spcPts val="0"/>
+              </a:spcAft>
+              <a:buClr>
+                <a:srgbClr val="000000"/>
+              </a:buClr>
+              <a:buSzPts val="1000"/>
+              <a:buFont typeface="Arial"/>
+              <a:buNone/>
+              <a:defRPr b="0" i="0" sz="1000" u="none" cap="none" strike="noStrike">
+                <a:solidFill>
+                  <a:schemeClr val="dk2"/>
+                </a:solidFill>
+                <a:latin typeface="Arial"/>
+                <a:ea typeface="Arial"/>
+                <a:cs typeface="Arial"/>
+                <a:sym typeface="Arial"/>
+              </a:defRPr>
             </a:lvl1pPr>
-            <a:lvl2pPr lvl="1">
-              <a:buNone/>
-              <a:defRPr/>
+            <a:lvl2pPr indent="0" lvl="1" marL="0" marR="0" algn="r">
+              <a:lnSpc>
+                <a:spcPct val="100000"/>
+              </a:lnSpc>
+              <a:spcBef>
+                <a:spcPts val="0"/>
+              </a:spcBef>
+              <a:spcAft>
+                <a:spcPts val="0"/>
+              </a:spcAft>
+              <a:buClr>
+                <a:srgbClr val="000000"/>
+              </a:buClr>
+              <a:buSzPts val="1000"/>
+              <a:buFont typeface="Arial"/>
+              <a:buNone/>
+              <a:defRPr b="0" i="0" sz="1000" u="none" cap="none" strike="noStrike">
+                <a:solidFill>
+                  <a:schemeClr val="dk2"/>
+                </a:solidFill>
+                <a:latin typeface="Arial"/>
+                <a:ea typeface="Arial"/>
+                <a:cs typeface="Arial"/>
+                <a:sym typeface="Arial"/>
+              </a:defRPr>
             </a:lvl2pPr>
-            <a:lvl3pPr lvl="2">
-              <a:buNone/>
-              <a:defRPr/>
+            <a:lvl3pPr indent="0" lvl="2" marL="0" marR="0" algn="r">
+              <a:lnSpc>
+                <a:spcPct val="100000"/>
+              </a:lnSpc>
+              <a:spcBef>
+                <a:spcPts val="0"/>
+              </a:spcBef>
+              <a:spcAft>
+                <a:spcPts val="0"/>
+              </a:spcAft>
+              <a:buClr>
+                <a:srgbClr val="000000"/>
+              </a:buClr>
+              <a:buSzPts val="1000"/>
+              <a:buFont typeface="Arial"/>
+              <a:buNone/>
+              <a:defRPr b="0" i="0" sz="1000" u="none" cap="none" strike="noStrike">
+                <a:solidFill>
+                  <a:schemeClr val="dk2"/>
+                </a:solidFill>
+                <a:latin typeface="Arial"/>
+                <a:ea typeface="Arial"/>
+                <a:cs typeface="Arial"/>
+                <a:sym typeface="Arial"/>
+              </a:defRPr>
             </a:lvl3pPr>
-            <a:lvl4pPr lvl="3">
-              <a:buNone/>
-              <a:defRPr/>
+            <a:lvl4pPr indent="0" lvl="3" marL="0" marR="0" algn="r">
+              <a:lnSpc>
+                <a:spcPct val="100000"/>
+              </a:lnSpc>
+              <a:spcBef>
+                <a:spcPts val="0"/>
+              </a:spcBef>
+              <a:spcAft>
+                <a:spcPts val="0"/>
+              </a:spcAft>
+              <a:buClr>
+                <a:srgbClr val="000000"/>
+              </a:buClr>
+              <a:buSzPts val="1000"/>
+              <a:buFont typeface="Arial"/>
+              <a:buNone/>
+              <a:defRPr b="0" i="0" sz="1000" u="none" cap="none" strike="noStrike">
+                <a:solidFill>
+                  <a:schemeClr val="dk2"/>
+                </a:solidFill>
+                <a:latin typeface="Arial"/>
+                <a:ea typeface="Arial"/>
+                <a:cs typeface="Arial"/>
+                <a:sym typeface="Arial"/>
+              </a:defRPr>
             </a:lvl4pPr>
-            <a:lvl5pPr lvl="4">
-              <a:buNone/>
-              <a:defRPr/>
+            <a:lvl5pPr indent="0" lvl="4" marL="0" marR="0" algn="r">
+              <a:lnSpc>
+                <a:spcPct val="100000"/>
+              </a:lnSpc>
+              <a:spcBef>
+                <a:spcPts val="0"/>
+              </a:spcBef>
+              <a:spcAft>
+                <a:spcPts val="0"/>
+              </a:spcAft>
+              <a:buClr>
+                <a:srgbClr val="000000"/>
+              </a:buClr>
+              <a:buSzPts val="1000"/>
+              <a:buFont typeface="Arial"/>
+              <a:buNone/>
+              <a:defRPr b="0" i="0" sz="1000" u="none" cap="none" strike="noStrike">
+                <a:solidFill>
+                  <a:schemeClr val="dk2"/>
+                </a:solidFill>
+                <a:latin typeface="Arial"/>
+                <a:ea typeface="Arial"/>
+                <a:cs typeface="Arial"/>
+                <a:sym typeface="Arial"/>
+              </a:defRPr>
             </a:lvl5pPr>
-            <a:lvl6pPr lvl="5">
-              <a:buNone/>
-              <a:defRPr/>
+            <a:lvl6pPr indent="0" lvl="5" marL="0" marR="0" algn="r">
+              <a:lnSpc>
+                <a:spcPct val="100000"/>
+              </a:lnSpc>
+              <a:spcBef>
+                <a:spcPts val="0"/>
+              </a:spcBef>
+              <a:spcAft>
+                <a:spcPts val="0"/>
+              </a:spcAft>
+              <a:buClr>
+                <a:srgbClr val="000000"/>
+              </a:buClr>
+              <a:buSzPts val="1000"/>
+              <a:buFont typeface="Arial"/>
+              <a:buNone/>
+              <a:defRPr b="0" i="0" sz="1000" u="none" cap="none" strike="noStrike">
+                <a:solidFill>
+                  <a:schemeClr val="dk2"/>
+                </a:solidFill>
+                <a:latin typeface="Arial"/>
+                <a:ea typeface="Arial"/>
+                <a:cs typeface="Arial"/>
+                <a:sym typeface="Arial"/>
+              </a:defRPr>
             </a:lvl6pPr>
-            <a:lvl7pPr lvl="6">
-              <a:buNone/>
-              <a:defRPr/>
+            <a:lvl7pPr indent="0" lvl="6" marL="0" marR="0" algn="r">
+              <a:lnSpc>
+                <a:spcPct val="100000"/>
+              </a:lnSpc>
+              <a:spcBef>
+                <a:spcPts val="0"/>
+              </a:spcBef>
+              <a:spcAft>
+                <a:spcPts val="0"/>
+              </a:spcAft>
+              <a:buClr>
+                <a:srgbClr val="000000"/>
+              </a:buClr>
+              <a:buSzPts val="1000"/>
+              <a:buFont typeface="Arial"/>
+              <a:buNone/>
+              <a:defRPr b="0" i="0" sz="1000" u="none" cap="none" strike="noStrike">
+                <a:solidFill>
+                  <a:schemeClr val="dk2"/>
+                </a:solidFill>
+                <a:latin typeface="Arial"/>
+                <a:ea typeface="Arial"/>
+                <a:cs typeface="Arial"/>
+                <a:sym typeface="Arial"/>
+              </a:defRPr>
             </a:lvl7pPr>
-            <a:lvl8pPr lvl="7">
-              <a:buNone/>
-              <a:defRPr/>
+            <a:lvl8pPr indent="0" lvl="7" marL="0" marR="0" algn="r">
+              <a:lnSpc>
+                <a:spcPct val="100000"/>
+              </a:lnSpc>
+              <a:spcBef>
+                <a:spcPts val="0"/>
+              </a:spcBef>
+              <a:spcAft>
+                <a:spcPts val="0"/>
+              </a:spcAft>
+              <a:buClr>
+                <a:srgbClr val="000000"/>
+              </a:buClr>
+              <a:buSzPts val="1000"/>
+              <a:buFont typeface="Arial"/>
+              <a:buNone/>
+              <a:defRPr b="0" i="0" sz="1000" u="none" cap="none" strike="noStrike">
+                <a:solidFill>
+                  <a:schemeClr val="dk2"/>
+                </a:solidFill>
+                <a:latin typeface="Arial"/>
+                <a:ea typeface="Arial"/>
+                <a:cs typeface="Arial"/>
+                <a:sym typeface="Arial"/>
+              </a:defRPr>
             </a:lvl8pPr>
-            <a:lvl9pPr lvl="8">
-              <a:buNone/>
-              <a:defRPr/>
+            <a:lvl9pPr indent="0" lvl="8" marL="0" marR="0" algn="r">
+              <a:lnSpc>
+                <a:spcPct val="100000"/>
+              </a:lnSpc>
+              <a:spcBef>
+                <a:spcPts val="0"/>
+              </a:spcBef>
+              <a:spcAft>
+                <a:spcPts val="0"/>
+              </a:spcAft>
+              <a:buClr>
+                <a:srgbClr val="000000"/>
+              </a:buClr>
+              <a:buSzPts val="1000"/>
+              <a:buFont typeface="Arial"/>
+              <a:buNone/>
+              <a:defRPr b="0" i="0" sz="1000" u="none" cap="none" strike="noStrike">
+                <a:solidFill>
+                  <a:schemeClr val="dk2"/>
+                </a:solidFill>
+                <a:latin typeface="Arial"/>
+                <a:ea typeface="Arial"/>
+                <a:cs typeface="Arial"/>
+                <a:sym typeface="Arial"/>
+              </a:defRPr>
             </a:lvl9pPr>
           </a:lstStyle>
           <a:p>
@@ -2562,47 +3396,249 @@
           <a:prstGeom prst="rect">
             <a:avLst/>
           </a:prstGeom>
+          <a:noFill/>
+          <a:ln>
+            <a:noFill/>
+          </a:ln>
         </p:spPr>
         <p:txBody>
           <a:bodyPr anchorCtr="0" anchor="ctr" bIns="91425" lIns="91425" spcFirstLastPara="1" rIns="91425" wrap="square" tIns="91425">
             <a:normAutofit/>
           </a:bodyPr>
           <a:lstStyle>
-            <a:lvl1pPr lvl="0">
-              <a:buNone/>
-              <a:defRPr/>
+            <a:lvl1pPr indent="0" lvl="0" marL="0" marR="0" algn="r">
+              <a:lnSpc>
+                <a:spcPct val="100000"/>
+              </a:lnSpc>
+              <a:spcBef>
+                <a:spcPts val="0"/>
+              </a:spcBef>
+              <a:spcAft>
+                <a:spcPts val="0"/>
+              </a:spcAft>
+              <a:buClr>
+                <a:srgbClr val="000000"/>
+              </a:buClr>
+              <a:buSzPts val="1000"/>
+              <a:buFont typeface="Arial"/>
+              <a:buNone/>
+              <a:defRPr b="0" i="0" sz="1000" u="none" cap="none" strike="noStrike">
+                <a:solidFill>
+                  <a:schemeClr val="dk2"/>
+                </a:solidFill>
+                <a:latin typeface="Arial"/>
+                <a:ea typeface="Arial"/>
+                <a:cs typeface="Arial"/>
+                <a:sym typeface="Arial"/>
+              </a:defRPr>
             </a:lvl1pPr>
-            <a:lvl2pPr lvl="1">
-              <a:buNone/>
-              <a:defRPr/>
+            <a:lvl2pPr indent="0" lvl="1" marL="0" marR="0" algn="r">
+              <a:lnSpc>
+                <a:spcPct val="100000"/>
+              </a:lnSpc>
+              <a:spcBef>
+                <a:spcPts val="0"/>
+              </a:spcBef>
+              <a:spcAft>
+                <a:spcPts val="0"/>
+              </a:spcAft>
+              <a:buClr>
+                <a:srgbClr val="000000"/>
+              </a:buClr>
+              <a:buSzPts val="1000"/>
+              <a:buFont typeface="Arial"/>
+              <a:buNone/>
+              <a:defRPr b="0" i="0" sz="1000" u="none" cap="none" strike="noStrike">
+                <a:solidFill>
+                  <a:schemeClr val="dk2"/>
+                </a:solidFill>
+                <a:latin typeface="Arial"/>
+                <a:ea typeface="Arial"/>
+                <a:cs typeface="Arial"/>
+                <a:sym typeface="Arial"/>
+              </a:defRPr>
             </a:lvl2pPr>
-            <a:lvl3pPr lvl="2">
-              <a:buNone/>
-              <a:defRPr/>
+            <a:lvl3pPr indent="0" lvl="2" marL="0" marR="0" algn="r">
+              <a:lnSpc>
+                <a:spcPct val="100000"/>
+              </a:lnSpc>
+              <a:spcBef>
+                <a:spcPts val="0"/>
+              </a:spcBef>
+              <a:spcAft>
+                <a:spcPts val="0"/>
+              </a:spcAft>
+              <a:buClr>
+                <a:srgbClr val="000000"/>
+              </a:buClr>
+              <a:buSzPts val="1000"/>
+              <a:buFont typeface="Arial"/>
+              <a:buNone/>
+              <a:defRPr b="0" i="0" sz="1000" u="none" cap="none" strike="noStrike">
+                <a:solidFill>
+                  <a:schemeClr val="dk2"/>
+                </a:solidFill>
+                <a:latin typeface="Arial"/>
+                <a:ea typeface="Arial"/>
+                <a:cs typeface="Arial"/>
+                <a:sym typeface="Arial"/>
+              </a:defRPr>
             </a:lvl3pPr>
-            <a:lvl4pPr lvl="3">
-              <a:buNone/>
-              <a:defRPr/>
+            <a:lvl4pPr indent="0" lvl="3" marL="0" marR="0" algn="r">
+              <a:lnSpc>
+                <a:spcPct val="100000"/>
+              </a:lnSpc>
+              <a:spcBef>
+                <a:spcPts val="0"/>
+              </a:spcBef>
+              <a:spcAft>
+                <a:spcPts val="0"/>
+              </a:spcAft>
+              <a:buClr>
+                <a:srgbClr val="000000"/>
+              </a:buClr>
+              <a:buSzPts val="1000"/>
+              <a:buFont typeface="Arial"/>
+              <a:buNone/>
+              <a:defRPr b="0" i="0" sz="1000" u="none" cap="none" strike="noStrike">
+                <a:solidFill>
+                  <a:schemeClr val="dk2"/>
+                </a:solidFill>
+                <a:latin typeface="Arial"/>
+                <a:ea typeface="Arial"/>
+                <a:cs typeface="Arial"/>
+                <a:sym typeface="Arial"/>
+              </a:defRPr>
             </a:lvl4pPr>
-            <a:lvl5pPr lvl="4">
-              <a:buNone/>
-              <a:defRPr/>
+            <a:lvl5pPr indent="0" lvl="4" marL="0" marR="0" algn="r">
+              <a:lnSpc>
+                <a:spcPct val="100000"/>
+              </a:lnSpc>
+              <a:spcBef>
+                <a:spcPts val="0"/>
+              </a:spcBef>
+              <a:spcAft>
+                <a:spcPts val="0"/>
+              </a:spcAft>
+              <a:buClr>
+                <a:srgbClr val="000000"/>
+              </a:buClr>
+              <a:buSzPts val="1000"/>
+              <a:buFont typeface="Arial"/>
+              <a:buNone/>
+              <a:defRPr b="0" i="0" sz="1000" u="none" cap="none" strike="noStrike">
+                <a:solidFill>
+                  <a:schemeClr val="dk2"/>
+                </a:solidFill>
+                <a:latin typeface="Arial"/>
+                <a:ea typeface="Arial"/>
+                <a:cs typeface="Arial"/>
+                <a:sym typeface="Arial"/>
+              </a:defRPr>
             </a:lvl5pPr>
-            <a:lvl6pPr lvl="5">
-              <a:buNone/>
-              <a:defRPr/>
+            <a:lvl6pPr indent="0" lvl="5" marL="0" marR="0" algn="r">
+              <a:lnSpc>
+                <a:spcPct val="100000"/>
+              </a:lnSpc>
+              <a:spcBef>
+                <a:spcPts val="0"/>
+              </a:spcBef>
+              <a:spcAft>
+                <a:spcPts val="0"/>
+              </a:spcAft>
+              <a:buClr>
+                <a:srgbClr val="000000"/>
+              </a:buClr>
+              <a:buSzPts val="1000"/>
+              <a:buFont typeface="Arial"/>
+              <a:buNone/>
+              <a:defRPr b="0" i="0" sz="1000" u="none" cap="none" strike="noStrike">
+                <a:solidFill>
+                  <a:schemeClr val="dk2"/>
+                </a:solidFill>
+                <a:latin typeface="Arial"/>
+                <a:ea typeface="Arial"/>
+                <a:cs typeface="Arial"/>
+                <a:sym typeface="Arial"/>
+              </a:defRPr>
             </a:lvl6pPr>
-            <a:lvl7pPr lvl="6">
-              <a:buNone/>
-              <a:defRPr/>
+            <a:lvl7pPr indent="0" lvl="6" marL="0" marR="0" algn="r">
+              <a:lnSpc>
+                <a:spcPct val="100000"/>
+              </a:lnSpc>
+              <a:spcBef>
+                <a:spcPts val="0"/>
+              </a:spcBef>
+              <a:spcAft>
+                <a:spcPts val="0"/>
+              </a:spcAft>
+              <a:buClr>
+                <a:srgbClr val="000000"/>
+              </a:buClr>
+              <a:buSzPts val="1000"/>
+              <a:buFont typeface="Arial"/>
+              <a:buNone/>
+              <a:defRPr b="0" i="0" sz="1000" u="none" cap="none" strike="noStrike">
+                <a:solidFill>
+                  <a:schemeClr val="dk2"/>
+                </a:solidFill>
+                <a:latin typeface="Arial"/>
+                <a:ea typeface="Arial"/>
+                <a:cs typeface="Arial"/>
+                <a:sym typeface="Arial"/>
+              </a:defRPr>
             </a:lvl7pPr>
-            <a:lvl8pPr lvl="7">
-              <a:buNone/>
-              <a:defRPr/>
+            <a:lvl8pPr indent="0" lvl="7" marL="0" marR="0" algn="r">
+              <a:lnSpc>
+                <a:spcPct val="100000"/>
+              </a:lnSpc>
+              <a:spcBef>
+                <a:spcPts val="0"/>
+              </a:spcBef>
+              <a:spcAft>
+                <a:spcPts val="0"/>
+              </a:spcAft>
+              <a:buClr>
+                <a:srgbClr val="000000"/>
+              </a:buClr>
+              <a:buSzPts val="1000"/>
+              <a:buFont typeface="Arial"/>
+              <a:buNone/>
+              <a:defRPr b="0" i="0" sz="1000" u="none" cap="none" strike="noStrike">
+                <a:solidFill>
+                  <a:schemeClr val="dk2"/>
+                </a:solidFill>
+                <a:latin typeface="Arial"/>
+                <a:ea typeface="Arial"/>
+                <a:cs typeface="Arial"/>
+                <a:sym typeface="Arial"/>
+              </a:defRPr>
             </a:lvl8pPr>
-            <a:lvl9pPr lvl="8">
-              <a:buNone/>
-              <a:defRPr/>
+            <a:lvl9pPr indent="0" lvl="8" marL="0" marR="0" algn="r">
+              <a:lnSpc>
+                <a:spcPct val="100000"/>
+              </a:lnSpc>
+              <a:spcBef>
+                <a:spcPts val="0"/>
+              </a:spcBef>
+              <a:spcAft>
+                <a:spcPts val="0"/>
+              </a:spcAft>
+              <a:buClr>
+                <a:srgbClr val="000000"/>
+              </a:buClr>
+              <a:buSzPts val="1000"/>
+              <a:buFont typeface="Arial"/>
+              <a:buNone/>
+              <a:defRPr b="0" i="0" sz="1000" u="none" cap="none" strike="noStrike">
+                <a:solidFill>
+                  <a:schemeClr val="dk2"/>
+                </a:solidFill>
+                <a:latin typeface="Arial"/>
+                <a:ea typeface="Arial"/>
+                <a:cs typeface="Arial"/>
+                <a:sym typeface="Arial"/>
+              </a:defRPr>
             </a:lvl9pPr>
           </a:lstStyle>
           <a:p>
@@ -2632,8 +3668,8 @@
 </file>
 
 <file path=ppt/slideLayouts/slideLayout2.xml><?xml version="1.0" encoding="utf-8"?>
-<p:sldLayout xmlns:a="http://schemas.openxmlformats.org/drawingml/2006/main" xmlns:r="http://schemas.openxmlformats.org/officeDocument/2006/relationships" xmlns:mc="http://schemas.openxmlformats.org/markup-compatibility/2006" xmlns:mv="urn:schemas-microsoft-com:mac:vml" xmlns:p="http://schemas.openxmlformats.org/presentationml/2006/main" xmlns:c="http://schemas.openxmlformats.org/drawingml/2006/chart" xmlns:dgm="http://schemas.openxmlformats.org/drawingml/2006/diagram" xmlns:o="urn:schemas-microsoft-com:office:office" xmlns:v="urn:schemas-microsoft-com:vml" xmlns:pvml="urn:schemas-microsoft-com:office:powerpoint" xmlns:com="http://schemas.openxmlformats.org/drawingml/2006/compatibility" xmlns:p14="http://schemas.microsoft.com/office/powerpoint/2010/main" xmlns:p15="http://schemas.microsoft.com/office/powerpoint/2012/main" xmlns:ahyp="http://schemas.microsoft.com/office/drawing/2018/hyperlinkcolor" matchingName="Section header" type="secHead">
-  <p:cSld name="SECTION_HEADER">
+<p:sldLayout xmlns:a="http://schemas.openxmlformats.org/drawingml/2006/main" xmlns:r="http://schemas.openxmlformats.org/officeDocument/2006/relationships" xmlns:mc="http://schemas.openxmlformats.org/markup-compatibility/2006" xmlns:mv="urn:schemas-microsoft-com:mac:vml" xmlns:p="http://schemas.openxmlformats.org/presentationml/2006/main" xmlns:c="http://schemas.openxmlformats.org/drawingml/2006/chart" xmlns:dgm="http://schemas.openxmlformats.org/drawingml/2006/diagram" xmlns:o="urn:schemas-microsoft-com:office:office" xmlns:v="urn:schemas-microsoft-com:vml" xmlns:pvml="urn:schemas-microsoft-com:office:powerpoint" xmlns:com="http://schemas.openxmlformats.org/drawingml/2006/compatibility" xmlns:p14="http://schemas.microsoft.com/office/powerpoint/2010/main" xmlns:p15="http://schemas.microsoft.com/office/powerpoint/2012/main" xmlns:ahyp="http://schemas.microsoft.com/office/drawing/2018/hyperlinkcolor" matchingName="Title and body" type="tx">
+  <p:cSld name="TITLE_AND_BODY">
     <p:spTree>
       <p:nvGrpSpPr>
         <p:cNvPr id="13" name="Shape 13"/>
@@ -2658,116 +3694,147 @@
         </p:nvSpPr>
         <p:spPr>
           <a:xfrm>
-            <a:off x="311700" y="2150850"/>
-            <a:ext cx="8520600" cy="841800"/>
+            <a:off x="311700" y="445025"/>
+            <a:ext cx="8520600" cy="572700"/>
           </a:xfrm>
           <a:prstGeom prst="rect">
             <a:avLst/>
           </a:prstGeom>
+          <a:noFill/>
+          <a:ln>
+            <a:noFill/>
+          </a:ln>
         </p:spPr>
         <p:txBody>
-          <a:bodyPr anchorCtr="0" anchor="ctr" bIns="91425" lIns="91425" spcFirstLastPara="1" rIns="91425" wrap="square" tIns="91425">
+          <a:bodyPr anchorCtr="0" anchor="t" bIns="91425" lIns="91425" spcFirstLastPara="1" rIns="91425" wrap="square" tIns="91425">
             <a:normAutofit/>
           </a:bodyPr>
           <a:lstStyle>
-            <a:lvl1pPr lvl="0" algn="ctr">
-              <a:spcBef>
-                <a:spcPts val="0"/>
-              </a:spcBef>
-              <a:spcAft>
-                <a:spcPts val="0"/>
-              </a:spcAft>
-              <a:buSzPts val="3600"/>
-              <a:buNone/>
-              <a:defRPr sz="3600"/>
+            <a:lvl1pPr lvl="0" algn="l">
+              <a:lnSpc>
+                <a:spcPct val="100000"/>
+              </a:lnSpc>
+              <a:spcBef>
+                <a:spcPts val="0"/>
+              </a:spcBef>
+              <a:spcAft>
+                <a:spcPts val="0"/>
+              </a:spcAft>
+              <a:buSzPts val="2800"/>
+              <a:buNone/>
+              <a:defRPr/>
             </a:lvl1pPr>
-            <a:lvl2pPr lvl="1" algn="ctr">
-              <a:spcBef>
-                <a:spcPts val="0"/>
-              </a:spcBef>
-              <a:spcAft>
-                <a:spcPts val="0"/>
-              </a:spcAft>
-              <a:buSzPts val="3600"/>
-              <a:buNone/>
-              <a:defRPr sz="3600"/>
+            <a:lvl2pPr lvl="1" algn="l">
+              <a:lnSpc>
+                <a:spcPct val="100000"/>
+              </a:lnSpc>
+              <a:spcBef>
+                <a:spcPts val="0"/>
+              </a:spcBef>
+              <a:spcAft>
+                <a:spcPts val="0"/>
+              </a:spcAft>
+              <a:buSzPts val="2800"/>
+              <a:buNone/>
+              <a:defRPr/>
             </a:lvl2pPr>
-            <a:lvl3pPr lvl="2" algn="ctr">
-              <a:spcBef>
-                <a:spcPts val="0"/>
-              </a:spcBef>
-              <a:spcAft>
-                <a:spcPts val="0"/>
-              </a:spcAft>
-              <a:buSzPts val="3600"/>
-              <a:buNone/>
-              <a:defRPr sz="3600"/>
+            <a:lvl3pPr lvl="2" algn="l">
+              <a:lnSpc>
+                <a:spcPct val="100000"/>
+              </a:lnSpc>
+              <a:spcBef>
+                <a:spcPts val="0"/>
+              </a:spcBef>
+              <a:spcAft>
+                <a:spcPts val="0"/>
+              </a:spcAft>
+              <a:buSzPts val="2800"/>
+              <a:buNone/>
+              <a:defRPr/>
             </a:lvl3pPr>
-            <a:lvl4pPr lvl="3" algn="ctr">
-              <a:spcBef>
-                <a:spcPts val="0"/>
-              </a:spcBef>
-              <a:spcAft>
-                <a:spcPts val="0"/>
-              </a:spcAft>
-              <a:buSzPts val="3600"/>
-              <a:buNone/>
-              <a:defRPr sz="3600"/>
+            <a:lvl4pPr lvl="3" algn="l">
+              <a:lnSpc>
+                <a:spcPct val="100000"/>
+              </a:lnSpc>
+              <a:spcBef>
+                <a:spcPts val="0"/>
+              </a:spcBef>
+              <a:spcAft>
+                <a:spcPts val="0"/>
+              </a:spcAft>
+              <a:buSzPts val="2800"/>
+              <a:buNone/>
+              <a:defRPr/>
             </a:lvl4pPr>
-            <a:lvl5pPr lvl="4" algn="ctr">
-              <a:spcBef>
-                <a:spcPts val="0"/>
-              </a:spcBef>
-              <a:spcAft>
-                <a:spcPts val="0"/>
-              </a:spcAft>
-              <a:buSzPts val="3600"/>
-              <a:buNone/>
-              <a:defRPr sz="3600"/>
+            <a:lvl5pPr lvl="4" algn="l">
+              <a:lnSpc>
+                <a:spcPct val="100000"/>
+              </a:lnSpc>
+              <a:spcBef>
+                <a:spcPts val="0"/>
+              </a:spcBef>
+              <a:spcAft>
+                <a:spcPts val="0"/>
+              </a:spcAft>
+              <a:buSzPts val="2800"/>
+              <a:buNone/>
+              <a:defRPr/>
             </a:lvl5pPr>
-            <a:lvl6pPr lvl="5" algn="ctr">
-              <a:spcBef>
-                <a:spcPts val="0"/>
-              </a:spcBef>
-              <a:spcAft>
-                <a:spcPts val="0"/>
-              </a:spcAft>
-              <a:buSzPts val="3600"/>
-              <a:buNone/>
-              <a:defRPr sz="3600"/>
+            <a:lvl6pPr lvl="5" algn="l">
+              <a:lnSpc>
+                <a:spcPct val="100000"/>
+              </a:lnSpc>
+              <a:spcBef>
+                <a:spcPts val="0"/>
+              </a:spcBef>
+              <a:spcAft>
+                <a:spcPts val="0"/>
+              </a:spcAft>
+              <a:buSzPts val="2800"/>
+              <a:buNone/>
+              <a:defRPr/>
             </a:lvl6pPr>
-            <a:lvl7pPr lvl="6" algn="ctr">
-              <a:spcBef>
-                <a:spcPts val="0"/>
-              </a:spcBef>
-              <a:spcAft>
-                <a:spcPts val="0"/>
-              </a:spcAft>
-              <a:buSzPts val="3600"/>
-              <a:buNone/>
-              <a:defRPr sz="3600"/>
+            <a:lvl7pPr lvl="6" algn="l">
+              <a:lnSpc>
+                <a:spcPct val="100000"/>
+              </a:lnSpc>
+              <a:spcBef>
+                <a:spcPts val="0"/>
+              </a:spcBef>
+              <a:spcAft>
+                <a:spcPts val="0"/>
+              </a:spcAft>
+              <a:buSzPts val="2800"/>
+              <a:buNone/>
+              <a:defRPr/>
             </a:lvl7pPr>
-            <a:lvl8pPr lvl="7" algn="ctr">
-              <a:spcBef>
-                <a:spcPts val="0"/>
-              </a:spcBef>
-              <a:spcAft>
-                <a:spcPts val="0"/>
-              </a:spcAft>
-              <a:buSzPts val="3600"/>
-              <a:buNone/>
-              <a:defRPr sz="3600"/>
+            <a:lvl8pPr lvl="7" algn="l">
+              <a:lnSpc>
+                <a:spcPct val="100000"/>
+              </a:lnSpc>
+              <a:spcBef>
+                <a:spcPts val="0"/>
+              </a:spcBef>
+              <a:spcAft>
+                <a:spcPts val="0"/>
+              </a:spcAft>
+              <a:buSzPts val="2800"/>
+              <a:buNone/>
+              <a:defRPr/>
             </a:lvl8pPr>
-            <a:lvl9pPr lvl="8" algn="ctr">
-              <a:spcBef>
-                <a:spcPts val="0"/>
-              </a:spcBef>
-              <a:spcAft>
-                <a:spcPts val="0"/>
-              </a:spcAft>
-              <a:buSzPts val="3600"/>
-              <a:buNone/>
-              <a:defRPr sz="3600"/>
+            <a:lvl9pPr lvl="8" algn="l">
+              <a:lnSpc>
+                <a:spcPct val="100000"/>
+              </a:lnSpc>
+              <a:spcBef>
+                <a:spcPts val="0"/>
+              </a:spcBef>
+              <a:spcAft>
+                <a:spcPts val="0"/>
+              </a:spcAft>
+              <a:buSzPts val="2800"/>
+              <a:buNone/>
+              <a:defRPr/>
             </a:lvl9pPr>
           </a:lstStyle>
           <a:p/>
@@ -2776,6 +3843,162 @@
       <p:sp>
         <p:nvSpPr>
           <p:cNvPr id="15" name="Google Shape;15;p3"/>
+          <p:cNvSpPr txBox="1"/>
+          <p:nvPr>
+            <p:ph idx="1" type="body"/>
+          </p:nvPr>
+        </p:nvSpPr>
+        <p:spPr>
+          <a:xfrm>
+            <a:off x="311700" y="1152475"/>
+            <a:ext cx="8520600" cy="3416400"/>
+          </a:xfrm>
+          <a:prstGeom prst="rect">
+            <a:avLst/>
+          </a:prstGeom>
+          <a:noFill/>
+          <a:ln>
+            <a:noFill/>
+          </a:ln>
+        </p:spPr>
+        <p:txBody>
+          <a:bodyPr anchorCtr="0" anchor="t" bIns="91425" lIns="91425" spcFirstLastPara="1" rIns="91425" wrap="square" tIns="91425">
+            <a:normAutofit/>
+          </a:bodyPr>
+          <a:lstStyle>
+            <a:lvl1pPr indent="-342900" lvl="0" marL="457200" algn="l">
+              <a:lnSpc>
+                <a:spcPct val="115000"/>
+              </a:lnSpc>
+              <a:spcBef>
+                <a:spcPts val="0"/>
+              </a:spcBef>
+              <a:spcAft>
+                <a:spcPts val="0"/>
+              </a:spcAft>
+              <a:buSzPts val="1800"/>
+              <a:buChar char="●"/>
+              <a:defRPr/>
+            </a:lvl1pPr>
+            <a:lvl2pPr indent="-317500" lvl="1" marL="914400" algn="l">
+              <a:lnSpc>
+                <a:spcPct val="115000"/>
+              </a:lnSpc>
+              <a:spcBef>
+                <a:spcPts val="0"/>
+              </a:spcBef>
+              <a:spcAft>
+                <a:spcPts val="0"/>
+              </a:spcAft>
+              <a:buSzPts val="1400"/>
+              <a:buChar char="○"/>
+              <a:defRPr/>
+            </a:lvl2pPr>
+            <a:lvl3pPr indent="-317500" lvl="2" marL="1371600" algn="l">
+              <a:lnSpc>
+                <a:spcPct val="115000"/>
+              </a:lnSpc>
+              <a:spcBef>
+                <a:spcPts val="0"/>
+              </a:spcBef>
+              <a:spcAft>
+                <a:spcPts val="0"/>
+              </a:spcAft>
+              <a:buSzPts val="1400"/>
+              <a:buChar char="■"/>
+              <a:defRPr/>
+            </a:lvl3pPr>
+            <a:lvl4pPr indent="-317500" lvl="3" marL="1828800" algn="l">
+              <a:lnSpc>
+                <a:spcPct val="115000"/>
+              </a:lnSpc>
+              <a:spcBef>
+                <a:spcPts val="0"/>
+              </a:spcBef>
+              <a:spcAft>
+                <a:spcPts val="0"/>
+              </a:spcAft>
+              <a:buSzPts val="1400"/>
+              <a:buChar char="●"/>
+              <a:defRPr/>
+            </a:lvl4pPr>
+            <a:lvl5pPr indent="-317500" lvl="4" marL="2286000" algn="l">
+              <a:lnSpc>
+                <a:spcPct val="115000"/>
+              </a:lnSpc>
+              <a:spcBef>
+                <a:spcPts val="0"/>
+              </a:spcBef>
+              <a:spcAft>
+                <a:spcPts val="0"/>
+              </a:spcAft>
+              <a:buSzPts val="1400"/>
+              <a:buChar char="○"/>
+              <a:defRPr/>
+            </a:lvl5pPr>
+            <a:lvl6pPr indent="-317500" lvl="5" marL="2743200" algn="l">
+              <a:lnSpc>
+                <a:spcPct val="115000"/>
+              </a:lnSpc>
+              <a:spcBef>
+                <a:spcPts val="0"/>
+              </a:spcBef>
+              <a:spcAft>
+                <a:spcPts val="0"/>
+              </a:spcAft>
+              <a:buSzPts val="1400"/>
+              <a:buChar char="■"/>
+              <a:defRPr/>
+            </a:lvl6pPr>
+            <a:lvl7pPr indent="-317500" lvl="6" marL="3200400" algn="l">
+              <a:lnSpc>
+                <a:spcPct val="115000"/>
+              </a:lnSpc>
+              <a:spcBef>
+                <a:spcPts val="0"/>
+              </a:spcBef>
+              <a:spcAft>
+                <a:spcPts val="0"/>
+              </a:spcAft>
+              <a:buSzPts val="1400"/>
+              <a:buChar char="●"/>
+              <a:defRPr/>
+            </a:lvl7pPr>
+            <a:lvl8pPr indent="-317500" lvl="7" marL="3657600" algn="l">
+              <a:lnSpc>
+                <a:spcPct val="115000"/>
+              </a:lnSpc>
+              <a:spcBef>
+                <a:spcPts val="0"/>
+              </a:spcBef>
+              <a:spcAft>
+                <a:spcPts val="0"/>
+              </a:spcAft>
+              <a:buSzPts val="1400"/>
+              <a:buChar char="○"/>
+              <a:defRPr/>
+            </a:lvl8pPr>
+            <a:lvl9pPr indent="-317500" lvl="8" marL="4114800" algn="l">
+              <a:lnSpc>
+                <a:spcPct val="115000"/>
+              </a:lnSpc>
+              <a:spcBef>
+                <a:spcPts val="0"/>
+              </a:spcBef>
+              <a:spcAft>
+                <a:spcPts val="0"/>
+              </a:spcAft>
+              <a:buSzPts val="1400"/>
+              <a:buChar char="■"/>
+              <a:defRPr/>
+            </a:lvl9pPr>
+          </a:lstStyle>
+          <a:p/>
+        </p:txBody>
+      </p:sp>
+      <p:sp>
+        <p:nvSpPr>
+          <p:cNvPr id="16" name="Google Shape;16;p3"/>
           <p:cNvSpPr txBox="1"/>
           <p:nvPr>
             <p:ph idx="12" type="sldNum"/>
@@ -2789,47 +4012,249 @@
           <a:prstGeom prst="rect">
             <a:avLst/>
           </a:prstGeom>
+          <a:noFill/>
+          <a:ln>
+            <a:noFill/>
+          </a:ln>
         </p:spPr>
         <p:txBody>
           <a:bodyPr anchorCtr="0" anchor="ctr" bIns="91425" lIns="91425" spcFirstLastPara="1" rIns="91425" wrap="square" tIns="91425">
             <a:normAutofit/>
           </a:bodyPr>
           <a:lstStyle>
-            <a:lvl1pPr lvl="0">
-              <a:buNone/>
-              <a:defRPr/>
+            <a:lvl1pPr indent="0" lvl="0" marL="0" marR="0" algn="r">
+              <a:lnSpc>
+                <a:spcPct val="100000"/>
+              </a:lnSpc>
+              <a:spcBef>
+                <a:spcPts val="0"/>
+              </a:spcBef>
+              <a:spcAft>
+                <a:spcPts val="0"/>
+              </a:spcAft>
+              <a:buClr>
+                <a:srgbClr val="000000"/>
+              </a:buClr>
+              <a:buSzPts val="1000"/>
+              <a:buFont typeface="Arial"/>
+              <a:buNone/>
+              <a:defRPr b="0" i="0" sz="1000" u="none" cap="none" strike="noStrike">
+                <a:solidFill>
+                  <a:schemeClr val="dk2"/>
+                </a:solidFill>
+                <a:latin typeface="Arial"/>
+                <a:ea typeface="Arial"/>
+                <a:cs typeface="Arial"/>
+                <a:sym typeface="Arial"/>
+              </a:defRPr>
             </a:lvl1pPr>
-            <a:lvl2pPr lvl="1">
-              <a:buNone/>
-              <a:defRPr/>
+            <a:lvl2pPr indent="0" lvl="1" marL="0" marR="0" algn="r">
+              <a:lnSpc>
+                <a:spcPct val="100000"/>
+              </a:lnSpc>
+              <a:spcBef>
+                <a:spcPts val="0"/>
+              </a:spcBef>
+              <a:spcAft>
+                <a:spcPts val="0"/>
+              </a:spcAft>
+              <a:buClr>
+                <a:srgbClr val="000000"/>
+              </a:buClr>
+              <a:buSzPts val="1000"/>
+              <a:buFont typeface="Arial"/>
+              <a:buNone/>
+              <a:defRPr b="0" i="0" sz="1000" u="none" cap="none" strike="noStrike">
+                <a:solidFill>
+                  <a:schemeClr val="dk2"/>
+                </a:solidFill>
+                <a:latin typeface="Arial"/>
+                <a:ea typeface="Arial"/>
+                <a:cs typeface="Arial"/>
+                <a:sym typeface="Arial"/>
+              </a:defRPr>
             </a:lvl2pPr>
-            <a:lvl3pPr lvl="2">
-              <a:buNone/>
-              <a:defRPr/>
+            <a:lvl3pPr indent="0" lvl="2" marL="0" marR="0" algn="r">
+              <a:lnSpc>
+                <a:spcPct val="100000"/>
+              </a:lnSpc>
+              <a:spcBef>
+                <a:spcPts val="0"/>
+              </a:spcBef>
+              <a:spcAft>
+                <a:spcPts val="0"/>
+              </a:spcAft>
+              <a:buClr>
+                <a:srgbClr val="000000"/>
+              </a:buClr>
+              <a:buSzPts val="1000"/>
+              <a:buFont typeface="Arial"/>
+              <a:buNone/>
+              <a:defRPr b="0" i="0" sz="1000" u="none" cap="none" strike="noStrike">
+                <a:solidFill>
+                  <a:schemeClr val="dk2"/>
+                </a:solidFill>
+                <a:latin typeface="Arial"/>
+                <a:ea typeface="Arial"/>
+                <a:cs typeface="Arial"/>
+                <a:sym typeface="Arial"/>
+              </a:defRPr>
             </a:lvl3pPr>
-            <a:lvl4pPr lvl="3">
-              <a:buNone/>
-              <a:defRPr/>
+            <a:lvl4pPr indent="0" lvl="3" marL="0" marR="0" algn="r">
+              <a:lnSpc>
+                <a:spcPct val="100000"/>
+              </a:lnSpc>
+              <a:spcBef>
+                <a:spcPts val="0"/>
+              </a:spcBef>
+              <a:spcAft>
+                <a:spcPts val="0"/>
+              </a:spcAft>
+              <a:buClr>
+                <a:srgbClr val="000000"/>
+              </a:buClr>
+              <a:buSzPts val="1000"/>
+              <a:buFont typeface="Arial"/>
+              <a:buNone/>
+              <a:defRPr b="0" i="0" sz="1000" u="none" cap="none" strike="noStrike">
+                <a:solidFill>
+                  <a:schemeClr val="dk2"/>
+                </a:solidFill>
+                <a:latin typeface="Arial"/>
+                <a:ea typeface="Arial"/>
+                <a:cs typeface="Arial"/>
+                <a:sym typeface="Arial"/>
+              </a:defRPr>
             </a:lvl4pPr>
-            <a:lvl5pPr lvl="4">
-              <a:buNone/>
-              <a:defRPr/>
+            <a:lvl5pPr indent="0" lvl="4" marL="0" marR="0" algn="r">
+              <a:lnSpc>
+                <a:spcPct val="100000"/>
+              </a:lnSpc>
+              <a:spcBef>
+                <a:spcPts val="0"/>
+              </a:spcBef>
+              <a:spcAft>
+                <a:spcPts val="0"/>
+              </a:spcAft>
+              <a:buClr>
+                <a:srgbClr val="000000"/>
+              </a:buClr>
+              <a:buSzPts val="1000"/>
+              <a:buFont typeface="Arial"/>
+              <a:buNone/>
+              <a:defRPr b="0" i="0" sz="1000" u="none" cap="none" strike="noStrike">
+                <a:solidFill>
+                  <a:schemeClr val="dk2"/>
+                </a:solidFill>
+                <a:latin typeface="Arial"/>
+                <a:ea typeface="Arial"/>
+                <a:cs typeface="Arial"/>
+                <a:sym typeface="Arial"/>
+              </a:defRPr>
             </a:lvl5pPr>
-            <a:lvl6pPr lvl="5">
-              <a:buNone/>
-              <a:defRPr/>
+            <a:lvl6pPr indent="0" lvl="5" marL="0" marR="0" algn="r">
+              <a:lnSpc>
+                <a:spcPct val="100000"/>
+              </a:lnSpc>
+              <a:spcBef>
+                <a:spcPts val="0"/>
+              </a:spcBef>
+              <a:spcAft>
+                <a:spcPts val="0"/>
+              </a:spcAft>
+              <a:buClr>
+                <a:srgbClr val="000000"/>
+              </a:buClr>
+              <a:buSzPts val="1000"/>
+              <a:buFont typeface="Arial"/>
+              <a:buNone/>
+              <a:defRPr b="0" i="0" sz="1000" u="none" cap="none" strike="noStrike">
+                <a:solidFill>
+                  <a:schemeClr val="dk2"/>
+                </a:solidFill>
+                <a:latin typeface="Arial"/>
+                <a:ea typeface="Arial"/>
+                <a:cs typeface="Arial"/>
+                <a:sym typeface="Arial"/>
+              </a:defRPr>
             </a:lvl6pPr>
-            <a:lvl7pPr lvl="6">
-              <a:buNone/>
-              <a:defRPr/>
+            <a:lvl7pPr indent="0" lvl="6" marL="0" marR="0" algn="r">
+              <a:lnSpc>
+                <a:spcPct val="100000"/>
+              </a:lnSpc>
+              <a:spcBef>
+                <a:spcPts val="0"/>
+              </a:spcBef>
+              <a:spcAft>
+                <a:spcPts val="0"/>
+              </a:spcAft>
+              <a:buClr>
+                <a:srgbClr val="000000"/>
+              </a:buClr>
+              <a:buSzPts val="1000"/>
+              <a:buFont typeface="Arial"/>
+              <a:buNone/>
+              <a:defRPr b="0" i="0" sz="1000" u="none" cap="none" strike="noStrike">
+                <a:solidFill>
+                  <a:schemeClr val="dk2"/>
+                </a:solidFill>
+                <a:latin typeface="Arial"/>
+                <a:ea typeface="Arial"/>
+                <a:cs typeface="Arial"/>
+                <a:sym typeface="Arial"/>
+              </a:defRPr>
             </a:lvl7pPr>
-            <a:lvl8pPr lvl="7">
-              <a:buNone/>
-              <a:defRPr/>
+            <a:lvl8pPr indent="0" lvl="7" marL="0" marR="0" algn="r">
+              <a:lnSpc>
+                <a:spcPct val="100000"/>
+              </a:lnSpc>
+              <a:spcBef>
+                <a:spcPts val="0"/>
+              </a:spcBef>
+              <a:spcAft>
+                <a:spcPts val="0"/>
+              </a:spcAft>
+              <a:buClr>
+                <a:srgbClr val="000000"/>
+              </a:buClr>
+              <a:buSzPts val="1000"/>
+              <a:buFont typeface="Arial"/>
+              <a:buNone/>
+              <a:defRPr b="0" i="0" sz="1000" u="none" cap="none" strike="noStrike">
+                <a:solidFill>
+                  <a:schemeClr val="dk2"/>
+                </a:solidFill>
+                <a:latin typeface="Arial"/>
+                <a:ea typeface="Arial"/>
+                <a:cs typeface="Arial"/>
+                <a:sym typeface="Arial"/>
+              </a:defRPr>
             </a:lvl8pPr>
-            <a:lvl9pPr lvl="8">
-              <a:buNone/>
-              <a:defRPr/>
+            <a:lvl9pPr indent="0" lvl="8" marL="0" marR="0" algn="r">
+              <a:lnSpc>
+                <a:spcPct val="100000"/>
+              </a:lnSpc>
+              <a:spcBef>
+                <a:spcPts val="0"/>
+              </a:spcBef>
+              <a:spcAft>
+                <a:spcPts val="0"/>
+              </a:spcAft>
+              <a:buClr>
+                <a:srgbClr val="000000"/>
+              </a:buClr>
+              <a:buSzPts val="1000"/>
+              <a:buFont typeface="Arial"/>
+              <a:buNone/>
+              <a:defRPr b="0" i="0" sz="1000" u="none" cap="none" strike="noStrike">
+                <a:solidFill>
+                  <a:schemeClr val="dk2"/>
+                </a:solidFill>
+                <a:latin typeface="Arial"/>
+                <a:ea typeface="Arial"/>
+                <a:cs typeface="Arial"/>
+                <a:sym typeface="Arial"/>
+              </a:defRPr>
             </a:lvl9pPr>
           </a:lstStyle>
           <a:p>
@@ -2859,11 +4284,11 @@
 </file>
 
 <file path=ppt/slideLayouts/slideLayout3.xml><?xml version="1.0" encoding="utf-8"?>
-<p:sldLayout xmlns:a="http://schemas.openxmlformats.org/drawingml/2006/main" xmlns:r="http://schemas.openxmlformats.org/officeDocument/2006/relationships" xmlns:mc="http://schemas.openxmlformats.org/markup-compatibility/2006" xmlns:mv="urn:schemas-microsoft-com:mac:vml" xmlns:p="http://schemas.openxmlformats.org/presentationml/2006/main" xmlns:c="http://schemas.openxmlformats.org/drawingml/2006/chart" xmlns:dgm="http://schemas.openxmlformats.org/drawingml/2006/diagram" xmlns:o="urn:schemas-microsoft-com:office:office" xmlns:v="urn:schemas-microsoft-com:vml" xmlns:pvml="urn:schemas-microsoft-com:office:powerpoint" xmlns:com="http://schemas.openxmlformats.org/drawingml/2006/compatibility" xmlns:p14="http://schemas.microsoft.com/office/powerpoint/2010/main" xmlns:p15="http://schemas.microsoft.com/office/powerpoint/2012/main" xmlns:ahyp="http://schemas.microsoft.com/office/drawing/2018/hyperlinkcolor" matchingName="Title and body" type="tx">
-  <p:cSld name="TITLE_AND_BODY">
+<p:sldLayout xmlns:a="http://schemas.openxmlformats.org/drawingml/2006/main" xmlns:r="http://schemas.openxmlformats.org/officeDocument/2006/relationships" xmlns:mc="http://schemas.openxmlformats.org/markup-compatibility/2006" xmlns:mv="urn:schemas-microsoft-com:mac:vml" xmlns:p="http://schemas.openxmlformats.org/presentationml/2006/main" xmlns:c="http://schemas.openxmlformats.org/drawingml/2006/chart" xmlns:dgm="http://schemas.openxmlformats.org/drawingml/2006/diagram" xmlns:o="urn:schemas-microsoft-com:office:office" xmlns:v="urn:schemas-microsoft-com:vml" xmlns:pvml="urn:schemas-microsoft-com:office:powerpoint" xmlns:com="http://schemas.openxmlformats.org/drawingml/2006/compatibility" xmlns:p14="http://schemas.microsoft.com/office/powerpoint/2010/main" xmlns:p15="http://schemas.microsoft.com/office/powerpoint/2012/main" xmlns:ahyp="http://schemas.microsoft.com/office/drawing/2018/hyperlinkcolor" matchingName="Section header" type="secHead">
+  <p:cSld name="SECTION_HEADER">
     <p:spTree>
       <p:nvGrpSpPr>
-        <p:cNvPr id="16" name="Shape 16"/>
+        <p:cNvPr id="17" name="Shape 17"/>
         <p:cNvGrpSpPr/>
         <p:nvPr/>
       </p:nvGrpSpPr>
@@ -2877,7 +4302,7 @@
       </p:grpSpPr>
       <p:sp>
         <p:nvSpPr>
-          <p:cNvPr id="17" name="Google Shape;17;p4"/>
+          <p:cNvPr id="18" name="Google Shape;18;p4"/>
           <p:cNvSpPr txBox="1"/>
           <p:nvPr>
             <p:ph type="title"/>
@@ -2885,241 +4310,147 @@
         </p:nvSpPr>
         <p:spPr>
           <a:xfrm>
-            <a:off x="311700" y="445025"/>
-            <a:ext cx="8520600" cy="572700"/>
+            <a:off x="311700" y="2150850"/>
+            <a:ext cx="8520600" cy="841800"/>
           </a:xfrm>
           <a:prstGeom prst="rect">
             <a:avLst/>
           </a:prstGeom>
+          <a:noFill/>
+          <a:ln>
+            <a:noFill/>
+          </a:ln>
         </p:spPr>
         <p:txBody>
-          <a:bodyPr anchorCtr="0" anchor="t" bIns="91425" lIns="91425" spcFirstLastPara="1" rIns="91425" wrap="square" tIns="91425">
+          <a:bodyPr anchorCtr="0" anchor="ctr" bIns="91425" lIns="91425" spcFirstLastPara="1" rIns="91425" wrap="square" tIns="91425">
             <a:normAutofit/>
           </a:bodyPr>
           <a:lstStyle>
-            <a:lvl1pPr lvl="0">
-              <a:spcBef>
-                <a:spcPts val="0"/>
-              </a:spcBef>
-              <a:spcAft>
-                <a:spcPts val="0"/>
-              </a:spcAft>
-              <a:buSzPts val="2800"/>
-              <a:buNone/>
-              <a:defRPr/>
+            <a:lvl1pPr lvl="0" algn="ctr">
+              <a:lnSpc>
+                <a:spcPct val="100000"/>
+              </a:lnSpc>
+              <a:spcBef>
+                <a:spcPts val="0"/>
+              </a:spcBef>
+              <a:spcAft>
+                <a:spcPts val="0"/>
+              </a:spcAft>
+              <a:buSzPts val="3600"/>
+              <a:buNone/>
+              <a:defRPr sz="3600"/>
             </a:lvl1pPr>
-            <a:lvl2pPr lvl="1">
-              <a:spcBef>
-                <a:spcPts val="0"/>
-              </a:spcBef>
-              <a:spcAft>
-                <a:spcPts val="0"/>
-              </a:spcAft>
-              <a:buSzPts val="2800"/>
-              <a:buNone/>
-              <a:defRPr/>
+            <a:lvl2pPr lvl="1" algn="ctr">
+              <a:lnSpc>
+                <a:spcPct val="100000"/>
+              </a:lnSpc>
+              <a:spcBef>
+                <a:spcPts val="0"/>
+              </a:spcBef>
+              <a:spcAft>
+                <a:spcPts val="0"/>
+              </a:spcAft>
+              <a:buSzPts val="3600"/>
+              <a:buNone/>
+              <a:defRPr sz="3600"/>
             </a:lvl2pPr>
-            <a:lvl3pPr lvl="2">
-              <a:spcBef>
-                <a:spcPts val="0"/>
-              </a:spcBef>
-              <a:spcAft>
-                <a:spcPts val="0"/>
-              </a:spcAft>
-              <a:buSzPts val="2800"/>
-              <a:buNone/>
-              <a:defRPr/>
+            <a:lvl3pPr lvl="2" algn="ctr">
+              <a:lnSpc>
+                <a:spcPct val="100000"/>
+              </a:lnSpc>
+              <a:spcBef>
+                <a:spcPts val="0"/>
+              </a:spcBef>
+              <a:spcAft>
+                <a:spcPts val="0"/>
+              </a:spcAft>
+              <a:buSzPts val="3600"/>
+              <a:buNone/>
+              <a:defRPr sz="3600"/>
             </a:lvl3pPr>
-            <a:lvl4pPr lvl="3">
-              <a:spcBef>
-                <a:spcPts val="0"/>
-              </a:spcBef>
-              <a:spcAft>
-                <a:spcPts val="0"/>
-              </a:spcAft>
-              <a:buSzPts val="2800"/>
-              <a:buNone/>
-              <a:defRPr/>
+            <a:lvl4pPr lvl="3" algn="ctr">
+              <a:lnSpc>
+                <a:spcPct val="100000"/>
+              </a:lnSpc>
+              <a:spcBef>
+                <a:spcPts val="0"/>
+              </a:spcBef>
+              <a:spcAft>
+                <a:spcPts val="0"/>
+              </a:spcAft>
+              <a:buSzPts val="3600"/>
+              <a:buNone/>
+              <a:defRPr sz="3600"/>
             </a:lvl4pPr>
-            <a:lvl5pPr lvl="4">
-              <a:spcBef>
-                <a:spcPts val="0"/>
-              </a:spcBef>
-              <a:spcAft>
-                <a:spcPts val="0"/>
-              </a:spcAft>
-              <a:buSzPts val="2800"/>
-              <a:buNone/>
-              <a:defRPr/>
+            <a:lvl5pPr lvl="4" algn="ctr">
+              <a:lnSpc>
+                <a:spcPct val="100000"/>
+              </a:lnSpc>
+              <a:spcBef>
+                <a:spcPts val="0"/>
+              </a:spcBef>
+              <a:spcAft>
+                <a:spcPts val="0"/>
+              </a:spcAft>
+              <a:buSzPts val="3600"/>
+              <a:buNone/>
+              <a:defRPr sz="3600"/>
             </a:lvl5pPr>
-            <a:lvl6pPr lvl="5">
-              <a:spcBef>
-                <a:spcPts val="0"/>
-              </a:spcBef>
-              <a:spcAft>
-                <a:spcPts val="0"/>
-              </a:spcAft>
-              <a:buSzPts val="2800"/>
-              <a:buNone/>
-              <a:defRPr/>
+            <a:lvl6pPr lvl="5" algn="ctr">
+              <a:lnSpc>
+                <a:spcPct val="100000"/>
+              </a:lnSpc>
+              <a:spcBef>
+                <a:spcPts val="0"/>
+              </a:spcBef>
+              <a:spcAft>
+                <a:spcPts val="0"/>
+              </a:spcAft>
+              <a:buSzPts val="3600"/>
+              <a:buNone/>
+              <a:defRPr sz="3600"/>
             </a:lvl6pPr>
-            <a:lvl7pPr lvl="6">
-              <a:spcBef>
-                <a:spcPts val="0"/>
-              </a:spcBef>
-              <a:spcAft>
-                <a:spcPts val="0"/>
-              </a:spcAft>
-              <a:buSzPts val="2800"/>
-              <a:buNone/>
-              <a:defRPr/>
+            <a:lvl7pPr lvl="6" algn="ctr">
+              <a:lnSpc>
+                <a:spcPct val="100000"/>
+              </a:lnSpc>
+              <a:spcBef>
+                <a:spcPts val="0"/>
+              </a:spcBef>
+              <a:spcAft>
+                <a:spcPts val="0"/>
+              </a:spcAft>
+              <a:buSzPts val="3600"/>
+              <a:buNone/>
+              <a:defRPr sz="3600"/>
             </a:lvl7pPr>
-            <a:lvl8pPr lvl="7">
-              <a:spcBef>
-                <a:spcPts val="0"/>
-              </a:spcBef>
-              <a:spcAft>
-                <a:spcPts val="0"/>
-              </a:spcAft>
-              <a:buSzPts val="2800"/>
-              <a:buNone/>
-              <a:defRPr/>
+            <a:lvl8pPr lvl="7" algn="ctr">
+              <a:lnSpc>
+                <a:spcPct val="100000"/>
+              </a:lnSpc>
+              <a:spcBef>
+                <a:spcPts val="0"/>
+              </a:spcBef>
+              <a:spcAft>
+                <a:spcPts val="0"/>
+              </a:spcAft>
+              <a:buSzPts val="3600"/>
+              <a:buNone/>
+              <a:defRPr sz="3600"/>
             </a:lvl8pPr>
-            <a:lvl9pPr lvl="8">
-              <a:spcBef>
-                <a:spcPts val="0"/>
-              </a:spcBef>
-              <a:spcAft>
-                <a:spcPts val="0"/>
-              </a:spcAft>
-              <a:buSzPts val="2800"/>
-              <a:buNone/>
-              <a:defRPr/>
-            </a:lvl9pPr>
-          </a:lstStyle>
-          <a:p/>
-        </p:txBody>
-      </p:sp>
-      <p:sp>
-        <p:nvSpPr>
-          <p:cNvPr id="18" name="Google Shape;18;p4"/>
-          <p:cNvSpPr txBox="1"/>
-          <p:nvPr>
-            <p:ph idx="1" type="body"/>
-          </p:nvPr>
-        </p:nvSpPr>
-        <p:spPr>
-          <a:xfrm>
-            <a:off x="311700" y="1152475"/>
-            <a:ext cx="8520600" cy="3416400"/>
-          </a:xfrm>
-          <a:prstGeom prst="rect">
-            <a:avLst/>
-          </a:prstGeom>
-        </p:spPr>
-        <p:txBody>
-          <a:bodyPr anchorCtr="0" anchor="t" bIns="91425" lIns="91425" spcFirstLastPara="1" rIns="91425" wrap="square" tIns="91425">
-            <a:normAutofit/>
-          </a:bodyPr>
-          <a:lstStyle>
-            <a:lvl1pPr indent="-342900" lvl="0" marL="457200">
-              <a:spcBef>
-                <a:spcPts val="0"/>
-              </a:spcBef>
-              <a:spcAft>
-                <a:spcPts val="0"/>
-              </a:spcAft>
-              <a:buSzPts val="1800"/>
-              <a:buChar char="●"/>
-              <a:defRPr/>
-            </a:lvl1pPr>
-            <a:lvl2pPr indent="-317500" lvl="1" marL="914400">
-              <a:spcBef>
-                <a:spcPts val="0"/>
-              </a:spcBef>
-              <a:spcAft>
-                <a:spcPts val="0"/>
-              </a:spcAft>
-              <a:buSzPts val="1400"/>
-              <a:buChar char="○"/>
-              <a:defRPr/>
-            </a:lvl2pPr>
-            <a:lvl3pPr indent="-317500" lvl="2" marL="1371600">
-              <a:spcBef>
-                <a:spcPts val="0"/>
-              </a:spcBef>
-              <a:spcAft>
-                <a:spcPts val="0"/>
-              </a:spcAft>
-              <a:buSzPts val="1400"/>
-              <a:buChar char="■"/>
-              <a:defRPr/>
-            </a:lvl3pPr>
-            <a:lvl4pPr indent="-317500" lvl="3" marL="1828800">
-              <a:spcBef>
-                <a:spcPts val="0"/>
-              </a:spcBef>
-              <a:spcAft>
-                <a:spcPts val="0"/>
-              </a:spcAft>
-              <a:buSzPts val="1400"/>
-              <a:buChar char="●"/>
-              <a:defRPr/>
-            </a:lvl4pPr>
-            <a:lvl5pPr indent="-317500" lvl="4" marL="2286000">
-              <a:spcBef>
-                <a:spcPts val="0"/>
-              </a:spcBef>
-              <a:spcAft>
-                <a:spcPts val="0"/>
-              </a:spcAft>
-              <a:buSzPts val="1400"/>
-              <a:buChar char="○"/>
-              <a:defRPr/>
-            </a:lvl5pPr>
-            <a:lvl6pPr indent="-317500" lvl="5" marL="2743200">
-              <a:spcBef>
-                <a:spcPts val="0"/>
-              </a:spcBef>
-              <a:spcAft>
-                <a:spcPts val="0"/>
-              </a:spcAft>
-              <a:buSzPts val="1400"/>
-              <a:buChar char="■"/>
-              <a:defRPr/>
-            </a:lvl6pPr>
-            <a:lvl7pPr indent="-317500" lvl="6" marL="3200400">
-              <a:spcBef>
-                <a:spcPts val="0"/>
-              </a:spcBef>
-              <a:spcAft>
-                <a:spcPts val="0"/>
-              </a:spcAft>
-              <a:buSzPts val="1400"/>
-              <a:buChar char="●"/>
-              <a:defRPr/>
-            </a:lvl7pPr>
-            <a:lvl8pPr indent="-317500" lvl="7" marL="3657600">
-              <a:spcBef>
-                <a:spcPts val="0"/>
-              </a:spcBef>
-              <a:spcAft>
-                <a:spcPts val="0"/>
-              </a:spcAft>
-              <a:buSzPts val="1400"/>
-              <a:buChar char="○"/>
-              <a:defRPr/>
-            </a:lvl8pPr>
-            <a:lvl9pPr indent="-317500" lvl="8" marL="4114800">
-              <a:spcBef>
-                <a:spcPts val="0"/>
-              </a:spcBef>
-              <a:spcAft>
-                <a:spcPts val="0"/>
-              </a:spcAft>
-              <a:buSzPts val="1400"/>
-              <a:buChar char="■"/>
-              <a:defRPr/>
+            <a:lvl9pPr lvl="8" algn="ctr">
+              <a:lnSpc>
+                <a:spcPct val="100000"/>
+              </a:lnSpc>
+              <a:spcBef>
+                <a:spcPts val="0"/>
+              </a:spcBef>
+              <a:spcAft>
+                <a:spcPts val="0"/>
+              </a:spcAft>
+              <a:buSzPts val="3600"/>
+              <a:buNone/>
+              <a:defRPr sz="3600"/>
             </a:lvl9pPr>
           </a:lstStyle>
           <a:p/>
@@ -3141,47 +4472,249 @@
           <a:prstGeom prst="rect">
             <a:avLst/>
           </a:prstGeom>
+          <a:noFill/>
+          <a:ln>
+            <a:noFill/>
+          </a:ln>
         </p:spPr>
         <p:txBody>
           <a:bodyPr anchorCtr="0" anchor="ctr" bIns="91425" lIns="91425" spcFirstLastPara="1" rIns="91425" wrap="square" tIns="91425">
             <a:normAutofit/>
           </a:bodyPr>
           <a:lstStyle>
-            <a:lvl1pPr lvl="0">
-              <a:buNone/>
-              <a:defRPr/>
+            <a:lvl1pPr indent="0" lvl="0" marL="0" marR="0" algn="r">
+              <a:lnSpc>
+                <a:spcPct val="100000"/>
+              </a:lnSpc>
+              <a:spcBef>
+                <a:spcPts val="0"/>
+              </a:spcBef>
+              <a:spcAft>
+                <a:spcPts val="0"/>
+              </a:spcAft>
+              <a:buClr>
+                <a:srgbClr val="000000"/>
+              </a:buClr>
+              <a:buSzPts val="1000"/>
+              <a:buFont typeface="Arial"/>
+              <a:buNone/>
+              <a:defRPr b="0" i="0" sz="1000" u="none" cap="none" strike="noStrike">
+                <a:solidFill>
+                  <a:schemeClr val="dk2"/>
+                </a:solidFill>
+                <a:latin typeface="Arial"/>
+                <a:ea typeface="Arial"/>
+                <a:cs typeface="Arial"/>
+                <a:sym typeface="Arial"/>
+              </a:defRPr>
             </a:lvl1pPr>
-            <a:lvl2pPr lvl="1">
-              <a:buNone/>
-              <a:defRPr/>
+            <a:lvl2pPr indent="0" lvl="1" marL="0" marR="0" algn="r">
+              <a:lnSpc>
+                <a:spcPct val="100000"/>
+              </a:lnSpc>
+              <a:spcBef>
+                <a:spcPts val="0"/>
+              </a:spcBef>
+              <a:spcAft>
+                <a:spcPts val="0"/>
+              </a:spcAft>
+              <a:buClr>
+                <a:srgbClr val="000000"/>
+              </a:buClr>
+              <a:buSzPts val="1000"/>
+              <a:buFont typeface="Arial"/>
+              <a:buNone/>
+              <a:defRPr b="0" i="0" sz="1000" u="none" cap="none" strike="noStrike">
+                <a:solidFill>
+                  <a:schemeClr val="dk2"/>
+                </a:solidFill>
+                <a:latin typeface="Arial"/>
+                <a:ea typeface="Arial"/>
+                <a:cs typeface="Arial"/>
+                <a:sym typeface="Arial"/>
+              </a:defRPr>
             </a:lvl2pPr>
-            <a:lvl3pPr lvl="2">
-              <a:buNone/>
-              <a:defRPr/>
+            <a:lvl3pPr indent="0" lvl="2" marL="0" marR="0" algn="r">
+              <a:lnSpc>
+                <a:spcPct val="100000"/>
+              </a:lnSpc>
+              <a:spcBef>
+                <a:spcPts val="0"/>
+              </a:spcBef>
+              <a:spcAft>
+                <a:spcPts val="0"/>
+              </a:spcAft>
+              <a:buClr>
+                <a:srgbClr val="000000"/>
+              </a:buClr>
+              <a:buSzPts val="1000"/>
+              <a:buFont typeface="Arial"/>
+              <a:buNone/>
+              <a:defRPr b="0" i="0" sz="1000" u="none" cap="none" strike="noStrike">
+                <a:solidFill>
+                  <a:schemeClr val="dk2"/>
+                </a:solidFill>
+                <a:latin typeface="Arial"/>
+                <a:ea typeface="Arial"/>
+                <a:cs typeface="Arial"/>
+                <a:sym typeface="Arial"/>
+              </a:defRPr>
             </a:lvl3pPr>
-            <a:lvl4pPr lvl="3">
-              <a:buNone/>
-              <a:defRPr/>
+            <a:lvl4pPr indent="0" lvl="3" marL="0" marR="0" algn="r">
+              <a:lnSpc>
+                <a:spcPct val="100000"/>
+              </a:lnSpc>
+              <a:spcBef>
+                <a:spcPts val="0"/>
+              </a:spcBef>
+              <a:spcAft>
+                <a:spcPts val="0"/>
+              </a:spcAft>
+              <a:buClr>
+                <a:srgbClr val="000000"/>
+              </a:buClr>
+              <a:buSzPts val="1000"/>
+              <a:buFont typeface="Arial"/>
+              <a:buNone/>
+              <a:defRPr b="0" i="0" sz="1000" u="none" cap="none" strike="noStrike">
+                <a:solidFill>
+                  <a:schemeClr val="dk2"/>
+                </a:solidFill>
+                <a:latin typeface="Arial"/>
+                <a:ea typeface="Arial"/>
+                <a:cs typeface="Arial"/>
+                <a:sym typeface="Arial"/>
+              </a:defRPr>
             </a:lvl4pPr>
-            <a:lvl5pPr lvl="4">
-              <a:buNone/>
-              <a:defRPr/>
+            <a:lvl5pPr indent="0" lvl="4" marL="0" marR="0" algn="r">
+              <a:lnSpc>
+                <a:spcPct val="100000"/>
+              </a:lnSpc>
+              <a:spcBef>
+                <a:spcPts val="0"/>
+              </a:spcBef>
+              <a:spcAft>
+                <a:spcPts val="0"/>
+              </a:spcAft>
+              <a:buClr>
+                <a:srgbClr val="000000"/>
+              </a:buClr>
+              <a:buSzPts val="1000"/>
+              <a:buFont typeface="Arial"/>
+              <a:buNone/>
+              <a:defRPr b="0" i="0" sz="1000" u="none" cap="none" strike="noStrike">
+                <a:solidFill>
+                  <a:schemeClr val="dk2"/>
+                </a:solidFill>
+                <a:latin typeface="Arial"/>
+                <a:ea typeface="Arial"/>
+                <a:cs typeface="Arial"/>
+                <a:sym typeface="Arial"/>
+              </a:defRPr>
             </a:lvl5pPr>
-            <a:lvl6pPr lvl="5">
-              <a:buNone/>
-              <a:defRPr/>
+            <a:lvl6pPr indent="0" lvl="5" marL="0" marR="0" algn="r">
+              <a:lnSpc>
+                <a:spcPct val="100000"/>
+              </a:lnSpc>
+              <a:spcBef>
+                <a:spcPts val="0"/>
+              </a:spcBef>
+              <a:spcAft>
+                <a:spcPts val="0"/>
+              </a:spcAft>
+              <a:buClr>
+                <a:srgbClr val="000000"/>
+              </a:buClr>
+              <a:buSzPts val="1000"/>
+              <a:buFont typeface="Arial"/>
+              <a:buNone/>
+              <a:defRPr b="0" i="0" sz="1000" u="none" cap="none" strike="noStrike">
+                <a:solidFill>
+                  <a:schemeClr val="dk2"/>
+                </a:solidFill>
+                <a:latin typeface="Arial"/>
+                <a:ea typeface="Arial"/>
+                <a:cs typeface="Arial"/>
+                <a:sym typeface="Arial"/>
+              </a:defRPr>
             </a:lvl6pPr>
-            <a:lvl7pPr lvl="6">
-              <a:buNone/>
-              <a:defRPr/>
+            <a:lvl7pPr indent="0" lvl="6" marL="0" marR="0" algn="r">
+              <a:lnSpc>
+                <a:spcPct val="100000"/>
+              </a:lnSpc>
+              <a:spcBef>
+                <a:spcPts val="0"/>
+              </a:spcBef>
+              <a:spcAft>
+                <a:spcPts val="0"/>
+              </a:spcAft>
+              <a:buClr>
+                <a:srgbClr val="000000"/>
+              </a:buClr>
+              <a:buSzPts val="1000"/>
+              <a:buFont typeface="Arial"/>
+              <a:buNone/>
+              <a:defRPr b="0" i="0" sz="1000" u="none" cap="none" strike="noStrike">
+                <a:solidFill>
+                  <a:schemeClr val="dk2"/>
+                </a:solidFill>
+                <a:latin typeface="Arial"/>
+                <a:ea typeface="Arial"/>
+                <a:cs typeface="Arial"/>
+                <a:sym typeface="Arial"/>
+              </a:defRPr>
             </a:lvl7pPr>
-            <a:lvl8pPr lvl="7">
-              <a:buNone/>
-              <a:defRPr/>
+            <a:lvl8pPr indent="0" lvl="7" marL="0" marR="0" algn="r">
+              <a:lnSpc>
+                <a:spcPct val="100000"/>
+              </a:lnSpc>
+              <a:spcBef>
+                <a:spcPts val="0"/>
+              </a:spcBef>
+              <a:spcAft>
+                <a:spcPts val="0"/>
+              </a:spcAft>
+              <a:buClr>
+                <a:srgbClr val="000000"/>
+              </a:buClr>
+              <a:buSzPts val="1000"/>
+              <a:buFont typeface="Arial"/>
+              <a:buNone/>
+              <a:defRPr b="0" i="0" sz="1000" u="none" cap="none" strike="noStrike">
+                <a:solidFill>
+                  <a:schemeClr val="dk2"/>
+                </a:solidFill>
+                <a:latin typeface="Arial"/>
+                <a:ea typeface="Arial"/>
+                <a:cs typeface="Arial"/>
+                <a:sym typeface="Arial"/>
+              </a:defRPr>
             </a:lvl8pPr>
-            <a:lvl9pPr lvl="8">
-              <a:buNone/>
-              <a:defRPr/>
+            <a:lvl9pPr indent="0" lvl="8" marL="0" marR="0" algn="r">
+              <a:lnSpc>
+                <a:spcPct val="100000"/>
+              </a:lnSpc>
+              <a:spcBef>
+                <a:spcPts val="0"/>
+              </a:spcBef>
+              <a:spcAft>
+                <a:spcPts val="0"/>
+              </a:spcAft>
+              <a:buClr>
+                <a:srgbClr val="000000"/>
+              </a:buClr>
+              <a:buSzPts val="1000"/>
+              <a:buFont typeface="Arial"/>
+              <a:buNone/>
+              <a:defRPr b="0" i="0" sz="1000" u="none" cap="none" strike="noStrike">
+                <a:solidFill>
+                  <a:schemeClr val="dk2"/>
+                </a:solidFill>
+                <a:latin typeface="Arial"/>
+                <a:ea typeface="Arial"/>
+                <a:cs typeface="Arial"/>
+                <a:sym typeface="Arial"/>
+              </a:defRPr>
             </a:lvl9pPr>
           </a:lstStyle>
           <a:p>
@@ -3243,13 +4776,20 @@
           <a:prstGeom prst="rect">
             <a:avLst/>
           </a:prstGeom>
+          <a:noFill/>
+          <a:ln>
+            <a:noFill/>
+          </a:ln>
         </p:spPr>
         <p:txBody>
           <a:bodyPr anchorCtr="0" anchor="t" bIns="91425" lIns="91425" spcFirstLastPara="1" rIns="91425" wrap="square" tIns="91425">
             <a:normAutofit/>
           </a:bodyPr>
           <a:lstStyle>
-            <a:lvl1pPr lvl="0">
+            <a:lvl1pPr lvl="0" algn="l">
+              <a:lnSpc>
+                <a:spcPct val="100000"/>
+              </a:lnSpc>
               <a:spcBef>
                 <a:spcPts val="0"/>
               </a:spcBef>
@@ -3260,7 +4800,10 @@
               <a:buNone/>
               <a:defRPr/>
             </a:lvl1pPr>
-            <a:lvl2pPr lvl="1">
+            <a:lvl2pPr lvl="1" algn="l">
+              <a:lnSpc>
+                <a:spcPct val="100000"/>
+              </a:lnSpc>
               <a:spcBef>
                 <a:spcPts val="0"/>
               </a:spcBef>
@@ -3271,7 +4814,10 @@
               <a:buNone/>
               <a:defRPr/>
             </a:lvl2pPr>
-            <a:lvl3pPr lvl="2">
+            <a:lvl3pPr lvl="2" algn="l">
+              <a:lnSpc>
+                <a:spcPct val="100000"/>
+              </a:lnSpc>
               <a:spcBef>
                 <a:spcPts val="0"/>
               </a:spcBef>
@@ -3282,7 +4828,10 @@
               <a:buNone/>
               <a:defRPr/>
             </a:lvl3pPr>
-            <a:lvl4pPr lvl="3">
+            <a:lvl4pPr lvl="3" algn="l">
+              <a:lnSpc>
+                <a:spcPct val="100000"/>
+              </a:lnSpc>
               <a:spcBef>
                 <a:spcPts val="0"/>
               </a:spcBef>
@@ -3293,7 +4842,10 @@
               <a:buNone/>
               <a:defRPr/>
             </a:lvl4pPr>
-            <a:lvl5pPr lvl="4">
+            <a:lvl5pPr lvl="4" algn="l">
+              <a:lnSpc>
+                <a:spcPct val="100000"/>
+              </a:lnSpc>
               <a:spcBef>
                 <a:spcPts val="0"/>
               </a:spcBef>
@@ -3304,7 +4856,10 @@
               <a:buNone/>
               <a:defRPr/>
             </a:lvl5pPr>
-            <a:lvl6pPr lvl="5">
+            <a:lvl6pPr lvl="5" algn="l">
+              <a:lnSpc>
+                <a:spcPct val="100000"/>
+              </a:lnSpc>
               <a:spcBef>
                 <a:spcPts val="0"/>
               </a:spcBef>
@@ -3315,7 +4870,10 @@
               <a:buNone/>
               <a:defRPr/>
             </a:lvl6pPr>
-            <a:lvl7pPr lvl="6">
+            <a:lvl7pPr lvl="6" algn="l">
+              <a:lnSpc>
+                <a:spcPct val="100000"/>
+              </a:lnSpc>
               <a:spcBef>
                 <a:spcPts val="0"/>
               </a:spcBef>
@@ -3326,7 +4884,10 @@
               <a:buNone/>
               <a:defRPr/>
             </a:lvl7pPr>
-            <a:lvl8pPr lvl="7">
+            <a:lvl8pPr lvl="7" algn="l">
+              <a:lnSpc>
+                <a:spcPct val="100000"/>
+              </a:lnSpc>
               <a:spcBef>
                 <a:spcPts val="0"/>
               </a:spcBef>
@@ -3337,7 +4898,10 @@
               <a:buNone/>
               <a:defRPr/>
             </a:lvl8pPr>
-            <a:lvl9pPr lvl="8">
+            <a:lvl9pPr lvl="8" algn="l">
+              <a:lnSpc>
+                <a:spcPct val="100000"/>
+              </a:lnSpc>
               <a:spcBef>
                 <a:spcPts val="0"/>
               </a:spcBef>
@@ -3368,13 +4932,20 @@
           <a:prstGeom prst="rect">
             <a:avLst/>
           </a:prstGeom>
+          <a:noFill/>
+          <a:ln>
+            <a:noFill/>
+          </a:ln>
         </p:spPr>
         <p:txBody>
           <a:bodyPr anchorCtr="0" anchor="t" bIns="91425" lIns="91425" spcFirstLastPara="1" rIns="91425" wrap="square" tIns="91425">
             <a:normAutofit/>
           </a:bodyPr>
           <a:lstStyle>
-            <a:lvl1pPr indent="-317500" lvl="0" marL="457200">
+            <a:lvl1pPr indent="-317500" lvl="0" marL="457200" algn="l">
+              <a:lnSpc>
+                <a:spcPct val="115000"/>
+              </a:lnSpc>
               <a:spcBef>
                 <a:spcPts val="0"/>
               </a:spcBef>
@@ -3385,7 +4956,10 @@
               <a:buChar char="●"/>
               <a:defRPr sz="1400"/>
             </a:lvl1pPr>
-            <a:lvl2pPr indent="-304800" lvl="1" marL="914400">
+            <a:lvl2pPr indent="-304800" lvl="1" marL="914400" algn="l">
+              <a:lnSpc>
+                <a:spcPct val="115000"/>
+              </a:lnSpc>
               <a:spcBef>
                 <a:spcPts val="0"/>
               </a:spcBef>
@@ -3396,7 +4970,10 @@
               <a:buChar char="○"/>
               <a:defRPr sz="1200"/>
             </a:lvl2pPr>
-            <a:lvl3pPr indent="-304800" lvl="2" marL="1371600">
+            <a:lvl3pPr indent="-304800" lvl="2" marL="1371600" algn="l">
+              <a:lnSpc>
+                <a:spcPct val="115000"/>
+              </a:lnSpc>
               <a:spcBef>
                 <a:spcPts val="0"/>
               </a:spcBef>
@@ -3407,7 +4984,10 @@
               <a:buChar char="■"/>
               <a:defRPr sz="1200"/>
             </a:lvl3pPr>
-            <a:lvl4pPr indent="-304800" lvl="3" marL="1828800">
+            <a:lvl4pPr indent="-304800" lvl="3" marL="1828800" algn="l">
+              <a:lnSpc>
+                <a:spcPct val="115000"/>
+              </a:lnSpc>
               <a:spcBef>
                 <a:spcPts val="0"/>
               </a:spcBef>
@@ -3418,7 +4998,10 @@
               <a:buChar char="●"/>
               <a:defRPr sz="1200"/>
             </a:lvl4pPr>
-            <a:lvl5pPr indent="-304800" lvl="4" marL="2286000">
+            <a:lvl5pPr indent="-304800" lvl="4" marL="2286000" algn="l">
+              <a:lnSpc>
+                <a:spcPct val="115000"/>
+              </a:lnSpc>
               <a:spcBef>
                 <a:spcPts val="0"/>
               </a:spcBef>
@@ -3429,7 +5012,10 @@
               <a:buChar char="○"/>
               <a:defRPr sz="1200"/>
             </a:lvl5pPr>
-            <a:lvl6pPr indent="-304800" lvl="5" marL="2743200">
+            <a:lvl6pPr indent="-304800" lvl="5" marL="2743200" algn="l">
+              <a:lnSpc>
+                <a:spcPct val="115000"/>
+              </a:lnSpc>
               <a:spcBef>
                 <a:spcPts val="0"/>
               </a:spcBef>
@@ -3440,7 +5026,10 @@
               <a:buChar char="■"/>
               <a:defRPr sz="1200"/>
             </a:lvl6pPr>
-            <a:lvl7pPr indent="-304800" lvl="6" marL="3200400">
+            <a:lvl7pPr indent="-304800" lvl="6" marL="3200400" algn="l">
+              <a:lnSpc>
+                <a:spcPct val="115000"/>
+              </a:lnSpc>
               <a:spcBef>
                 <a:spcPts val="0"/>
               </a:spcBef>
@@ -3451,7 +5040,10 @@
               <a:buChar char="●"/>
               <a:defRPr sz="1200"/>
             </a:lvl7pPr>
-            <a:lvl8pPr indent="-304800" lvl="7" marL="3657600">
+            <a:lvl8pPr indent="-304800" lvl="7" marL="3657600" algn="l">
+              <a:lnSpc>
+                <a:spcPct val="115000"/>
+              </a:lnSpc>
               <a:spcBef>
                 <a:spcPts val="0"/>
               </a:spcBef>
@@ -3462,7 +5054,10 @@
               <a:buChar char="○"/>
               <a:defRPr sz="1200"/>
             </a:lvl8pPr>
-            <a:lvl9pPr indent="-304800" lvl="8" marL="4114800">
+            <a:lvl9pPr indent="-304800" lvl="8" marL="4114800" algn="l">
+              <a:lnSpc>
+                <a:spcPct val="115000"/>
+              </a:lnSpc>
               <a:spcBef>
                 <a:spcPts val="0"/>
               </a:spcBef>
@@ -3493,13 +5088,20 @@
           <a:prstGeom prst="rect">
             <a:avLst/>
           </a:prstGeom>
+          <a:noFill/>
+          <a:ln>
+            <a:noFill/>
+          </a:ln>
         </p:spPr>
         <p:txBody>
           <a:bodyPr anchorCtr="0" anchor="t" bIns="91425" lIns="91425" spcFirstLastPara="1" rIns="91425" wrap="square" tIns="91425">
             <a:normAutofit/>
           </a:bodyPr>
           <a:lstStyle>
-            <a:lvl1pPr indent="-317500" lvl="0" marL="457200">
+            <a:lvl1pPr indent="-317500" lvl="0" marL="457200" algn="l">
+              <a:lnSpc>
+                <a:spcPct val="115000"/>
+              </a:lnSpc>
               <a:spcBef>
                 <a:spcPts val="0"/>
               </a:spcBef>
@@ -3510,7 +5112,10 @@
               <a:buChar char="●"/>
               <a:defRPr sz="1400"/>
             </a:lvl1pPr>
-            <a:lvl2pPr indent="-304800" lvl="1" marL="914400">
+            <a:lvl2pPr indent="-304800" lvl="1" marL="914400" algn="l">
+              <a:lnSpc>
+                <a:spcPct val="115000"/>
+              </a:lnSpc>
               <a:spcBef>
                 <a:spcPts val="0"/>
               </a:spcBef>
@@ -3521,7 +5126,10 @@
               <a:buChar char="○"/>
               <a:defRPr sz="1200"/>
             </a:lvl2pPr>
-            <a:lvl3pPr indent="-304800" lvl="2" marL="1371600">
+            <a:lvl3pPr indent="-304800" lvl="2" marL="1371600" algn="l">
+              <a:lnSpc>
+                <a:spcPct val="115000"/>
+              </a:lnSpc>
               <a:spcBef>
                 <a:spcPts val="0"/>
               </a:spcBef>
@@ -3532,7 +5140,10 @@
               <a:buChar char="■"/>
               <a:defRPr sz="1200"/>
             </a:lvl3pPr>
-            <a:lvl4pPr indent="-304800" lvl="3" marL="1828800">
+            <a:lvl4pPr indent="-304800" lvl="3" marL="1828800" algn="l">
+              <a:lnSpc>
+                <a:spcPct val="115000"/>
+              </a:lnSpc>
               <a:spcBef>
                 <a:spcPts val="0"/>
               </a:spcBef>
@@ -3543,7 +5154,10 @@
               <a:buChar char="●"/>
               <a:defRPr sz="1200"/>
             </a:lvl4pPr>
-            <a:lvl5pPr indent="-304800" lvl="4" marL="2286000">
+            <a:lvl5pPr indent="-304800" lvl="4" marL="2286000" algn="l">
+              <a:lnSpc>
+                <a:spcPct val="115000"/>
+              </a:lnSpc>
               <a:spcBef>
                 <a:spcPts val="0"/>
               </a:spcBef>
@@ -3554,7 +5168,10 @@
               <a:buChar char="○"/>
               <a:defRPr sz="1200"/>
             </a:lvl5pPr>
-            <a:lvl6pPr indent="-304800" lvl="5" marL="2743200">
+            <a:lvl6pPr indent="-304800" lvl="5" marL="2743200" algn="l">
+              <a:lnSpc>
+                <a:spcPct val="115000"/>
+              </a:lnSpc>
               <a:spcBef>
                 <a:spcPts val="0"/>
               </a:spcBef>
@@ -3565,7 +5182,10 @@
               <a:buChar char="■"/>
               <a:defRPr sz="1200"/>
             </a:lvl6pPr>
-            <a:lvl7pPr indent="-304800" lvl="6" marL="3200400">
+            <a:lvl7pPr indent="-304800" lvl="6" marL="3200400" algn="l">
+              <a:lnSpc>
+                <a:spcPct val="115000"/>
+              </a:lnSpc>
               <a:spcBef>
                 <a:spcPts val="0"/>
               </a:spcBef>
@@ -3576,7 +5196,10 @@
               <a:buChar char="●"/>
               <a:defRPr sz="1200"/>
             </a:lvl7pPr>
-            <a:lvl8pPr indent="-304800" lvl="7" marL="3657600">
+            <a:lvl8pPr indent="-304800" lvl="7" marL="3657600" algn="l">
+              <a:lnSpc>
+                <a:spcPct val="115000"/>
+              </a:lnSpc>
               <a:spcBef>
                 <a:spcPts val="0"/>
               </a:spcBef>
@@ -3587,7 +5210,10 @@
               <a:buChar char="○"/>
               <a:defRPr sz="1200"/>
             </a:lvl8pPr>
-            <a:lvl9pPr indent="-304800" lvl="8" marL="4114800">
+            <a:lvl9pPr indent="-304800" lvl="8" marL="4114800" algn="l">
+              <a:lnSpc>
+                <a:spcPct val="115000"/>
+              </a:lnSpc>
               <a:spcBef>
                 <a:spcPts val="0"/>
               </a:spcBef>
@@ -3618,47 +5244,249 @@
           <a:prstGeom prst="rect">
             <a:avLst/>
           </a:prstGeom>
+          <a:noFill/>
+          <a:ln>
+            <a:noFill/>
+          </a:ln>
         </p:spPr>
         <p:txBody>
           <a:bodyPr anchorCtr="0" anchor="ctr" bIns="91425" lIns="91425" spcFirstLastPara="1" rIns="91425" wrap="square" tIns="91425">
             <a:normAutofit/>
           </a:bodyPr>
           <a:lstStyle>
-            <a:lvl1pPr lvl="0">
-              <a:buNone/>
-              <a:defRPr/>
+            <a:lvl1pPr indent="0" lvl="0" marL="0" marR="0" algn="r">
+              <a:lnSpc>
+                <a:spcPct val="100000"/>
+              </a:lnSpc>
+              <a:spcBef>
+                <a:spcPts val="0"/>
+              </a:spcBef>
+              <a:spcAft>
+                <a:spcPts val="0"/>
+              </a:spcAft>
+              <a:buClr>
+                <a:srgbClr val="000000"/>
+              </a:buClr>
+              <a:buSzPts val="1000"/>
+              <a:buFont typeface="Arial"/>
+              <a:buNone/>
+              <a:defRPr b="0" i="0" sz="1000" u="none" cap="none" strike="noStrike">
+                <a:solidFill>
+                  <a:schemeClr val="dk2"/>
+                </a:solidFill>
+                <a:latin typeface="Arial"/>
+                <a:ea typeface="Arial"/>
+                <a:cs typeface="Arial"/>
+                <a:sym typeface="Arial"/>
+              </a:defRPr>
             </a:lvl1pPr>
-            <a:lvl2pPr lvl="1">
-              <a:buNone/>
-              <a:defRPr/>
+            <a:lvl2pPr indent="0" lvl="1" marL="0" marR="0" algn="r">
+              <a:lnSpc>
+                <a:spcPct val="100000"/>
+              </a:lnSpc>
+              <a:spcBef>
+                <a:spcPts val="0"/>
+              </a:spcBef>
+              <a:spcAft>
+                <a:spcPts val="0"/>
+              </a:spcAft>
+              <a:buClr>
+                <a:srgbClr val="000000"/>
+              </a:buClr>
+              <a:buSzPts val="1000"/>
+              <a:buFont typeface="Arial"/>
+              <a:buNone/>
+              <a:defRPr b="0" i="0" sz="1000" u="none" cap="none" strike="noStrike">
+                <a:solidFill>
+                  <a:schemeClr val="dk2"/>
+                </a:solidFill>
+                <a:latin typeface="Arial"/>
+                <a:ea typeface="Arial"/>
+                <a:cs typeface="Arial"/>
+                <a:sym typeface="Arial"/>
+              </a:defRPr>
             </a:lvl2pPr>
-            <a:lvl3pPr lvl="2">
-              <a:buNone/>
-              <a:defRPr/>
+            <a:lvl3pPr indent="0" lvl="2" marL="0" marR="0" algn="r">
+              <a:lnSpc>
+                <a:spcPct val="100000"/>
+              </a:lnSpc>
+              <a:spcBef>
+                <a:spcPts val="0"/>
+              </a:spcBef>
+              <a:spcAft>
+                <a:spcPts val="0"/>
+              </a:spcAft>
+              <a:buClr>
+                <a:srgbClr val="000000"/>
+              </a:buClr>
+              <a:buSzPts val="1000"/>
+              <a:buFont typeface="Arial"/>
+              <a:buNone/>
+              <a:defRPr b="0" i="0" sz="1000" u="none" cap="none" strike="noStrike">
+                <a:solidFill>
+                  <a:schemeClr val="dk2"/>
+                </a:solidFill>
+                <a:latin typeface="Arial"/>
+                <a:ea typeface="Arial"/>
+                <a:cs typeface="Arial"/>
+                <a:sym typeface="Arial"/>
+              </a:defRPr>
             </a:lvl3pPr>
-            <a:lvl4pPr lvl="3">
-              <a:buNone/>
-              <a:defRPr/>
+            <a:lvl4pPr indent="0" lvl="3" marL="0" marR="0" algn="r">
+              <a:lnSpc>
+                <a:spcPct val="100000"/>
+              </a:lnSpc>
+              <a:spcBef>
+                <a:spcPts val="0"/>
+              </a:spcBef>
+              <a:spcAft>
+                <a:spcPts val="0"/>
+              </a:spcAft>
+              <a:buClr>
+                <a:srgbClr val="000000"/>
+              </a:buClr>
+              <a:buSzPts val="1000"/>
+              <a:buFont typeface="Arial"/>
+              <a:buNone/>
+              <a:defRPr b="0" i="0" sz="1000" u="none" cap="none" strike="noStrike">
+                <a:solidFill>
+                  <a:schemeClr val="dk2"/>
+                </a:solidFill>
+                <a:latin typeface="Arial"/>
+                <a:ea typeface="Arial"/>
+                <a:cs typeface="Arial"/>
+                <a:sym typeface="Arial"/>
+              </a:defRPr>
             </a:lvl4pPr>
-            <a:lvl5pPr lvl="4">
-              <a:buNone/>
-              <a:defRPr/>
+            <a:lvl5pPr indent="0" lvl="4" marL="0" marR="0" algn="r">
+              <a:lnSpc>
+                <a:spcPct val="100000"/>
+              </a:lnSpc>
+              <a:spcBef>
+                <a:spcPts val="0"/>
+              </a:spcBef>
+              <a:spcAft>
+                <a:spcPts val="0"/>
+              </a:spcAft>
+              <a:buClr>
+                <a:srgbClr val="000000"/>
+              </a:buClr>
+              <a:buSzPts val="1000"/>
+              <a:buFont typeface="Arial"/>
+              <a:buNone/>
+              <a:defRPr b="0" i="0" sz="1000" u="none" cap="none" strike="noStrike">
+                <a:solidFill>
+                  <a:schemeClr val="dk2"/>
+                </a:solidFill>
+                <a:latin typeface="Arial"/>
+                <a:ea typeface="Arial"/>
+                <a:cs typeface="Arial"/>
+                <a:sym typeface="Arial"/>
+              </a:defRPr>
             </a:lvl5pPr>
-            <a:lvl6pPr lvl="5">
-              <a:buNone/>
-              <a:defRPr/>
+            <a:lvl6pPr indent="0" lvl="5" marL="0" marR="0" algn="r">
+              <a:lnSpc>
+                <a:spcPct val="100000"/>
+              </a:lnSpc>
+              <a:spcBef>
+                <a:spcPts val="0"/>
+              </a:spcBef>
+              <a:spcAft>
+                <a:spcPts val="0"/>
+              </a:spcAft>
+              <a:buClr>
+                <a:srgbClr val="000000"/>
+              </a:buClr>
+              <a:buSzPts val="1000"/>
+              <a:buFont typeface="Arial"/>
+              <a:buNone/>
+              <a:defRPr b="0" i="0" sz="1000" u="none" cap="none" strike="noStrike">
+                <a:solidFill>
+                  <a:schemeClr val="dk2"/>
+                </a:solidFill>
+                <a:latin typeface="Arial"/>
+                <a:ea typeface="Arial"/>
+                <a:cs typeface="Arial"/>
+                <a:sym typeface="Arial"/>
+              </a:defRPr>
             </a:lvl6pPr>
-            <a:lvl7pPr lvl="6">
-              <a:buNone/>
-              <a:defRPr/>
+            <a:lvl7pPr indent="0" lvl="6" marL="0" marR="0" algn="r">
+              <a:lnSpc>
+                <a:spcPct val="100000"/>
+              </a:lnSpc>
+              <a:spcBef>
+                <a:spcPts val="0"/>
+              </a:spcBef>
+              <a:spcAft>
+                <a:spcPts val="0"/>
+              </a:spcAft>
+              <a:buClr>
+                <a:srgbClr val="000000"/>
+              </a:buClr>
+              <a:buSzPts val="1000"/>
+              <a:buFont typeface="Arial"/>
+              <a:buNone/>
+              <a:defRPr b="0" i="0" sz="1000" u="none" cap="none" strike="noStrike">
+                <a:solidFill>
+                  <a:schemeClr val="dk2"/>
+                </a:solidFill>
+                <a:latin typeface="Arial"/>
+                <a:ea typeface="Arial"/>
+                <a:cs typeface="Arial"/>
+                <a:sym typeface="Arial"/>
+              </a:defRPr>
             </a:lvl7pPr>
-            <a:lvl8pPr lvl="7">
-              <a:buNone/>
-              <a:defRPr/>
+            <a:lvl8pPr indent="0" lvl="7" marL="0" marR="0" algn="r">
+              <a:lnSpc>
+                <a:spcPct val="100000"/>
+              </a:lnSpc>
+              <a:spcBef>
+                <a:spcPts val="0"/>
+              </a:spcBef>
+              <a:spcAft>
+                <a:spcPts val="0"/>
+              </a:spcAft>
+              <a:buClr>
+                <a:srgbClr val="000000"/>
+              </a:buClr>
+              <a:buSzPts val="1000"/>
+              <a:buFont typeface="Arial"/>
+              <a:buNone/>
+              <a:defRPr b="0" i="0" sz="1000" u="none" cap="none" strike="noStrike">
+                <a:solidFill>
+                  <a:schemeClr val="dk2"/>
+                </a:solidFill>
+                <a:latin typeface="Arial"/>
+                <a:ea typeface="Arial"/>
+                <a:cs typeface="Arial"/>
+                <a:sym typeface="Arial"/>
+              </a:defRPr>
             </a:lvl8pPr>
-            <a:lvl9pPr lvl="8">
-              <a:buNone/>
-              <a:defRPr/>
+            <a:lvl9pPr indent="0" lvl="8" marL="0" marR="0" algn="r">
+              <a:lnSpc>
+                <a:spcPct val="100000"/>
+              </a:lnSpc>
+              <a:spcBef>
+                <a:spcPts val="0"/>
+              </a:spcBef>
+              <a:spcAft>
+                <a:spcPts val="0"/>
+              </a:spcAft>
+              <a:buClr>
+                <a:srgbClr val="000000"/>
+              </a:buClr>
+              <a:buSzPts val="1000"/>
+              <a:buFont typeface="Arial"/>
+              <a:buNone/>
+              <a:defRPr b="0" i="0" sz="1000" u="none" cap="none" strike="noStrike">
+                <a:solidFill>
+                  <a:schemeClr val="dk2"/>
+                </a:solidFill>
+                <a:latin typeface="Arial"/>
+                <a:ea typeface="Arial"/>
+                <a:cs typeface="Arial"/>
+                <a:sym typeface="Arial"/>
+              </a:defRPr>
             </a:lvl9pPr>
           </a:lstStyle>
           <a:p>
@@ -3720,13 +5548,20 @@
           <a:prstGeom prst="rect">
             <a:avLst/>
           </a:prstGeom>
+          <a:noFill/>
+          <a:ln>
+            <a:noFill/>
+          </a:ln>
         </p:spPr>
         <p:txBody>
           <a:bodyPr anchorCtr="0" anchor="t" bIns="91425" lIns="91425" spcFirstLastPara="1" rIns="91425" wrap="square" tIns="91425">
             <a:normAutofit/>
           </a:bodyPr>
           <a:lstStyle>
-            <a:lvl1pPr lvl="0">
+            <a:lvl1pPr lvl="0" algn="l">
+              <a:lnSpc>
+                <a:spcPct val="100000"/>
+              </a:lnSpc>
               <a:spcBef>
                 <a:spcPts val="0"/>
               </a:spcBef>
@@ -3737,7 +5572,10 @@
               <a:buNone/>
               <a:defRPr/>
             </a:lvl1pPr>
-            <a:lvl2pPr lvl="1">
+            <a:lvl2pPr lvl="1" algn="l">
+              <a:lnSpc>
+                <a:spcPct val="100000"/>
+              </a:lnSpc>
               <a:spcBef>
                 <a:spcPts val="0"/>
               </a:spcBef>
@@ -3748,7 +5586,10 @@
               <a:buNone/>
               <a:defRPr/>
             </a:lvl2pPr>
-            <a:lvl3pPr lvl="2">
+            <a:lvl3pPr lvl="2" algn="l">
+              <a:lnSpc>
+                <a:spcPct val="100000"/>
+              </a:lnSpc>
               <a:spcBef>
                 <a:spcPts val="0"/>
               </a:spcBef>
@@ -3759,7 +5600,10 @@
               <a:buNone/>
               <a:defRPr/>
             </a:lvl3pPr>
-            <a:lvl4pPr lvl="3">
+            <a:lvl4pPr lvl="3" algn="l">
+              <a:lnSpc>
+                <a:spcPct val="100000"/>
+              </a:lnSpc>
               <a:spcBef>
                 <a:spcPts val="0"/>
               </a:spcBef>
@@ -3770,7 +5614,10 @@
               <a:buNone/>
               <a:defRPr/>
             </a:lvl4pPr>
-            <a:lvl5pPr lvl="4">
+            <a:lvl5pPr lvl="4" algn="l">
+              <a:lnSpc>
+                <a:spcPct val="100000"/>
+              </a:lnSpc>
               <a:spcBef>
                 <a:spcPts val="0"/>
               </a:spcBef>
@@ -3781,7 +5628,10 @@
               <a:buNone/>
               <a:defRPr/>
             </a:lvl5pPr>
-            <a:lvl6pPr lvl="5">
+            <a:lvl6pPr lvl="5" algn="l">
+              <a:lnSpc>
+                <a:spcPct val="100000"/>
+              </a:lnSpc>
               <a:spcBef>
                 <a:spcPts val="0"/>
               </a:spcBef>
@@ -3792,7 +5642,10 @@
               <a:buNone/>
               <a:defRPr/>
             </a:lvl6pPr>
-            <a:lvl7pPr lvl="6">
+            <a:lvl7pPr lvl="6" algn="l">
+              <a:lnSpc>
+                <a:spcPct val="100000"/>
+              </a:lnSpc>
               <a:spcBef>
                 <a:spcPts val="0"/>
               </a:spcBef>
@@ -3803,7 +5656,10 @@
               <a:buNone/>
               <a:defRPr/>
             </a:lvl7pPr>
-            <a:lvl8pPr lvl="7">
+            <a:lvl8pPr lvl="7" algn="l">
+              <a:lnSpc>
+                <a:spcPct val="100000"/>
+              </a:lnSpc>
               <a:spcBef>
                 <a:spcPts val="0"/>
               </a:spcBef>
@@ -3814,7 +5670,10 @@
               <a:buNone/>
               <a:defRPr/>
             </a:lvl8pPr>
-            <a:lvl9pPr lvl="8">
+            <a:lvl9pPr lvl="8" algn="l">
+              <a:lnSpc>
+                <a:spcPct val="100000"/>
+              </a:lnSpc>
               <a:spcBef>
                 <a:spcPts val="0"/>
               </a:spcBef>
@@ -3845,47 +5704,249 @@
           <a:prstGeom prst="rect">
             <a:avLst/>
           </a:prstGeom>
+          <a:noFill/>
+          <a:ln>
+            <a:noFill/>
+          </a:ln>
         </p:spPr>
         <p:txBody>
           <a:bodyPr anchorCtr="0" anchor="ctr" bIns="91425" lIns="91425" spcFirstLastPara="1" rIns="91425" wrap="square" tIns="91425">
             <a:normAutofit/>
           </a:bodyPr>
           <a:lstStyle>
-            <a:lvl1pPr lvl="0">
-              <a:buNone/>
-              <a:defRPr/>
+            <a:lvl1pPr indent="0" lvl="0" marL="0" marR="0" algn="r">
+              <a:lnSpc>
+                <a:spcPct val="100000"/>
+              </a:lnSpc>
+              <a:spcBef>
+                <a:spcPts val="0"/>
+              </a:spcBef>
+              <a:spcAft>
+                <a:spcPts val="0"/>
+              </a:spcAft>
+              <a:buClr>
+                <a:srgbClr val="000000"/>
+              </a:buClr>
+              <a:buSzPts val="1000"/>
+              <a:buFont typeface="Arial"/>
+              <a:buNone/>
+              <a:defRPr b="0" i="0" sz="1000" u="none" cap="none" strike="noStrike">
+                <a:solidFill>
+                  <a:schemeClr val="dk2"/>
+                </a:solidFill>
+                <a:latin typeface="Arial"/>
+                <a:ea typeface="Arial"/>
+                <a:cs typeface="Arial"/>
+                <a:sym typeface="Arial"/>
+              </a:defRPr>
             </a:lvl1pPr>
-            <a:lvl2pPr lvl="1">
-              <a:buNone/>
-              <a:defRPr/>
+            <a:lvl2pPr indent="0" lvl="1" marL="0" marR="0" algn="r">
+              <a:lnSpc>
+                <a:spcPct val="100000"/>
+              </a:lnSpc>
+              <a:spcBef>
+                <a:spcPts val="0"/>
+              </a:spcBef>
+              <a:spcAft>
+                <a:spcPts val="0"/>
+              </a:spcAft>
+              <a:buClr>
+                <a:srgbClr val="000000"/>
+              </a:buClr>
+              <a:buSzPts val="1000"/>
+              <a:buFont typeface="Arial"/>
+              <a:buNone/>
+              <a:defRPr b="0" i="0" sz="1000" u="none" cap="none" strike="noStrike">
+                <a:solidFill>
+                  <a:schemeClr val="dk2"/>
+                </a:solidFill>
+                <a:latin typeface="Arial"/>
+                <a:ea typeface="Arial"/>
+                <a:cs typeface="Arial"/>
+                <a:sym typeface="Arial"/>
+              </a:defRPr>
             </a:lvl2pPr>
-            <a:lvl3pPr lvl="2">
-              <a:buNone/>
-              <a:defRPr/>
+            <a:lvl3pPr indent="0" lvl="2" marL="0" marR="0" algn="r">
+              <a:lnSpc>
+                <a:spcPct val="100000"/>
+              </a:lnSpc>
+              <a:spcBef>
+                <a:spcPts val="0"/>
+              </a:spcBef>
+              <a:spcAft>
+                <a:spcPts val="0"/>
+              </a:spcAft>
+              <a:buClr>
+                <a:srgbClr val="000000"/>
+              </a:buClr>
+              <a:buSzPts val="1000"/>
+              <a:buFont typeface="Arial"/>
+              <a:buNone/>
+              <a:defRPr b="0" i="0" sz="1000" u="none" cap="none" strike="noStrike">
+                <a:solidFill>
+                  <a:schemeClr val="dk2"/>
+                </a:solidFill>
+                <a:latin typeface="Arial"/>
+                <a:ea typeface="Arial"/>
+                <a:cs typeface="Arial"/>
+                <a:sym typeface="Arial"/>
+              </a:defRPr>
             </a:lvl3pPr>
-            <a:lvl4pPr lvl="3">
-              <a:buNone/>
-              <a:defRPr/>
+            <a:lvl4pPr indent="0" lvl="3" marL="0" marR="0" algn="r">
+              <a:lnSpc>
+                <a:spcPct val="100000"/>
+              </a:lnSpc>
+              <a:spcBef>
+                <a:spcPts val="0"/>
+              </a:spcBef>
+              <a:spcAft>
+                <a:spcPts val="0"/>
+              </a:spcAft>
+              <a:buClr>
+                <a:srgbClr val="000000"/>
+              </a:buClr>
+              <a:buSzPts val="1000"/>
+              <a:buFont typeface="Arial"/>
+              <a:buNone/>
+              <a:defRPr b="0" i="0" sz="1000" u="none" cap="none" strike="noStrike">
+                <a:solidFill>
+                  <a:schemeClr val="dk2"/>
+                </a:solidFill>
+                <a:latin typeface="Arial"/>
+                <a:ea typeface="Arial"/>
+                <a:cs typeface="Arial"/>
+                <a:sym typeface="Arial"/>
+              </a:defRPr>
             </a:lvl4pPr>
-            <a:lvl5pPr lvl="4">
-              <a:buNone/>
-              <a:defRPr/>
+            <a:lvl5pPr indent="0" lvl="4" marL="0" marR="0" algn="r">
+              <a:lnSpc>
+                <a:spcPct val="100000"/>
+              </a:lnSpc>
+              <a:spcBef>
+                <a:spcPts val="0"/>
+              </a:spcBef>
+              <a:spcAft>
+                <a:spcPts val="0"/>
+              </a:spcAft>
+              <a:buClr>
+                <a:srgbClr val="000000"/>
+              </a:buClr>
+              <a:buSzPts val="1000"/>
+              <a:buFont typeface="Arial"/>
+              <a:buNone/>
+              <a:defRPr b="0" i="0" sz="1000" u="none" cap="none" strike="noStrike">
+                <a:solidFill>
+                  <a:schemeClr val="dk2"/>
+                </a:solidFill>
+                <a:latin typeface="Arial"/>
+                <a:ea typeface="Arial"/>
+                <a:cs typeface="Arial"/>
+                <a:sym typeface="Arial"/>
+              </a:defRPr>
             </a:lvl5pPr>
-            <a:lvl6pPr lvl="5">
-              <a:buNone/>
-              <a:defRPr/>
+            <a:lvl6pPr indent="0" lvl="5" marL="0" marR="0" algn="r">
+              <a:lnSpc>
+                <a:spcPct val="100000"/>
+              </a:lnSpc>
+              <a:spcBef>
+                <a:spcPts val="0"/>
+              </a:spcBef>
+              <a:spcAft>
+                <a:spcPts val="0"/>
+              </a:spcAft>
+              <a:buClr>
+                <a:srgbClr val="000000"/>
+              </a:buClr>
+              <a:buSzPts val="1000"/>
+              <a:buFont typeface="Arial"/>
+              <a:buNone/>
+              <a:defRPr b="0" i="0" sz="1000" u="none" cap="none" strike="noStrike">
+                <a:solidFill>
+                  <a:schemeClr val="dk2"/>
+                </a:solidFill>
+                <a:latin typeface="Arial"/>
+                <a:ea typeface="Arial"/>
+                <a:cs typeface="Arial"/>
+                <a:sym typeface="Arial"/>
+              </a:defRPr>
             </a:lvl6pPr>
-            <a:lvl7pPr lvl="6">
-              <a:buNone/>
-              <a:defRPr/>
+            <a:lvl7pPr indent="0" lvl="6" marL="0" marR="0" algn="r">
+              <a:lnSpc>
+                <a:spcPct val="100000"/>
+              </a:lnSpc>
+              <a:spcBef>
+                <a:spcPts val="0"/>
+              </a:spcBef>
+              <a:spcAft>
+                <a:spcPts val="0"/>
+              </a:spcAft>
+              <a:buClr>
+                <a:srgbClr val="000000"/>
+              </a:buClr>
+              <a:buSzPts val="1000"/>
+              <a:buFont typeface="Arial"/>
+              <a:buNone/>
+              <a:defRPr b="0" i="0" sz="1000" u="none" cap="none" strike="noStrike">
+                <a:solidFill>
+                  <a:schemeClr val="dk2"/>
+                </a:solidFill>
+                <a:latin typeface="Arial"/>
+                <a:ea typeface="Arial"/>
+                <a:cs typeface="Arial"/>
+                <a:sym typeface="Arial"/>
+              </a:defRPr>
             </a:lvl7pPr>
-            <a:lvl8pPr lvl="7">
-              <a:buNone/>
-              <a:defRPr/>
+            <a:lvl8pPr indent="0" lvl="7" marL="0" marR="0" algn="r">
+              <a:lnSpc>
+                <a:spcPct val="100000"/>
+              </a:lnSpc>
+              <a:spcBef>
+                <a:spcPts val="0"/>
+              </a:spcBef>
+              <a:spcAft>
+                <a:spcPts val="0"/>
+              </a:spcAft>
+              <a:buClr>
+                <a:srgbClr val="000000"/>
+              </a:buClr>
+              <a:buSzPts val="1000"/>
+              <a:buFont typeface="Arial"/>
+              <a:buNone/>
+              <a:defRPr b="0" i="0" sz="1000" u="none" cap="none" strike="noStrike">
+                <a:solidFill>
+                  <a:schemeClr val="dk2"/>
+                </a:solidFill>
+                <a:latin typeface="Arial"/>
+                <a:ea typeface="Arial"/>
+                <a:cs typeface="Arial"/>
+                <a:sym typeface="Arial"/>
+              </a:defRPr>
             </a:lvl8pPr>
-            <a:lvl9pPr lvl="8">
-              <a:buNone/>
-              <a:defRPr/>
+            <a:lvl9pPr indent="0" lvl="8" marL="0" marR="0" algn="r">
+              <a:lnSpc>
+                <a:spcPct val="100000"/>
+              </a:lnSpc>
+              <a:spcBef>
+                <a:spcPts val="0"/>
+              </a:spcBef>
+              <a:spcAft>
+                <a:spcPts val="0"/>
+              </a:spcAft>
+              <a:buClr>
+                <a:srgbClr val="000000"/>
+              </a:buClr>
+              <a:buSzPts val="1000"/>
+              <a:buFont typeface="Arial"/>
+              <a:buNone/>
+              <a:defRPr b="0" i="0" sz="1000" u="none" cap="none" strike="noStrike">
+                <a:solidFill>
+                  <a:schemeClr val="dk2"/>
+                </a:solidFill>
+                <a:latin typeface="Arial"/>
+                <a:ea typeface="Arial"/>
+                <a:cs typeface="Arial"/>
+                <a:sym typeface="Arial"/>
+              </a:defRPr>
             </a:lvl9pPr>
           </a:lstStyle>
           <a:p>
@@ -3947,13 +6008,20 @@
           <a:prstGeom prst="rect">
             <a:avLst/>
           </a:prstGeom>
+          <a:noFill/>
+          <a:ln>
+            <a:noFill/>
+          </a:ln>
         </p:spPr>
         <p:txBody>
           <a:bodyPr anchorCtr="0" anchor="b" bIns="91425" lIns="91425" spcFirstLastPara="1" rIns="91425" wrap="square" tIns="91425">
             <a:normAutofit/>
           </a:bodyPr>
           <a:lstStyle>
-            <a:lvl1pPr lvl="0">
+            <a:lvl1pPr lvl="0" algn="l">
+              <a:lnSpc>
+                <a:spcPct val="100000"/>
+              </a:lnSpc>
               <a:spcBef>
                 <a:spcPts val="0"/>
               </a:spcBef>
@@ -3964,7 +6032,10 @@
               <a:buNone/>
               <a:defRPr sz="2400"/>
             </a:lvl1pPr>
-            <a:lvl2pPr lvl="1">
+            <a:lvl2pPr lvl="1" algn="l">
+              <a:lnSpc>
+                <a:spcPct val="100000"/>
+              </a:lnSpc>
               <a:spcBef>
                 <a:spcPts val="0"/>
               </a:spcBef>
@@ -3975,7 +6046,10 @@
               <a:buNone/>
               <a:defRPr sz="2400"/>
             </a:lvl2pPr>
-            <a:lvl3pPr lvl="2">
+            <a:lvl3pPr lvl="2" algn="l">
+              <a:lnSpc>
+                <a:spcPct val="100000"/>
+              </a:lnSpc>
               <a:spcBef>
                 <a:spcPts val="0"/>
               </a:spcBef>
@@ -3986,7 +6060,10 @@
               <a:buNone/>
               <a:defRPr sz="2400"/>
             </a:lvl3pPr>
-            <a:lvl4pPr lvl="3">
+            <a:lvl4pPr lvl="3" algn="l">
+              <a:lnSpc>
+                <a:spcPct val="100000"/>
+              </a:lnSpc>
               <a:spcBef>
                 <a:spcPts val="0"/>
               </a:spcBef>
@@ -3997,7 +6074,10 @@
               <a:buNone/>
               <a:defRPr sz="2400"/>
             </a:lvl4pPr>
-            <a:lvl5pPr lvl="4">
+            <a:lvl5pPr lvl="4" algn="l">
+              <a:lnSpc>
+                <a:spcPct val="100000"/>
+              </a:lnSpc>
               <a:spcBef>
                 <a:spcPts val="0"/>
               </a:spcBef>
@@ -4008,7 +6088,10 @@
               <a:buNone/>
               <a:defRPr sz="2400"/>
             </a:lvl5pPr>
-            <a:lvl6pPr lvl="5">
+            <a:lvl6pPr lvl="5" algn="l">
+              <a:lnSpc>
+                <a:spcPct val="100000"/>
+              </a:lnSpc>
               <a:spcBef>
                 <a:spcPts val="0"/>
               </a:spcBef>
@@ -4019,7 +6102,10 @@
               <a:buNone/>
               <a:defRPr sz="2400"/>
             </a:lvl6pPr>
-            <a:lvl7pPr lvl="6">
+            <a:lvl7pPr lvl="6" algn="l">
+              <a:lnSpc>
+                <a:spcPct val="100000"/>
+              </a:lnSpc>
               <a:spcBef>
                 <a:spcPts val="0"/>
               </a:spcBef>
@@ -4030,7 +6116,10 @@
               <a:buNone/>
               <a:defRPr sz="2400"/>
             </a:lvl7pPr>
-            <a:lvl8pPr lvl="7">
+            <a:lvl8pPr lvl="7" algn="l">
+              <a:lnSpc>
+                <a:spcPct val="100000"/>
+              </a:lnSpc>
               <a:spcBef>
                 <a:spcPts val="0"/>
               </a:spcBef>
@@ -4041,7 +6130,10 @@
               <a:buNone/>
               <a:defRPr sz="2400"/>
             </a:lvl8pPr>
-            <a:lvl9pPr lvl="8">
+            <a:lvl9pPr lvl="8" algn="l">
+              <a:lnSpc>
+                <a:spcPct val="100000"/>
+              </a:lnSpc>
               <a:spcBef>
                 <a:spcPts val="0"/>
               </a:spcBef>
@@ -4072,13 +6164,20 @@
           <a:prstGeom prst="rect">
             <a:avLst/>
           </a:prstGeom>
+          <a:noFill/>
+          <a:ln>
+            <a:noFill/>
+          </a:ln>
         </p:spPr>
         <p:txBody>
           <a:bodyPr anchorCtr="0" anchor="t" bIns="91425" lIns="91425" spcFirstLastPara="1" rIns="91425" wrap="square" tIns="91425">
             <a:normAutofit/>
           </a:bodyPr>
           <a:lstStyle>
-            <a:lvl1pPr indent="-304800" lvl="0" marL="457200">
+            <a:lvl1pPr indent="-304800" lvl="0" marL="457200" algn="l">
+              <a:lnSpc>
+                <a:spcPct val="115000"/>
+              </a:lnSpc>
               <a:spcBef>
                 <a:spcPts val="0"/>
               </a:spcBef>
@@ -4089,7 +6188,10 @@
               <a:buChar char="●"/>
               <a:defRPr sz="1200"/>
             </a:lvl1pPr>
-            <a:lvl2pPr indent="-304800" lvl="1" marL="914400">
+            <a:lvl2pPr indent="-304800" lvl="1" marL="914400" algn="l">
+              <a:lnSpc>
+                <a:spcPct val="115000"/>
+              </a:lnSpc>
               <a:spcBef>
                 <a:spcPts val="0"/>
               </a:spcBef>
@@ -4100,7 +6202,10 @@
               <a:buChar char="○"/>
               <a:defRPr sz="1200"/>
             </a:lvl2pPr>
-            <a:lvl3pPr indent="-304800" lvl="2" marL="1371600">
+            <a:lvl3pPr indent="-304800" lvl="2" marL="1371600" algn="l">
+              <a:lnSpc>
+                <a:spcPct val="115000"/>
+              </a:lnSpc>
               <a:spcBef>
                 <a:spcPts val="0"/>
               </a:spcBef>
@@ -4111,7 +6216,10 @@
               <a:buChar char="■"/>
               <a:defRPr sz="1200"/>
             </a:lvl3pPr>
-            <a:lvl4pPr indent="-304800" lvl="3" marL="1828800">
+            <a:lvl4pPr indent="-304800" lvl="3" marL="1828800" algn="l">
+              <a:lnSpc>
+                <a:spcPct val="115000"/>
+              </a:lnSpc>
               <a:spcBef>
                 <a:spcPts val="0"/>
               </a:spcBef>
@@ -4122,7 +6230,10 @@
               <a:buChar char="●"/>
               <a:defRPr sz="1200"/>
             </a:lvl4pPr>
-            <a:lvl5pPr indent="-304800" lvl="4" marL="2286000">
+            <a:lvl5pPr indent="-304800" lvl="4" marL="2286000" algn="l">
+              <a:lnSpc>
+                <a:spcPct val="115000"/>
+              </a:lnSpc>
               <a:spcBef>
                 <a:spcPts val="0"/>
               </a:spcBef>
@@ -4133,7 +6244,10 @@
               <a:buChar char="○"/>
               <a:defRPr sz="1200"/>
             </a:lvl5pPr>
-            <a:lvl6pPr indent="-304800" lvl="5" marL="2743200">
+            <a:lvl6pPr indent="-304800" lvl="5" marL="2743200" algn="l">
+              <a:lnSpc>
+                <a:spcPct val="115000"/>
+              </a:lnSpc>
               <a:spcBef>
                 <a:spcPts val="0"/>
               </a:spcBef>
@@ -4144,7 +6258,10 @@
               <a:buChar char="■"/>
               <a:defRPr sz="1200"/>
             </a:lvl6pPr>
-            <a:lvl7pPr indent="-304800" lvl="6" marL="3200400">
+            <a:lvl7pPr indent="-304800" lvl="6" marL="3200400" algn="l">
+              <a:lnSpc>
+                <a:spcPct val="115000"/>
+              </a:lnSpc>
               <a:spcBef>
                 <a:spcPts val="0"/>
               </a:spcBef>
@@ -4155,7 +6272,10 @@
               <a:buChar char="●"/>
               <a:defRPr sz="1200"/>
             </a:lvl7pPr>
-            <a:lvl8pPr indent="-304800" lvl="7" marL="3657600">
+            <a:lvl8pPr indent="-304800" lvl="7" marL="3657600" algn="l">
+              <a:lnSpc>
+                <a:spcPct val="115000"/>
+              </a:lnSpc>
               <a:spcBef>
                 <a:spcPts val="0"/>
               </a:spcBef>
@@ -4166,7 +6286,10 @@
               <a:buChar char="○"/>
               <a:defRPr sz="1200"/>
             </a:lvl8pPr>
-            <a:lvl9pPr indent="-304800" lvl="8" marL="4114800">
+            <a:lvl9pPr indent="-304800" lvl="8" marL="4114800" algn="l">
+              <a:lnSpc>
+                <a:spcPct val="115000"/>
+              </a:lnSpc>
               <a:spcBef>
                 <a:spcPts val="0"/>
               </a:spcBef>
@@ -4197,47 +6320,249 @@
           <a:prstGeom prst="rect">
             <a:avLst/>
           </a:prstGeom>
+          <a:noFill/>
+          <a:ln>
+            <a:noFill/>
+          </a:ln>
         </p:spPr>
         <p:txBody>
           <a:bodyPr anchorCtr="0" anchor="ctr" bIns="91425" lIns="91425" spcFirstLastPara="1" rIns="91425" wrap="square" tIns="91425">
             <a:normAutofit/>
           </a:bodyPr>
           <a:lstStyle>
-            <a:lvl1pPr lvl="0">
-              <a:buNone/>
-              <a:defRPr/>
+            <a:lvl1pPr indent="0" lvl="0" marL="0" marR="0" algn="r">
+              <a:lnSpc>
+                <a:spcPct val="100000"/>
+              </a:lnSpc>
+              <a:spcBef>
+                <a:spcPts val="0"/>
+              </a:spcBef>
+              <a:spcAft>
+                <a:spcPts val="0"/>
+              </a:spcAft>
+              <a:buClr>
+                <a:srgbClr val="000000"/>
+              </a:buClr>
+              <a:buSzPts val="1000"/>
+              <a:buFont typeface="Arial"/>
+              <a:buNone/>
+              <a:defRPr b="0" i="0" sz="1000" u="none" cap="none" strike="noStrike">
+                <a:solidFill>
+                  <a:schemeClr val="dk2"/>
+                </a:solidFill>
+                <a:latin typeface="Arial"/>
+                <a:ea typeface="Arial"/>
+                <a:cs typeface="Arial"/>
+                <a:sym typeface="Arial"/>
+              </a:defRPr>
             </a:lvl1pPr>
-            <a:lvl2pPr lvl="1">
-              <a:buNone/>
-              <a:defRPr/>
+            <a:lvl2pPr indent="0" lvl="1" marL="0" marR="0" algn="r">
+              <a:lnSpc>
+                <a:spcPct val="100000"/>
+              </a:lnSpc>
+              <a:spcBef>
+                <a:spcPts val="0"/>
+              </a:spcBef>
+              <a:spcAft>
+                <a:spcPts val="0"/>
+              </a:spcAft>
+              <a:buClr>
+                <a:srgbClr val="000000"/>
+              </a:buClr>
+              <a:buSzPts val="1000"/>
+              <a:buFont typeface="Arial"/>
+              <a:buNone/>
+              <a:defRPr b="0" i="0" sz="1000" u="none" cap="none" strike="noStrike">
+                <a:solidFill>
+                  <a:schemeClr val="dk2"/>
+                </a:solidFill>
+                <a:latin typeface="Arial"/>
+                <a:ea typeface="Arial"/>
+                <a:cs typeface="Arial"/>
+                <a:sym typeface="Arial"/>
+              </a:defRPr>
             </a:lvl2pPr>
-            <a:lvl3pPr lvl="2">
-              <a:buNone/>
-              <a:defRPr/>
+            <a:lvl3pPr indent="0" lvl="2" marL="0" marR="0" algn="r">
+              <a:lnSpc>
+                <a:spcPct val="100000"/>
+              </a:lnSpc>
+              <a:spcBef>
+                <a:spcPts val="0"/>
+              </a:spcBef>
+              <a:spcAft>
+                <a:spcPts val="0"/>
+              </a:spcAft>
+              <a:buClr>
+                <a:srgbClr val="000000"/>
+              </a:buClr>
+              <a:buSzPts val="1000"/>
+              <a:buFont typeface="Arial"/>
+              <a:buNone/>
+              <a:defRPr b="0" i="0" sz="1000" u="none" cap="none" strike="noStrike">
+                <a:solidFill>
+                  <a:schemeClr val="dk2"/>
+                </a:solidFill>
+                <a:latin typeface="Arial"/>
+                <a:ea typeface="Arial"/>
+                <a:cs typeface="Arial"/>
+                <a:sym typeface="Arial"/>
+              </a:defRPr>
             </a:lvl3pPr>
-            <a:lvl4pPr lvl="3">
-              <a:buNone/>
-              <a:defRPr/>
+            <a:lvl4pPr indent="0" lvl="3" marL="0" marR="0" algn="r">
+              <a:lnSpc>
+                <a:spcPct val="100000"/>
+              </a:lnSpc>
+              <a:spcBef>
+                <a:spcPts val="0"/>
+              </a:spcBef>
+              <a:spcAft>
+                <a:spcPts val="0"/>
+              </a:spcAft>
+              <a:buClr>
+                <a:srgbClr val="000000"/>
+              </a:buClr>
+              <a:buSzPts val="1000"/>
+              <a:buFont typeface="Arial"/>
+              <a:buNone/>
+              <a:defRPr b="0" i="0" sz="1000" u="none" cap="none" strike="noStrike">
+                <a:solidFill>
+                  <a:schemeClr val="dk2"/>
+                </a:solidFill>
+                <a:latin typeface="Arial"/>
+                <a:ea typeface="Arial"/>
+                <a:cs typeface="Arial"/>
+                <a:sym typeface="Arial"/>
+              </a:defRPr>
             </a:lvl4pPr>
-            <a:lvl5pPr lvl="4">
-              <a:buNone/>
-              <a:defRPr/>
+            <a:lvl5pPr indent="0" lvl="4" marL="0" marR="0" algn="r">
+              <a:lnSpc>
+                <a:spcPct val="100000"/>
+              </a:lnSpc>
+              <a:spcBef>
+                <a:spcPts val="0"/>
+              </a:spcBef>
+              <a:spcAft>
+                <a:spcPts val="0"/>
+              </a:spcAft>
+              <a:buClr>
+                <a:srgbClr val="000000"/>
+              </a:buClr>
+              <a:buSzPts val="1000"/>
+              <a:buFont typeface="Arial"/>
+              <a:buNone/>
+              <a:defRPr b="0" i="0" sz="1000" u="none" cap="none" strike="noStrike">
+                <a:solidFill>
+                  <a:schemeClr val="dk2"/>
+                </a:solidFill>
+                <a:latin typeface="Arial"/>
+                <a:ea typeface="Arial"/>
+                <a:cs typeface="Arial"/>
+                <a:sym typeface="Arial"/>
+              </a:defRPr>
             </a:lvl5pPr>
-            <a:lvl6pPr lvl="5">
-              <a:buNone/>
-              <a:defRPr/>
+            <a:lvl6pPr indent="0" lvl="5" marL="0" marR="0" algn="r">
+              <a:lnSpc>
+                <a:spcPct val="100000"/>
+              </a:lnSpc>
+              <a:spcBef>
+                <a:spcPts val="0"/>
+              </a:spcBef>
+              <a:spcAft>
+                <a:spcPts val="0"/>
+              </a:spcAft>
+              <a:buClr>
+                <a:srgbClr val="000000"/>
+              </a:buClr>
+              <a:buSzPts val="1000"/>
+              <a:buFont typeface="Arial"/>
+              <a:buNone/>
+              <a:defRPr b="0" i="0" sz="1000" u="none" cap="none" strike="noStrike">
+                <a:solidFill>
+                  <a:schemeClr val="dk2"/>
+                </a:solidFill>
+                <a:latin typeface="Arial"/>
+                <a:ea typeface="Arial"/>
+                <a:cs typeface="Arial"/>
+                <a:sym typeface="Arial"/>
+              </a:defRPr>
             </a:lvl6pPr>
-            <a:lvl7pPr lvl="6">
-              <a:buNone/>
-              <a:defRPr/>
+            <a:lvl7pPr indent="0" lvl="6" marL="0" marR="0" algn="r">
+              <a:lnSpc>
+                <a:spcPct val="100000"/>
+              </a:lnSpc>
+              <a:spcBef>
+                <a:spcPts val="0"/>
+              </a:spcBef>
+              <a:spcAft>
+                <a:spcPts val="0"/>
+              </a:spcAft>
+              <a:buClr>
+                <a:srgbClr val="000000"/>
+              </a:buClr>
+              <a:buSzPts val="1000"/>
+              <a:buFont typeface="Arial"/>
+              <a:buNone/>
+              <a:defRPr b="0" i="0" sz="1000" u="none" cap="none" strike="noStrike">
+                <a:solidFill>
+                  <a:schemeClr val="dk2"/>
+                </a:solidFill>
+                <a:latin typeface="Arial"/>
+                <a:ea typeface="Arial"/>
+                <a:cs typeface="Arial"/>
+                <a:sym typeface="Arial"/>
+              </a:defRPr>
             </a:lvl7pPr>
-            <a:lvl8pPr lvl="7">
-              <a:buNone/>
-              <a:defRPr/>
+            <a:lvl8pPr indent="0" lvl="7" marL="0" marR="0" algn="r">
+              <a:lnSpc>
+                <a:spcPct val="100000"/>
+              </a:lnSpc>
+              <a:spcBef>
+                <a:spcPts val="0"/>
+              </a:spcBef>
+              <a:spcAft>
+                <a:spcPts val="0"/>
+              </a:spcAft>
+              <a:buClr>
+                <a:srgbClr val="000000"/>
+              </a:buClr>
+              <a:buSzPts val="1000"/>
+              <a:buFont typeface="Arial"/>
+              <a:buNone/>
+              <a:defRPr b="0" i="0" sz="1000" u="none" cap="none" strike="noStrike">
+                <a:solidFill>
+                  <a:schemeClr val="dk2"/>
+                </a:solidFill>
+                <a:latin typeface="Arial"/>
+                <a:ea typeface="Arial"/>
+                <a:cs typeface="Arial"/>
+                <a:sym typeface="Arial"/>
+              </a:defRPr>
             </a:lvl8pPr>
-            <a:lvl9pPr lvl="8">
-              <a:buNone/>
-              <a:defRPr/>
+            <a:lvl9pPr indent="0" lvl="8" marL="0" marR="0" algn="r">
+              <a:lnSpc>
+                <a:spcPct val="100000"/>
+              </a:lnSpc>
+              <a:spcBef>
+                <a:spcPts val="0"/>
+              </a:spcBef>
+              <a:spcAft>
+                <a:spcPts val="0"/>
+              </a:spcAft>
+              <a:buClr>
+                <a:srgbClr val="000000"/>
+              </a:buClr>
+              <a:buSzPts val="1000"/>
+              <a:buFont typeface="Arial"/>
+              <a:buNone/>
+              <a:defRPr b="0" i="0" sz="1000" u="none" cap="none" strike="noStrike">
+                <a:solidFill>
+                  <a:schemeClr val="dk2"/>
+                </a:solidFill>
+                <a:latin typeface="Arial"/>
+                <a:ea typeface="Arial"/>
+                <a:cs typeface="Arial"/>
+                <a:sym typeface="Arial"/>
+              </a:defRPr>
             </a:lvl9pPr>
           </a:lstStyle>
           <a:p>
@@ -4299,13 +6624,20 @@
           <a:prstGeom prst="rect">
             <a:avLst/>
           </a:prstGeom>
+          <a:noFill/>
+          <a:ln>
+            <a:noFill/>
+          </a:ln>
         </p:spPr>
         <p:txBody>
           <a:bodyPr anchorCtr="0" anchor="ctr" bIns="91425" lIns="91425" spcFirstLastPara="1" rIns="91425" wrap="square" tIns="91425">
             <a:normAutofit/>
           </a:bodyPr>
           <a:lstStyle>
-            <a:lvl1pPr lvl="0">
+            <a:lvl1pPr lvl="0" algn="l">
+              <a:lnSpc>
+                <a:spcPct val="100000"/>
+              </a:lnSpc>
               <a:spcBef>
                 <a:spcPts val="0"/>
               </a:spcBef>
@@ -4316,7 +6648,10 @@
               <a:buNone/>
               <a:defRPr sz="4800"/>
             </a:lvl1pPr>
-            <a:lvl2pPr lvl="1">
+            <a:lvl2pPr lvl="1" algn="l">
+              <a:lnSpc>
+                <a:spcPct val="100000"/>
+              </a:lnSpc>
               <a:spcBef>
                 <a:spcPts val="0"/>
               </a:spcBef>
@@ -4327,7 +6662,10 @@
               <a:buNone/>
               <a:defRPr sz="4800"/>
             </a:lvl2pPr>
-            <a:lvl3pPr lvl="2">
+            <a:lvl3pPr lvl="2" algn="l">
+              <a:lnSpc>
+                <a:spcPct val="100000"/>
+              </a:lnSpc>
               <a:spcBef>
                 <a:spcPts val="0"/>
               </a:spcBef>
@@ -4338,7 +6676,10 @@
               <a:buNone/>
               <a:defRPr sz="4800"/>
             </a:lvl3pPr>
-            <a:lvl4pPr lvl="3">
+            <a:lvl4pPr lvl="3" algn="l">
+              <a:lnSpc>
+                <a:spcPct val="100000"/>
+              </a:lnSpc>
               <a:spcBef>
                 <a:spcPts val="0"/>
               </a:spcBef>
@@ -4349,7 +6690,10 @@
               <a:buNone/>
               <a:defRPr sz="4800"/>
             </a:lvl4pPr>
-            <a:lvl5pPr lvl="4">
+            <a:lvl5pPr lvl="4" algn="l">
+              <a:lnSpc>
+                <a:spcPct val="100000"/>
+              </a:lnSpc>
               <a:spcBef>
                 <a:spcPts val="0"/>
               </a:spcBef>
@@ -4360,7 +6704,10 @@
               <a:buNone/>
               <a:defRPr sz="4800"/>
             </a:lvl5pPr>
-            <a:lvl6pPr lvl="5">
+            <a:lvl6pPr lvl="5" algn="l">
+              <a:lnSpc>
+                <a:spcPct val="100000"/>
+              </a:lnSpc>
               <a:spcBef>
                 <a:spcPts val="0"/>
               </a:spcBef>
@@ -4371,7 +6718,10 @@
               <a:buNone/>
               <a:defRPr sz="4800"/>
             </a:lvl6pPr>
-            <a:lvl7pPr lvl="6">
+            <a:lvl7pPr lvl="6" algn="l">
+              <a:lnSpc>
+                <a:spcPct val="100000"/>
+              </a:lnSpc>
               <a:spcBef>
                 <a:spcPts val="0"/>
               </a:spcBef>
@@ -4382,7 +6732,10 @@
               <a:buNone/>
               <a:defRPr sz="4800"/>
             </a:lvl7pPr>
-            <a:lvl8pPr lvl="7">
+            <a:lvl8pPr lvl="7" algn="l">
+              <a:lnSpc>
+                <a:spcPct val="100000"/>
+              </a:lnSpc>
               <a:spcBef>
                 <a:spcPts val="0"/>
               </a:spcBef>
@@ -4393,7 +6746,10 @@
               <a:buNone/>
               <a:defRPr sz="4800"/>
             </a:lvl8pPr>
-            <a:lvl9pPr lvl="8">
+            <a:lvl9pPr lvl="8" algn="l">
+              <a:lnSpc>
+                <a:spcPct val="100000"/>
+              </a:lnSpc>
               <a:spcBef>
                 <a:spcPts val="0"/>
               </a:spcBef>
@@ -4424,47 +6780,249 @@
           <a:prstGeom prst="rect">
             <a:avLst/>
           </a:prstGeom>
+          <a:noFill/>
+          <a:ln>
+            <a:noFill/>
+          </a:ln>
         </p:spPr>
         <p:txBody>
           <a:bodyPr anchorCtr="0" anchor="ctr" bIns="91425" lIns="91425" spcFirstLastPara="1" rIns="91425" wrap="square" tIns="91425">
             <a:normAutofit/>
           </a:bodyPr>
           <a:lstStyle>
-            <a:lvl1pPr lvl="0">
-              <a:buNone/>
-              <a:defRPr/>
+            <a:lvl1pPr indent="0" lvl="0" marL="0" marR="0" algn="r">
+              <a:lnSpc>
+                <a:spcPct val="100000"/>
+              </a:lnSpc>
+              <a:spcBef>
+                <a:spcPts val="0"/>
+              </a:spcBef>
+              <a:spcAft>
+                <a:spcPts val="0"/>
+              </a:spcAft>
+              <a:buClr>
+                <a:srgbClr val="000000"/>
+              </a:buClr>
+              <a:buSzPts val="1000"/>
+              <a:buFont typeface="Arial"/>
+              <a:buNone/>
+              <a:defRPr b="0" i="0" sz="1000" u="none" cap="none" strike="noStrike">
+                <a:solidFill>
+                  <a:schemeClr val="dk2"/>
+                </a:solidFill>
+                <a:latin typeface="Arial"/>
+                <a:ea typeface="Arial"/>
+                <a:cs typeface="Arial"/>
+                <a:sym typeface="Arial"/>
+              </a:defRPr>
             </a:lvl1pPr>
-            <a:lvl2pPr lvl="1">
-              <a:buNone/>
-              <a:defRPr/>
+            <a:lvl2pPr indent="0" lvl="1" marL="0" marR="0" algn="r">
+              <a:lnSpc>
+                <a:spcPct val="100000"/>
+              </a:lnSpc>
+              <a:spcBef>
+                <a:spcPts val="0"/>
+              </a:spcBef>
+              <a:spcAft>
+                <a:spcPts val="0"/>
+              </a:spcAft>
+              <a:buClr>
+                <a:srgbClr val="000000"/>
+              </a:buClr>
+              <a:buSzPts val="1000"/>
+              <a:buFont typeface="Arial"/>
+              <a:buNone/>
+              <a:defRPr b="0" i="0" sz="1000" u="none" cap="none" strike="noStrike">
+                <a:solidFill>
+                  <a:schemeClr val="dk2"/>
+                </a:solidFill>
+                <a:latin typeface="Arial"/>
+                <a:ea typeface="Arial"/>
+                <a:cs typeface="Arial"/>
+                <a:sym typeface="Arial"/>
+              </a:defRPr>
             </a:lvl2pPr>
-            <a:lvl3pPr lvl="2">
-              <a:buNone/>
-              <a:defRPr/>
+            <a:lvl3pPr indent="0" lvl="2" marL="0" marR="0" algn="r">
+              <a:lnSpc>
+                <a:spcPct val="100000"/>
+              </a:lnSpc>
+              <a:spcBef>
+                <a:spcPts val="0"/>
+              </a:spcBef>
+              <a:spcAft>
+                <a:spcPts val="0"/>
+              </a:spcAft>
+              <a:buClr>
+                <a:srgbClr val="000000"/>
+              </a:buClr>
+              <a:buSzPts val="1000"/>
+              <a:buFont typeface="Arial"/>
+              <a:buNone/>
+              <a:defRPr b="0" i="0" sz="1000" u="none" cap="none" strike="noStrike">
+                <a:solidFill>
+                  <a:schemeClr val="dk2"/>
+                </a:solidFill>
+                <a:latin typeface="Arial"/>
+                <a:ea typeface="Arial"/>
+                <a:cs typeface="Arial"/>
+                <a:sym typeface="Arial"/>
+              </a:defRPr>
             </a:lvl3pPr>
-            <a:lvl4pPr lvl="3">
-              <a:buNone/>
-              <a:defRPr/>
+            <a:lvl4pPr indent="0" lvl="3" marL="0" marR="0" algn="r">
+              <a:lnSpc>
+                <a:spcPct val="100000"/>
+              </a:lnSpc>
+              <a:spcBef>
+                <a:spcPts val="0"/>
+              </a:spcBef>
+              <a:spcAft>
+                <a:spcPts val="0"/>
+              </a:spcAft>
+              <a:buClr>
+                <a:srgbClr val="000000"/>
+              </a:buClr>
+              <a:buSzPts val="1000"/>
+              <a:buFont typeface="Arial"/>
+              <a:buNone/>
+              <a:defRPr b="0" i="0" sz="1000" u="none" cap="none" strike="noStrike">
+                <a:solidFill>
+                  <a:schemeClr val="dk2"/>
+                </a:solidFill>
+                <a:latin typeface="Arial"/>
+                <a:ea typeface="Arial"/>
+                <a:cs typeface="Arial"/>
+                <a:sym typeface="Arial"/>
+              </a:defRPr>
             </a:lvl4pPr>
-            <a:lvl5pPr lvl="4">
-              <a:buNone/>
-              <a:defRPr/>
+            <a:lvl5pPr indent="0" lvl="4" marL="0" marR="0" algn="r">
+              <a:lnSpc>
+                <a:spcPct val="100000"/>
+              </a:lnSpc>
+              <a:spcBef>
+                <a:spcPts val="0"/>
+              </a:spcBef>
+              <a:spcAft>
+                <a:spcPts val="0"/>
+              </a:spcAft>
+              <a:buClr>
+                <a:srgbClr val="000000"/>
+              </a:buClr>
+              <a:buSzPts val="1000"/>
+              <a:buFont typeface="Arial"/>
+              <a:buNone/>
+              <a:defRPr b="0" i="0" sz="1000" u="none" cap="none" strike="noStrike">
+                <a:solidFill>
+                  <a:schemeClr val="dk2"/>
+                </a:solidFill>
+                <a:latin typeface="Arial"/>
+                <a:ea typeface="Arial"/>
+                <a:cs typeface="Arial"/>
+                <a:sym typeface="Arial"/>
+              </a:defRPr>
             </a:lvl5pPr>
-            <a:lvl6pPr lvl="5">
-              <a:buNone/>
-              <a:defRPr/>
+            <a:lvl6pPr indent="0" lvl="5" marL="0" marR="0" algn="r">
+              <a:lnSpc>
+                <a:spcPct val="100000"/>
+              </a:lnSpc>
+              <a:spcBef>
+                <a:spcPts val="0"/>
+              </a:spcBef>
+              <a:spcAft>
+                <a:spcPts val="0"/>
+              </a:spcAft>
+              <a:buClr>
+                <a:srgbClr val="000000"/>
+              </a:buClr>
+              <a:buSzPts val="1000"/>
+              <a:buFont typeface="Arial"/>
+              <a:buNone/>
+              <a:defRPr b="0" i="0" sz="1000" u="none" cap="none" strike="noStrike">
+                <a:solidFill>
+                  <a:schemeClr val="dk2"/>
+                </a:solidFill>
+                <a:latin typeface="Arial"/>
+                <a:ea typeface="Arial"/>
+                <a:cs typeface="Arial"/>
+                <a:sym typeface="Arial"/>
+              </a:defRPr>
             </a:lvl6pPr>
-            <a:lvl7pPr lvl="6">
-              <a:buNone/>
-              <a:defRPr/>
+            <a:lvl7pPr indent="0" lvl="6" marL="0" marR="0" algn="r">
+              <a:lnSpc>
+                <a:spcPct val="100000"/>
+              </a:lnSpc>
+              <a:spcBef>
+                <a:spcPts val="0"/>
+              </a:spcBef>
+              <a:spcAft>
+                <a:spcPts val="0"/>
+              </a:spcAft>
+              <a:buClr>
+                <a:srgbClr val="000000"/>
+              </a:buClr>
+              <a:buSzPts val="1000"/>
+              <a:buFont typeface="Arial"/>
+              <a:buNone/>
+              <a:defRPr b="0" i="0" sz="1000" u="none" cap="none" strike="noStrike">
+                <a:solidFill>
+                  <a:schemeClr val="dk2"/>
+                </a:solidFill>
+                <a:latin typeface="Arial"/>
+                <a:ea typeface="Arial"/>
+                <a:cs typeface="Arial"/>
+                <a:sym typeface="Arial"/>
+              </a:defRPr>
             </a:lvl7pPr>
-            <a:lvl8pPr lvl="7">
-              <a:buNone/>
-              <a:defRPr/>
+            <a:lvl8pPr indent="0" lvl="7" marL="0" marR="0" algn="r">
+              <a:lnSpc>
+                <a:spcPct val="100000"/>
+              </a:lnSpc>
+              <a:spcBef>
+                <a:spcPts val="0"/>
+              </a:spcBef>
+              <a:spcAft>
+                <a:spcPts val="0"/>
+              </a:spcAft>
+              <a:buClr>
+                <a:srgbClr val="000000"/>
+              </a:buClr>
+              <a:buSzPts val="1000"/>
+              <a:buFont typeface="Arial"/>
+              <a:buNone/>
+              <a:defRPr b="0" i="0" sz="1000" u="none" cap="none" strike="noStrike">
+                <a:solidFill>
+                  <a:schemeClr val="dk2"/>
+                </a:solidFill>
+                <a:latin typeface="Arial"/>
+                <a:ea typeface="Arial"/>
+                <a:cs typeface="Arial"/>
+                <a:sym typeface="Arial"/>
+              </a:defRPr>
             </a:lvl8pPr>
-            <a:lvl9pPr lvl="8">
-              <a:buNone/>
-              <a:defRPr/>
+            <a:lvl9pPr indent="0" lvl="8" marL="0" marR="0" algn="r">
+              <a:lnSpc>
+                <a:spcPct val="100000"/>
+              </a:lnSpc>
+              <a:spcBef>
+                <a:spcPts val="0"/>
+              </a:spcBef>
+              <a:spcAft>
+                <a:spcPts val="0"/>
+              </a:spcAft>
+              <a:buClr>
+                <a:srgbClr val="000000"/>
+              </a:buClr>
+              <a:buSzPts val="1000"/>
+              <a:buFont typeface="Arial"/>
+              <a:buNone/>
+              <a:defRPr b="0" i="0" sz="1000" u="none" cap="none" strike="noStrike">
+                <a:solidFill>
+                  <a:schemeClr val="dk2"/>
+                </a:solidFill>
+                <a:latin typeface="Arial"/>
+                <a:ea typeface="Arial"/>
+                <a:cs typeface="Arial"/>
+                <a:sym typeface="Arial"/>
+              </a:defRPr>
             </a:lvl9pPr>
           </a:lstStyle>
           <a:p>
@@ -4537,19 +7095,35 @@
           </a:bodyPr>
           <a:lstStyle/>
           <a:p>
-            <a:pPr indent="0" lvl="0" marL="0" rtl="0" algn="l">
-              <a:spcBef>
-                <a:spcPts val="0"/>
-              </a:spcBef>
-              <a:spcAft>
-                <a:spcPts val="0"/>
-              </a:spcAft>
+            <a:pPr indent="0" lvl="0" marL="0" marR="0" rtl="0" algn="l">
+              <a:lnSpc>
+                <a:spcPct val="100000"/>
+              </a:lnSpc>
+              <a:spcBef>
+                <a:spcPts val="0"/>
+              </a:spcBef>
+              <a:spcAft>
+                <a:spcPts val="0"/>
+              </a:spcAft>
+              <a:buClr>
+                <a:srgbClr val="000000"/>
+              </a:buClr>
+              <a:buSzPts val="1400"/>
+              <a:buFont typeface="Arial"/>
               <a:buNone/>
             </a:pPr>
             <a:r>
               <a:t/>
             </a:r>
-            <a:endParaRPr/>
+            <a:endParaRPr b="0" i="0" sz="1400" u="none" cap="none" strike="noStrike">
+              <a:solidFill>
+                <a:srgbClr val="000000"/>
+              </a:solidFill>
+              <a:latin typeface="Arial"/>
+              <a:ea typeface="Arial"/>
+              <a:cs typeface="Arial"/>
+              <a:sym typeface="Arial"/>
+            </a:endParaRPr>
           </a:p>
         </p:txBody>
       </p:sp>
@@ -4569,6 +7143,10 @@
           <a:prstGeom prst="rect">
             <a:avLst/>
           </a:prstGeom>
+          <a:noFill/>
+          <a:ln>
+            <a:noFill/>
+          </a:ln>
         </p:spPr>
         <p:txBody>
           <a:bodyPr anchorCtr="0" anchor="b" bIns="91425" lIns="91425" spcFirstLastPara="1" rIns="91425" wrap="square" tIns="91425">
@@ -4576,6 +7154,9 @@
           </a:bodyPr>
           <a:lstStyle>
             <a:lvl1pPr lvl="0" algn="ctr">
+              <a:lnSpc>
+                <a:spcPct val="100000"/>
+              </a:lnSpc>
               <a:spcBef>
                 <a:spcPts val="0"/>
               </a:spcBef>
@@ -4587,6 +7168,9 @@
               <a:defRPr sz="4200"/>
             </a:lvl1pPr>
             <a:lvl2pPr lvl="1" algn="ctr">
+              <a:lnSpc>
+                <a:spcPct val="100000"/>
+              </a:lnSpc>
               <a:spcBef>
                 <a:spcPts val="0"/>
               </a:spcBef>
@@ -4598,6 +7182,9 @@
               <a:defRPr sz="4200"/>
             </a:lvl2pPr>
             <a:lvl3pPr lvl="2" algn="ctr">
+              <a:lnSpc>
+                <a:spcPct val="100000"/>
+              </a:lnSpc>
               <a:spcBef>
                 <a:spcPts val="0"/>
               </a:spcBef>
@@ -4609,6 +7196,9 @@
               <a:defRPr sz="4200"/>
             </a:lvl3pPr>
             <a:lvl4pPr lvl="3" algn="ctr">
+              <a:lnSpc>
+                <a:spcPct val="100000"/>
+              </a:lnSpc>
               <a:spcBef>
                 <a:spcPts val="0"/>
               </a:spcBef>
@@ -4620,6 +7210,9 @@
               <a:defRPr sz="4200"/>
             </a:lvl4pPr>
             <a:lvl5pPr lvl="4" algn="ctr">
+              <a:lnSpc>
+                <a:spcPct val="100000"/>
+              </a:lnSpc>
               <a:spcBef>
                 <a:spcPts val="0"/>
               </a:spcBef>
@@ -4631,6 +7224,9 @@
               <a:defRPr sz="4200"/>
             </a:lvl5pPr>
             <a:lvl6pPr lvl="5" algn="ctr">
+              <a:lnSpc>
+                <a:spcPct val="100000"/>
+              </a:lnSpc>
               <a:spcBef>
                 <a:spcPts val="0"/>
               </a:spcBef>
@@ -4642,6 +7238,9 @@
               <a:defRPr sz="4200"/>
             </a:lvl6pPr>
             <a:lvl7pPr lvl="6" algn="ctr">
+              <a:lnSpc>
+                <a:spcPct val="100000"/>
+              </a:lnSpc>
               <a:spcBef>
                 <a:spcPts val="0"/>
               </a:spcBef>
@@ -4653,6 +7252,9 @@
               <a:defRPr sz="4200"/>
             </a:lvl7pPr>
             <a:lvl8pPr lvl="7" algn="ctr">
+              <a:lnSpc>
+                <a:spcPct val="100000"/>
+              </a:lnSpc>
               <a:spcBef>
                 <a:spcPts val="0"/>
               </a:spcBef>
@@ -4664,6 +7266,9 @@
               <a:defRPr sz="4200"/>
             </a:lvl8pPr>
             <a:lvl9pPr lvl="8" algn="ctr">
+              <a:lnSpc>
+                <a:spcPct val="100000"/>
+              </a:lnSpc>
               <a:spcBef>
                 <a:spcPts val="0"/>
               </a:spcBef>
@@ -4694,6 +7299,10 @@
           <a:prstGeom prst="rect">
             <a:avLst/>
           </a:prstGeom>
+          <a:noFill/>
+          <a:ln>
+            <a:noFill/>
+          </a:ln>
         </p:spPr>
         <p:txBody>
           <a:bodyPr anchorCtr="0" anchor="t" bIns="91425" lIns="91425" spcFirstLastPara="1" rIns="91425" wrap="square" tIns="91425">
@@ -4846,13 +7455,20 @@
           <a:prstGeom prst="rect">
             <a:avLst/>
           </a:prstGeom>
+          <a:noFill/>
+          <a:ln>
+            <a:noFill/>
+          </a:ln>
         </p:spPr>
         <p:txBody>
           <a:bodyPr anchorCtr="0" anchor="ctr" bIns="91425" lIns="91425" spcFirstLastPara="1" rIns="91425" wrap="square" tIns="91425">
             <a:normAutofit/>
           </a:bodyPr>
           <a:lstStyle>
-            <a:lvl1pPr indent="-342900" lvl="0" marL="457200">
+            <a:lvl1pPr indent="-342900" lvl="0" marL="457200" algn="l">
+              <a:lnSpc>
+                <a:spcPct val="115000"/>
+              </a:lnSpc>
               <a:spcBef>
                 <a:spcPts val="0"/>
               </a:spcBef>
@@ -4863,7 +7479,10 @@
               <a:buChar char="●"/>
               <a:defRPr/>
             </a:lvl1pPr>
-            <a:lvl2pPr indent="-317500" lvl="1" marL="914400">
+            <a:lvl2pPr indent="-317500" lvl="1" marL="914400" algn="l">
+              <a:lnSpc>
+                <a:spcPct val="115000"/>
+              </a:lnSpc>
               <a:spcBef>
                 <a:spcPts val="0"/>
               </a:spcBef>
@@ -4874,7 +7493,10 @@
               <a:buChar char="○"/>
               <a:defRPr/>
             </a:lvl2pPr>
-            <a:lvl3pPr indent="-317500" lvl="2" marL="1371600">
+            <a:lvl3pPr indent="-317500" lvl="2" marL="1371600" algn="l">
+              <a:lnSpc>
+                <a:spcPct val="115000"/>
+              </a:lnSpc>
               <a:spcBef>
                 <a:spcPts val="0"/>
               </a:spcBef>
@@ -4885,7 +7507,10 @@
               <a:buChar char="■"/>
               <a:defRPr/>
             </a:lvl3pPr>
-            <a:lvl4pPr indent="-317500" lvl="3" marL="1828800">
+            <a:lvl4pPr indent="-317500" lvl="3" marL="1828800" algn="l">
+              <a:lnSpc>
+                <a:spcPct val="115000"/>
+              </a:lnSpc>
               <a:spcBef>
                 <a:spcPts val="0"/>
               </a:spcBef>
@@ -4896,7 +7521,10 @@
               <a:buChar char="●"/>
               <a:defRPr/>
             </a:lvl4pPr>
-            <a:lvl5pPr indent="-317500" lvl="4" marL="2286000">
+            <a:lvl5pPr indent="-317500" lvl="4" marL="2286000" algn="l">
+              <a:lnSpc>
+                <a:spcPct val="115000"/>
+              </a:lnSpc>
               <a:spcBef>
                 <a:spcPts val="0"/>
               </a:spcBef>
@@ -4907,7 +7535,10 @@
               <a:buChar char="○"/>
               <a:defRPr/>
             </a:lvl5pPr>
-            <a:lvl6pPr indent="-317500" lvl="5" marL="2743200">
+            <a:lvl6pPr indent="-317500" lvl="5" marL="2743200" algn="l">
+              <a:lnSpc>
+                <a:spcPct val="115000"/>
+              </a:lnSpc>
               <a:spcBef>
                 <a:spcPts val="0"/>
               </a:spcBef>
@@ -4918,7 +7549,10 @@
               <a:buChar char="■"/>
               <a:defRPr/>
             </a:lvl6pPr>
-            <a:lvl7pPr indent="-317500" lvl="6" marL="3200400">
+            <a:lvl7pPr indent="-317500" lvl="6" marL="3200400" algn="l">
+              <a:lnSpc>
+                <a:spcPct val="115000"/>
+              </a:lnSpc>
               <a:spcBef>
                 <a:spcPts val="0"/>
               </a:spcBef>
@@ -4929,7 +7563,10 @@
               <a:buChar char="●"/>
               <a:defRPr/>
             </a:lvl7pPr>
-            <a:lvl8pPr indent="-317500" lvl="7" marL="3657600">
+            <a:lvl8pPr indent="-317500" lvl="7" marL="3657600" algn="l">
+              <a:lnSpc>
+                <a:spcPct val="115000"/>
+              </a:lnSpc>
               <a:spcBef>
                 <a:spcPts val="0"/>
               </a:spcBef>
@@ -4940,7 +7577,10 @@
               <a:buChar char="○"/>
               <a:defRPr/>
             </a:lvl8pPr>
-            <a:lvl9pPr indent="-317500" lvl="8" marL="4114800">
+            <a:lvl9pPr indent="-317500" lvl="8" marL="4114800" algn="l">
+              <a:lnSpc>
+                <a:spcPct val="115000"/>
+              </a:lnSpc>
               <a:spcBef>
                 <a:spcPts val="0"/>
               </a:spcBef>
@@ -4971,47 +7611,249 @@
           <a:prstGeom prst="rect">
             <a:avLst/>
           </a:prstGeom>
+          <a:noFill/>
+          <a:ln>
+            <a:noFill/>
+          </a:ln>
         </p:spPr>
         <p:txBody>
           <a:bodyPr anchorCtr="0" anchor="ctr" bIns="91425" lIns="91425" spcFirstLastPara="1" rIns="91425" wrap="square" tIns="91425">
             <a:normAutofit/>
           </a:bodyPr>
           <a:lstStyle>
-            <a:lvl1pPr lvl="0">
-              <a:buNone/>
-              <a:defRPr/>
+            <a:lvl1pPr indent="0" lvl="0" marL="0" marR="0" algn="r">
+              <a:lnSpc>
+                <a:spcPct val="100000"/>
+              </a:lnSpc>
+              <a:spcBef>
+                <a:spcPts val="0"/>
+              </a:spcBef>
+              <a:spcAft>
+                <a:spcPts val="0"/>
+              </a:spcAft>
+              <a:buClr>
+                <a:srgbClr val="000000"/>
+              </a:buClr>
+              <a:buSzPts val="1000"/>
+              <a:buFont typeface="Arial"/>
+              <a:buNone/>
+              <a:defRPr b="0" i="0" sz="1000" u="none" cap="none" strike="noStrike">
+                <a:solidFill>
+                  <a:schemeClr val="dk2"/>
+                </a:solidFill>
+                <a:latin typeface="Arial"/>
+                <a:ea typeface="Arial"/>
+                <a:cs typeface="Arial"/>
+                <a:sym typeface="Arial"/>
+              </a:defRPr>
             </a:lvl1pPr>
-            <a:lvl2pPr lvl="1">
-              <a:buNone/>
-              <a:defRPr/>
+            <a:lvl2pPr indent="0" lvl="1" marL="0" marR="0" algn="r">
+              <a:lnSpc>
+                <a:spcPct val="100000"/>
+              </a:lnSpc>
+              <a:spcBef>
+                <a:spcPts val="0"/>
+              </a:spcBef>
+              <a:spcAft>
+                <a:spcPts val="0"/>
+              </a:spcAft>
+              <a:buClr>
+                <a:srgbClr val="000000"/>
+              </a:buClr>
+              <a:buSzPts val="1000"/>
+              <a:buFont typeface="Arial"/>
+              <a:buNone/>
+              <a:defRPr b="0" i="0" sz="1000" u="none" cap="none" strike="noStrike">
+                <a:solidFill>
+                  <a:schemeClr val="dk2"/>
+                </a:solidFill>
+                <a:latin typeface="Arial"/>
+                <a:ea typeface="Arial"/>
+                <a:cs typeface="Arial"/>
+                <a:sym typeface="Arial"/>
+              </a:defRPr>
             </a:lvl2pPr>
-            <a:lvl3pPr lvl="2">
-              <a:buNone/>
-              <a:defRPr/>
+            <a:lvl3pPr indent="0" lvl="2" marL="0" marR="0" algn="r">
+              <a:lnSpc>
+                <a:spcPct val="100000"/>
+              </a:lnSpc>
+              <a:spcBef>
+                <a:spcPts val="0"/>
+              </a:spcBef>
+              <a:spcAft>
+                <a:spcPts val="0"/>
+              </a:spcAft>
+              <a:buClr>
+                <a:srgbClr val="000000"/>
+              </a:buClr>
+              <a:buSzPts val="1000"/>
+              <a:buFont typeface="Arial"/>
+              <a:buNone/>
+              <a:defRPr b="0" i="0" sz="1000" u="none" cap="none" strike="noStrike">
+                <a:solidFill>
+                  <a:schemeClr val="dk2"/>
+                </a:solidFill>
+                <a:latin typeface="Arial"/>
+                <a:ea typeface="Arial"/>
+                <a:cs typeface="Arial"/>
+                <a:sym typeface="Arial"/>
+              </a:defRPr>
             </a:lvl3pPr>
-            <a:lvl4pPr lvl="3">
-              <a:buNone/>
-              <a:defRPr/>
+            <a:lvl4pPr indent="0" lvl="3" marL="0" marR="0" algn="r">
+              <a:lnSpc>
+                <a:spcPct val="100000"/>
+              </a:lnSpc>
+              <a:spcBef>
+                <a:spcPts val="0"/>
+              </a:spcBef>
+              <a:spcAft>
+                <a:spcPts val="0"/>
+              </a:spcAft>
+              <a:buClr>
+                <a:srgbClr val="000000"/>
+              </a:buClr>
+              <a:buSzPts val="1000"/>
+              <a:buFont typeface="Arial"/>
+              <a:buNone/>
+              <a:defRPr b="0" i="0" sz="1000" u="none" cap="none" strike="noStrike">
+                <a:solidFill>
+                  <a:schemeClr val="dk2"/>
+                </a:solidFill>
+                <a:latin typeface="Arial"/>
+                <a:ea typeface="Arial"/>
+                <a:cs typeface="Arial"/>
+                <a:sym typeface="Arial"/>
+              </a:defRPr>
             </a:lvl4pPr>
-            <a:lvl5pPr lvl="4">
-              <a:buNone/>
-              <a:defRPr/>
+            <a:lvl5pPr indent="0" lvl="4" marL="0" marR="0" algn="r">
+              <a:lnSpc>
+                <a:spcPct val="100000"/>
+              </a:lnSpc>
+              <a:spcBef>
+                <a:spcPts val="0"/>
+              </a:spcBef>
+              <a:spcAft>
+                <a:spcPts val="0"/>
+              </a:spcAft>
+              <a:buClr>
+                <a:srgbClr val="000000"/>
+              </a:buClr>
+              <a:buSzPts val="1000"/>
+              <a:buFont typeface="Arial"/>
+              <a:buNone/>
+              <a:defRPr b="0" i="0" sz="1000" u="none" cap="none" strike="noStrike">
+                <a:solidFill>
+                  <a:schemeClr val="dk2"/>
+                </a:solidFill>
+                <a:latin typeface="Arial"/>
+                <a:ea typeface="Arial"/>
+                <a:cs typeface="Arial"/>
+                <a:sym typeface="Arial"/>
+              </a:defRPr>
             </a:lvl5pPr>
-            <a:lvl6pPr lvl="5">
-              <a:buNone/>
-              <a:defRPr/>
+            <a:lvl6pPr indent="0" lvl="5" marL="0" marR="0" algn="r">
+              <a:lnSpc>
+                <a:spcPct val="100000"/>
+              </a:lnSpc>
+              <a:spcBef>
+                <a:spcPts val="0"/>
+              </a:spcBef>
+              <a:spcAft>
+                <a:spcPts val="0"/>
+              </a:spcAft>
+              <a:buClr>
+                <a:srgbClr val="000000"/>
+              </a:buClr>
+              <a:buSzPts val="1000"/>
+              <a:buFont typeface="Arial"/>
+              <a:buNone/>
+              <a:defRPr b="0" i="0" sz="1000" u="none" cap="none" strike="noStrike">
+                <a:solidFill>
+                  <a:schemeClr val="dk2"/>
+                </a:solidFill>
+                <a:latin typeface="Arial"/>
+                <a:ea typeface="Arial"/>
+                <a:cs typeface="Arial"/>
+                <a:sym typeface="Arial"/>
+              </a:defRPr>
             </a:lvl6pPr>
-            <a:lvl7pPr lvl="6">
-              <a:buNone/>
-              <a:defRPr/>
+            <a:lvl7pPr indent="0" lvl="6" marL="0" marR="0" algn="r">
+              <a:lnSpc>
+                <a:spcPct val="100000"/>
+              </a:lnSpc>
+              <a:spcBef>
+                <a:spcPts val="0"/>
+              </a:spcBef>
+              <a:spcAft>
+                <a:spcPts val="0"/>
+              </a:spcAft>
+              <a:buClr>
+                <a:srgbClr val="000000"/>
+              </a:buClr>
+              <a:buSzPts val="1000"/>
+              <a:buFont typeface="Arial"/>
+              <a:buNone/>
+              <a:defRPr b="0" i="0" sz="1000" u="none" cap="none" strike="noStrike">
+                <a:solidFill>
+                  <a:schemeClr val="dk2"/>
+                </a:solidFill>
+                <a:latin typeface="Arial"/>
+                <a:ea typeface="Arial"/>
+                <a:cs typeface="Arial"/>
+                <a:sym typeface="Arial"/>
+              </a:defRPr>
             </a:lvl7pPr>
-            <a:lvl8pPr lvl="7">
-              <a:buNone/>
-              <a:defRPr/>
+            <a:lvl8pPr indent="0" lvl="7" marL="0" marR="0" algn="r">
+              <a:lnSpc>
+                <a:spcPct val="100000"/>
+              </a:lnSpc>
+              <a:spcBef>
+                <a:spcPts val="0"/>
+              </a:spcBef>
+              <a:spcAft>
+                <a:spcPts val="0"/>
+              </a:spcAft>
+              <a:buClr>
+                <a:srgbClr val="000000"/>
+              </a:buClr>
+              <a:buSzPts val="1000"/>
+              <a:buFont typeface="Arial"/>
+              <a:buNone/>
+              <a:defRPr b="0" i="0" sz="1000" u="none" cap="none" strike="noStrike">
+                <a:solidFill>
+                  <a:schemeClr val="dk2"/>
+                </a:solidFill>
+                <a:latin typeface="Arial"/>
+                <a:ea typeface="Arial"/>
+                <a:cs typeface="Arial"/>
+                <a:sym typeface="Arial"/>
+              </a:defRPr>
             </a:lvl8pPr>
-            <a:lvl9pPr lvl="8">
-              <a:buNone/>
-              <a:defRPr/>
+            <a:lvl9pPr indent="0" lvl="8" marL="0" marR="0" algn="r">
+              <a:lnSpc>
+                <a:spcPct val="100000"/>
+              </a:lnSpc>
+              <a:spcBef>
+                <a:spcPts val="0"/>
+              </a:spcBef>
+              <a:spcAft>
+                <a:spcPts val="0"/>
+              </a:spcAft>
+              <a:buClr>
+                <a:srgbClr val="000000"/>
+              </a:buClr>
+              <a:buSzPts val="1000"/>
+              <a:buFont typeface="Arial"/>
+              <a:buNone/>
+              <a:defRPr b="0" i="0" sz="1000" u="none" cap="none" strike="noStrike">
+                <a:solidFill>
+                  <a:schemeClr val="dk2"/>
+                </a:solidFill>
+                <a:latin typeface="Arial"/>
+                <a:ea typeface="Arial"/>
+                <a:cs typeface="Arial"/>
+                <a:sym typeface="Arial"/>
+              </a:defRPr>
             </a:lvl9pPr>
           </a:lstStyle>
           <a:p>
@@ -5073,13 +7915,17 @@
           <a:prstGeom prst="rect">
             <a:avLst/>
           </a:prstGeom>
+          <a:noFill/>
+          <a:ln>
+            <a:noFill/>
+          </a:ln>
         </p:spPr>
         <p:txBody>
           <a:bodyPr anchorCtr="0" anchor="ctr" bIns="91425" lIns="91425" spcFirstLastPara="1" rIns="91425" wrap="square" tIns="91425">
             <a:normAutofit/>
           </a:bodyPr>
           <a:lstStyle>
-            <a:lvl1pPr indent="-228600" lvl="0" marL="457200">
+            <a:lvl1pPr indent="-228600" lvl="0" marL="457200" algn="l">
               <a:lnSpc>
                 <a:spcPct val="100000"/>
               </a:lnSpc>
@@ -5113,47 +7959,249 @@
           <a:prstGeom prst="rect">
             <a:avLst/>
           </a:prstGeom>
+          <a:noFill/>
+          <a:ln>
+            <a:noFill/>
+          </a:ln>
         </p:spPr>
         <p:txBody>
           <a:bodyPr anchorCtr="0" anchor="ctr" bIns="91425" lIns="91425" spcFirstLastPara="1" rIns="91425" wrap="square" tIns="91425">
             <a:normAutofit/>
           </a:bodyPr>
           <a:lstStyle>
-            <a:lvl1pPr lvl="0">
-              <a:buNone/>
-              <a:defRPr/>
+            <a:lvl1pPr indent="0" lvl="0" marL="0" marR="0" algn="r">
+              <a:lnSpc>
+                <a:spcPct val="100000"/>
+              </a:lnSpc>
+              <a:spcBef>
+                <a:spcPts val="0"/>
+              </a:spcBef>
+              <a:spcAft>
+                <a:spcPts val="0"/>
+              </a:spcAft>
+              <a:buClr>
+                <a:srgbClr val="000000"/>
+              </a:buClr>
+              <a:buSzPts val="1000"/>
+              <a:buFont typeface="Arial"/>
+              <a:buNone/>
+              <a:defRPr b="0" i="0" sz="1000" u="none" cap="none" strike="noStrike">
+                <a:solidFill>
+                  <a:schemeClr val="dk2"/>
+                </a:solidFill>
+                <a:latin typeface="Arial"/>
+                <a:ea typeface="Arial"/>
+                <a:cs typeface="Arial"/>
+                <a:sym typeface="Arial"/>
+              </a:defRPr>
             </a:lvl1pPr>
-            <a:lvl2pPr lvl="1">
-              <a:buNone/>
-              <a:defRPr/>
+            <a:lvl2pPr indent="0" lvl="1" marL="0" marR="0" algn="r">
+              <a:lnSpc>
+                <a:spcPct val="100000"/>
+              </a:lnSpc>
+              <a:spcBef>
+                <a:spcPts val="0"/>
+              </a:spcBef>
+              <a:spcAft>
+                <a:spcPts val="0"/>
+              </a:spcAft>
+              <a:buClr>
+                <a:srgbClr val="000000"/>
+              </a:buClr>
+              <a:buSzPts val="1000"/>
+              <a:buFont typeface="Arial"/>
+              <a:buNone/>
+              <a:defRPr b="0" i="0" sz="1000" u="none" cap="none" strike="noStrike">
+                <a:solidFill>
+                  <a:schemeClr val="dk2"/>
+                </a:solidFill>
+                <a:latin typeface="Arial"/>
+                <a:ea typeface="Arial"/>
+                <a:cs typeface="Arial"/>
+                <a:sym typeface="Arial"/>
+              </a:defRPr>
             </a:lvl2pPr>
-            <a:lvl3pPr lvl="2">
-              <a:buNone/>
-              <a:defRPr/>
+            <a:lvl3pPr indent="0" lvl="2" marL="0" marR="0" algn="r">
+              <a:lnSpc>
+                <a:spcPct val="100000"/>
+              </a:lnSpc>
+              <a:spcBef>
+                <a:spcPts val="0"/>
+              </a:spcBef>
+              <a:spcAft>
+                <a:spcPts val="0"/>
+              </a:spcAft>
+              <a:buClr>
+                <a:srgbClr val="000000"/>
+              </a:buClr>
+              <a:buSzPts val="1000"/>
+              <a:buFont typeface="Arial"/>
+              <a:buNone/>
+              <a:defRPr b="0" i="0" sz="1000" u="none" cap="none" strike="noStrike">
+                <a:solidFill>
+                  <a:schemeClr val="dk2"/>
+                </a:solidFill>
+                <a:latin typeface="Arial"/>
+                <a:ea typeface="Arial"/>
+                <a:cs typeface="Arial"/>
+                <a:sym typeface="Arial"/>
+              </a:defRPr>
             </a:lvl3pPr>
-            <a:lvl4pPr lvl="3">
-              <a:buNone/>
-              <a:defRPr/>
+            <a:lvl4pPr indent="0" lvl="3" marL="0" marR="0" algn="r">
+              <a:lnSpc>
+                <a:spcPct val="100000"/>
+              </a:lnSpc>
+              <a:spcBef>
+                <a:spcPts val="0"/>
+              </a:spcBef>
+              <a:spcAft>
+                <a:spcPts val="0"/>
+              </a:spcAft>
+              <a:buClr>
+                <a:srgbClr val="000000"/>
+              </a:buClr>
+              <a:buSzPts val="1000"/>
+              <a:buFont typeface="Arial"/>
+              <a:buNone/>
+              <a:defRPr b="0" i="0" sz="1000" u="none" cap="none" strike="noStrike">
+                <a:solidFill>
+                  <a:schemeClr val="dk2"/>
+                </a:solidFill>
+                <a:latin typeface="Arial"/>
+                <a:ea typeface="Arial"/>
+                <a:cs typeface="Arial"/>
+                <a:sym typeface="Arial"/>
+              </a:defRPr>
             </a:lvl4pPr>
-            <a:lvl5pPr lvl="4">
-              <a:buNone/>
-              <a:defRPr/>
+            <a:lvl5pPr indent="0" lvl="4" marL="0" marR="0" algn="r">
+              <a:lnSpc>
+                <a:spcPct val="100000"/>
+              </a:lnSpc>
+              <a:spcBef>
+                <a:spcPts val="0"/>
+              </a:spcBef>
+              <a:spcAft>
+                <a:spcPts val="0"/>
+              </a:spcAft>
+              <a:buClr>
+                <a:srgbClr val="000000"/>
+              </a:buClr>
+              <a:buSzPts val="1000"/>
+              <a:buFont typeface="Arial"/>
+              <a:buNone/>
+              <a:defRPr b="0" i="0" sz="1000" u="none" cap="none" strike="noStrike">
+                <a:solidFill>
+                  <a:schemeClr val="dk2"/>
+                </a:solidFill>
+                <a:latin typeface="Arial"/>
+                <a:ea typeface="Arial"/>
+                <a:cs typeface="Arial"/>
+                <a:sym typeface="Arial"/>
+              </a:defRPr>
             </a:lvl5pPr>
-            <a:lvl6pPr lvl="5">
-              <a:buNone/>
-              <a:defRPr/>
+            <a:lvl6pPr indent="0" lvl="5" marL="0" marR="0" algn="r">
+              <a:lnSpc>
+                <a:spcPct val="100000"/>
+              </a:lnSpc>
+              <a:spcBef>
+                <a:spcPts val="0"/>
+              </a:spcBef>
+              <a:spcAft>
+                <a:spcPts val="0"/>
+              </a:spcAft>
+              <a:buClr>
+                <a:srgbClr val="000000"/>
+              </a:buClr>
+              <a:buSzPts val="1000"/>
+              <a:buFont typeface="Arial"/>
+              <a:buNone/>
+              <a:defRPr b="0" i="0" sz="1000" u="none" cap="none" strike="noStrike">
+                <a:solidFill>
+                  <a:schemeClr val="dk2"/>
+                </a:solidFill>
+                <a:latin typeface="Arial"/>
+                <a:ea typeface="Arial"/>
+                <a:cs typeface="Arial"/>
+                <a:sym typeface="Arial"/>
+              </a:defRPr>
             </a:lvl6pPr>
-            <a:lvl7pPr lvl="6">
-              <a:buNone/>
-              <a:defRPr/>
+            <a:lvl7pPr indent="0" lvl="6" marL="0" marR="0" algn="r">
+              <a:lnSpc>
+                <a:spcPct val="100000"/>
+              </a:lnSpc>
+              <a:spcBef>
+                <a:spcPts val="0"/>
+              </a:spcBef>
+              <a:spcAft>
+                <a:spcPts val="0"/>
+              </a:spcAft>
+              <a:buClr>
+                <a:srgbClr val="000000"/>
+              </a:buClr>
+              <a:buSzPts val="1000"/>
+              <a:buFont typeface="Arial"/>
+              <a:buNone/>
+              <a:defRPr b="0" i="0" sz="1000" u="none" cap="none" strike="noStrike">
+                <a:solidFill>
+                  <a:schemeClr val="dk2"/>
+                </a:solidFill>
+                <a:latin typeface="Arial"/>
+                <a:ea typeface="Arial"/>
+                <a:cs typeface="Arial"/>
+                <a:sym typeface="Arial"/>
+              </a:defRPr>
             </a:lvl7pPr>
-            <a:lvl8pPr lvl="7">
-              <a:buNone/>
-              <a:defRPr/>
+            <a:lvl8pPr indent="0" lvl="7" marL="0" marR="0" algn="r">
+              <a:lnSpc>
+                <a:spcPct val="100000"/>
+              </a:lnSpc>
+              <a:spcBef>
+                <a:spcPts val="0"/>
+              </a:spcBef>
+              <a:spcAft>
+                <a:spcPts val="0"/>
+              </a:spcAft>
+              <a:buClr>
+                <a:srgbClr val="000000"/>
+              </a:buClr>
+              <a:buSzPts val="1000"/>
+              <a:buFont typeface="Arial"/>
+              <a:buNone/>
+              <a:defRPr b="0" i="0" sz="1000" u="none" cap="none" strike="noStrike">
+                <a:solidFill>
+                  <a:schemeClr val="dk2"/>
+                </a:solidFill>
+                <a:latin typeface="Arial"/>
+                <a:ea typeface="Arial"/>
+                <a:cs typeface="Arial"/>
+                <a:sym typeface="Arial"/>
+              </a:defRPr>
             </a:lvl8pPr>
-            <a:lvl9pPr lvl="8">
-              <a:buNone/>
-              <a:defRPr/>
+            <a:lvl9pPr indent="0" lvl="8" marL="0" marR="0" algn="r">
+              <a:lnSpc>
+                <a:spcPct val="100000"/>
+              </a:lnSpc>
+              <a:spcBef>
+                <a:spcPts val="0"/>
+              </a:spcBef>
+              <a:spcAft>
+                <a:spcPts val="0"/>
+              </a:spcAft>
+              <a:buClr>
+                <a:srgbClr val="000000"/>
+              </a:buClr>
+              <a:buSzPts val="1000"/>
+              <a:buFont typeface="Arial"/>
+              <a:buNone/>
+              <a:defRPr b="0" i="0" sz="1000" u="none" cap="none" strike="noStrike">
+                <a:solidFill>
+                  <a:schemeClr val="dk2"/>
+                </a:solidFill>
+                <a:latin typeface="Arial"/>
+                <a:ea typeface="Arial"/>
+                <a:cs typeface="Arial"/>
+                <a:sym typeface="Arial"/>
+              </a:defRPr>
             </a:lvl9pPr>
           </a:lstStyle>
           <a:p>
@@ -5232,7 +8280,10 @@
             <a:normAutofit/>
           </a:bodyPr>
           <a:lstStyle>
-            <a:lvl1pPr lvl="0">
+            <a:lvl1pPr lvl="0" marR="0" rtl="0" algn="l">
+              <a:lnSpc>
+                <a:spcPct val="100000"/>
+              </a:lnSpc>
               <a:spcBef>
                 <a:spcPts val="0"/>
               </a:spcBef>
@@ -5243,14 +8294,22 @@
                 <a:schemeClr val="dk1"/>
               </a:buClr>
               <a:buSzPts val="2800"/>
-              <a:buNone/>
-              <a:defRPr sz="2800">
+              <a:buFont typeface="Arial"/>
+              <a:buNone/>
+              <a:defRPr b="0" i="0" sz="2800" u="none" cap="none" strike="noStrike">
                 <a:solidFill>
                   <a:schemeClr val="dk1"/>
                 </a:solidFill>
+                <a:latin typeface="Arial"/>
+                <a:ea typeface="Arial"/>
+                <a:cs typeface="Arial"/>
+                <a:sym typeface="Arial"/>
               </a:defRPr>
             </a:lvl1pPr>
-            <a:lvl2pPr lvl="1">
+            <a:lvl2pPr lvl="1" marR="0" rtl="0" algn="l">
+              <a:lnSpc>
+                <a:spcPct val="100000"/>
+              </a:lnSpc>
               <a:spcBef>
                 <a:spcPts val="0"/>
               </a:spcBef>
@@ -5261,14 +8320,22 @@
                 <a:schemeClr val="dk1"/>
               </a:buClr>
               <a:buSzPts val="2800"/>
-              <a:buNone/>
-              <a:defRPr sz="2800">
+              <a:buFont typeface="Arial"/>
+              <a:buNone/>
+              <a:defRPr b="0" i="0" sz="2800" u="none" cap="none" strike="noStrike">
                 <a:solidFill>
                   <a:schemeClr val="dk1"/>
                 </a:solidFill>
+                <a:latin typeface="Arial"/>
+                <a:ea typeface="Arial"/>
+                <a:cs typeface="Arial"/>
+                <a:sym typeface="Arial"/>
               </a:defRPr>
             </a:lvl2pPr>
-            <a:lvl3pPr lvl="2">
+            <a:lvl3pPr lvl="2" marR="0" rtl="0" algn="l">
+              <a:lnSpc>
+                <a:spcPct val="100000"/>
+              </a:lnSpc>
               <a:spcBef>
                 <a:spcPts val="0"/>
               </a:spcBef>
@@ -5279,14 +8346,22 @@
                 <a:schemeClr val="dk1"/>
               </a:buClr>
               <a:buSzPts val="2800"/>
-              <a:buNone/>
-              <a:defRPr sz="2800">
+              <a:buFont typeface="Arial"/>
+              <a:buNone/>
+              <a:defRPr b="0" i="0" sz="2800" u="none" cap="none" strike="noStrike">
                 <a:solidFill>
                   <a:schemeClr val="dk1"/>
                 </a:solidFill>
+                <a:latin typeface="Arial"/>
+                <a:ea typeface="Arial"/>
+                <a:cs typeface="Arial"/>
+                <a:sym typeface="Arial"/>
               </a:defRPr>
             </a:lvl3pPr>
-            <a:lvl4pPr lvl="3">
+            <a:lvl4pPr lvl="3" marR="0" rtl="0" algn="l">
+              <a:lnSpc>
+                <a:spcPct val="100000"/>
+              </a:lnSpc>
               <a:spcBef>
                 <a:spcPts val="0"/>
               </a:spcBef>
@@ -5297,14 +8372,22 @@
                 <a:schemeClr val="dk1"/>
               </a:buClr>
               <a:buSzPts val="2800"/>
-              <a:buNone/>
-              <a:defRPr sz="2800">
+              <a:buFont typeface="Arial"/>
+              <a:buNone/>
+              <a:defRPr b="0" i="0" sz="2800" u="none" cap="none" strike="noStrike">
                 <a:solidFill>
                   <a:schemeClr val="dk1"/>
                 </a:solidFill>
+                <a:latin typeface="Arial"/>
+                <a:ea typeface="Arial"/>
+                <a:cs typeface="Arial"/>
+                <a:sym typeface="Arial"/>
               </a:defRPr>
             </a:lvl4pPr>
-            <a:lvl5pPr lvl="4">
+            <a:lvl5pPr lvl="4" marR="0" rtl="0" algn="l">
+              <a:lnSpc>
+                <a:spcPct val="100000"/>
+              </a:lnSpc>
               <a:spcBef>
                 <a:spcPts val="0"/>
               </a:spcBef>
@@ -5315,14 +8398,22 @@
                 <a:schemeClr val="dk1"/>
               </a:buClr>
               <a:buSzPts val="2800"/>
-              <a:buNone/>
-              <a:defRPr sz="2800">
+              <a:buFont typeface="Arial"/>
+              <a:buNone/>
+              <a:defRPr b="0" i="0" sz="2800" u="none" cap="none" strike="noStrike">
                 <a:solidFill>
                   <a:schemeClr val="dk1"/>
                 </a:solidFill>
+                <a:latin typeface="Arial"/>
+                <a:ea typeface="Arial"/>
+                <a:cs typeface="Arial"/>
+                <a:sym typeface="Arial"/>
               </a:defRPr>
             </a:lvl5pPr>
-            <a:lvl6pPr lvl="5">
+            <a:lvl6pPr lvl="5" marR="0" rtl="0" algn="l">
+              <a:lnSpc>
+                <a:spcPct val="100000"/>
+              </a:lnSpc>
               <a:spcBef>
                 <a:spcPts val="0"/>
               </a:spcBef>
@@ -5333,14 +8424,22 @@
                 <a:schemeClr val="dk1"/>
               </a:buClr>
               <a:buSzPts val="2800"/>
-              <a:buNone/>
-              <a:defRPr sz="2800">
+              <a:buFont typeface="Arial"/>
+              <a:buNone/>
+              <a:defRPr b="0" i="0" sz="2800" u="none" cap="none" strike="noStrike">
                 <a:solidFill>
                   <a:schemeClr val="dk1"/>
                 </a:solidFill>
+                <a:latin typeface="Arial"/>
+                <a:ea typeface="Arial"/>
+                <a:cs typeface="Arial"/>
+                <a:sym typeface="Arial"/>
               </a:defRPr>
             </a:lvl6pPr>
-            <a:lvl7pPr lvl="6">
+            <a:lvl7pPr lvl="6" marR="0" rtl="0" algn="l">
+              <a:lnSpc>
+                <a:spcPct val="100000"/>
+              </a:lnSpc>
               <a:spcBef>
                 <a:spcPts val="0"/>
               </a:spcBef>
@@ -5351,14 +8450,22 @@
                 <a:schemeClr val="dk1"/>
               </a:buClr>
               <a:buSzPts val="2800"/>
-              <a:buNone/>
-              <a:defRPr sz="2800">
+              <a:buFont typeface="Arial"/>
+              <a:buNone/>
+              <a:defRPr b="0" i="0" sz="2800" u="none" cap="none" strike="noStrike">
                 <a:solidFill>
                   <a:schemeClr val="dk1"/>
                 </a:solidFill>
+                <a:latin typeface="Arial"/>
+                <a:ea typeface="Arial"/>
+                <a:cs typeface="Arial"/>
+                <a:sym typeface="Arial"/>
               </a:defRPr>
             </a:lvl7pPr>
-            <a:lvl8pPr lvl="7">
+            <a:lvl8pPr lvl="7" marR="0" rtl="0" algn="l">
+              <a:lnSpc>
+                <a:spcPct val="100000"/>
+              </a:lnSpc>
               <a:spcBef>
                 <a:spcPts val="0"/>
               </a:spcBef>
@@ -5369,14 +8476,22 @@
                 <a:schemeClr val="dk1"/>
               </a:buClr>
               <a:buSzPts val="2800"/>
-              <a:buNone/>
-              <a:defRPr sz="2800">
+              <a:buFont typeface="Arial"/>
+              <a:buNone/>
+              <a:defRPr b="0" i="0" sz="2800" u="none" cap="none" strike="noStrike">
                 <a:solidFill>
                   <a:schemeClr val="dk1"/>
                 </a:solidFill>
+                <a:latin typeface="Arial"/>
+                <a:ea typeface="Arial"/>
+                <a:cs typeface="Arial"/>
+                <a:sym typeface="Arial"/>
               </a:defRPr>
             </a:lvl8pPr>
-            <a:lvl9pPr lvl="8">
+            <a:lvl9pPr lvl="8" marR="0" rtl="0" algn="l">
+              <a:lnSpc>
+                <a:spcPct val="100000"/>
+              </a:lnSpc>
               <a:spcBef>
                 <a:spcPts val="0"/>
               </a:spcBef>
@@ -5387,11 +8502,16 @@
                 <a:schemeClr val="dk1"/>
               </a:buClr>
               <a:buSzPts val="2800"/>
-              <a:buNone/>
-              <a:defRPr sz="2800">
+              <a:buFont typeface="Arial"/>
+              <a:buNone/>
+              <a:defRPr b="0" i="0" sz="2800" u="none" cap="none" strike="noStrike">
                 <a:solidFill>
                   <a:schemeClr val="dk1"/>
                 </a:solidFill>
+                <a:latin typeface="Arial"/>
+                <a:ea typeface="Arial"/>
+                <a:cs typeface="Arial"/>
+                <a:sym typeface="Arial"/>
               </a:defRPr>
             </a:lvl9pPr>
           </a:lstStyle>
@@ -5424,7 +8544,7 @@
             <a:normAutofit/>
           </a:bodyPr>
           <a:lstStyle>
-            <a:lvl1pPr indent="-342900" lvl="0" marL="457200">
+            <a:lvl1pPr indent="-342900" lvl="0" marL="457200" marR="0" rtl="0" algn="l">
               <a:lnSpc>
                 <a:spcPct val="115000"/>
               </a:lnSpc>
@@ -5438,14 +8558,19 @@
                 <a:schemeClr val="dk2"/>
               </a:buClr>
               <a:buSzPts val="1800"/>
+              <a:buFont typeface="Arial"/>
               <a:buChar char="●"/>
-              <a:defRPr sz="1800">
+              <a:defRPr b="0" i="0" sz="1800" u="none" cap="none" strike="noStrike">
                 <a:solidFill>
                   <a:schemeClr val="dk2"/>
                 </a:solidFill>
+                <a:latin typeface="Arial"/>
+                <a:ea typeface="Arial"/>
+                <a:cs typeface="Arial"/>
+                <a:sym typeface="Arial"/>
               </a:defRPr>
             </a:lvl1pPr>
-            <a:lvl2pPr indent="-317500" lvl="1" marL="914400">
+            <a:lvl2pPr indent="-317500" lvl="1" marL="914400" marR="0" rtl="0" algn="l">
               <a:lnSpc>
                 <a:spcPct val="115000"/>
               </a:lnSpc>
@@ -5459,14 +8584,19 @@
                 <a:schemeClr val="dk2"/>
               </a:buClr>
               <a:buSzPts val="1400"/>
+              <a:buFont typeface="Arial"/>
               <a:buChar char="○"/>
-              <a:defRPr>
+              <a:defRPr b="0" i="0" sz="1400" u="none" cap="none" strike="noStrike">
                 <a:solidFill>
                   <a:schemeClr val="dk2"/>
                 </a:solidFill>
+                <a:latin typeface="Arial"/>
+                <a:ea typeface="Arial"/>
+                <a:cs typeface="Arial"/>
+                <a:sym typeface="Arial"/>
               </a:defRPr>
             </a:lvl2pPr>
-            <a:lvl3pPr indent="-317500" lvl="2" marL="1371600">
+            <a:lvl3pPr indent="-317500" lvl="2" marL="1371600" marR="0" rtl="0" algn="l">
               <a:lnSpc>
                 <a:spcPct val="115000"/>
               </a:lnSpc>
@@ -5480,14 +8610,19 @@
                 <a:schemeClr val="dk2"/>
               </a:buClr>
               <a:buSzPts val="1400"/>
+              <a:buFont typeface="Arial"/>
               <a:buChar char="■"/>
-              <a:defRPr>
+              <a:defRPr b="0" i="0" sz="1400" u="none" cap="none" strike="noStrike">
                 <a:solidFill>
                   <a:schemeClr val="dk2"/>
                 </a:solidFill>
+                <a:latin typeface="Arial"/>
+                <a:ea typeface="Arial"/>
+                <a:cs typeface="Arial"/>
+                <a:sym typeface="Arial"/>
               </a:defRPr>
             </a:lvl3pPr>
-            <a:lvl4pPr indent="-317500" lvl="3" marL="1828800">
+            <a:lvl4pPr indent="-317500" lvl="3" marL="1828800" marR="0" rtl="0" algn="l">
               <a:lnSpc>
                 <a:spcPct val="115000"/>
               </a:lnSpc>
@@ -5501,14 +8636,19 @@
                 <a:schemeClr val="dk2"/>
               </a:buClr>
               <a:buSzPts val="1400"/>
+              <a:buFont typeface="Arial"/>
               <a:buChar char="●"/>
-              <a:defRPr>
+              <a:defRPr b="0" i="0" sz="1400" u="none" cap="none" strike="noStrike">
                 <a:solidFill>
                   <a:schemeClr val="dk2"/>
                 </a:solidFill>
+                <a:latin typeface="Arial"/>
+                <a:ea typeface="Arial"/>
+                <a:cs typeface="Arial"/>
+                <a:sym typeface="Arial"/>
               </a:defRPr>
             </a:lvl4pPr>
-            <a:lvl5pPr indent="-317500" lvl="4" marL="2286000">
+            <a:lvl5pPr indent="-317500" lvl="4" marL="2286000" marR="0" rtl="0" algn="l">
               <a:lnSpc>
                 <a:spcPct val="115000"/>
               </a:lnSpc>
@@ -5522,14 +8662,19 @@
                 <a:schemeClr val="dk2"/>
               </a:buClr>
               <a:buSzPts val="1400"/>
+              <a:buFont typeface="Arial"/>
               <a:buChar char="○"/>
-              <a:defRPr>
+              <a:defRPr b="0" i="0" sz="1400" u="none" cap="none" strike="noStrike">
                 <a:solidFill>
                   <a:schemeClr val="dk2"/>
                 </a:solidFill>
+                <a:latin typeface="Arial"/>
+                <a:ea typeface="Arial"/>
+                <a:cs typeface="Arial"/>
+                <a:sym typeface="Arial"/>
               </a:defRPr>
             </a:lvl5pPr>
-            <a:lvl6pPr indent="-317500" lvl="5" marL="2743200">
+            <a:lvl6pPr indent="-317500" lvl="5" marL="2743200" marR="0" rtl="0" algn="l">
               <a:lnSpc>
                 <a:spcPct val="115000"/>
               </a:lnSpc>
@@ -5543,14 +8688,19 @@
                 <a:schemeClr val="dk2"/>
               </a:buClr>
               <a:buSzPts val="1400"/>
+              <a:buFont typeface="Arial"/>
               <a:buChar char="■"/>
-              <a:defRPr>
+              <a:defRPr b="0" i="0" sz="1400" u="none" cap="none" strike="noStrike">
                 <a:solidFill>
                   <a:schemeClr val="dk2"/>
                 </a:solidFill>
+                <a:latin typeface="Arial"/>
+                <a:ea typeface="Arial"/>
+                <a:cs typeface="Arial"/>
+                <a:sym typeface="Arial"/>
               </a:defRPr>
             </a:lvl6pPr>
-            <a:lvl7pPr indent="-317500" lvl="6" marL="3200400">
+            <a:lvl7pPr indent="-317500" lvl="6" marL="3200400" marR="0" rtl="0" algn="l">
               <a:lnSpc>
                 <a:spcPct val="115000"/>
               </a:lnSpc>
@@ -5564,14 +8714,19 @@
                 <a:schemeClr val="dk2"/>
               </a:buClr>
               <a:buSzPts val="1400"/>
+              <a:buFont typeface="Arial"/>
               <a:buChar char="●"/>
-              <a:defRPr>
+              <a:defRPr b="0" i="0" sz="1400" u="none" cap="none" strike="noStrike">
                 <a:solidFill>
                   <a:schemeClr val="dk2"/>
                 </a:solidFill>
+                <a:latin typeface="Arial"/>
+                <a:ea typeface="Arial"/>
+                <a:cs typeface="Arial"/>
+                <a:sym typeface="Arial"/>
               </a:defRPr>
             </a:lvl7pPr>
-            <a:lvl8pPr indent="-317500" lvl="7" marL="3657600">
+            <a:lvl8pPr indent="-317500" lvl="7" marL="3657600" marR="0" rtl="0" algn="l">
               <a:lnSpc>
                 <a:spcPct val="115000"/>
               </a:lnSpc>
@@ -5585,14 +8740,19 @@
                 <a:schemeClr val="dk2"/>
               </a:buClr>
               <a:buSzPts val="1400"/>
+              <a:buFont typeface="Arial"/>
               <a:buChar char="○"/>
-              <a:defRPr>
+              <a:defRPr b="0" i="0" sz="1400" u="none" cap="none" strike="noStrike">
                 <a:solidFill>
                   <a:schemeClr val="dk2"/>
                 </a:solidFill>
+                <a:latin typeface="Arial"/>
+                <a:ea typeface="Arial"/>
+                <a:cs typeface="Arial"/>
+                <a:sym typeface="Arial"/>
               </a:defRPr>
             </a:lvl8pPr>
-            <a:lvl9pPr indent="-317500" lvl="8" marL="4114800">
+            <a:lvl9pPr indent="-317500" lvl="8" marL="4114800" marR="0" rtl="0" algn="l">
               <a:lnSpc>
                 <a:spcPct val="115000"/>
               </a:lnSpc>
@@ -5606,11 +8766,16 @@
                 <a:schemeClr val="dk2"/>
               </a:buClr>
               <a:buSzPts val="1400"/>
+              <a:buFont typeface="Arial"/>
               <a:buChar char="■"/>
-              <a:defRPr>
+              <a:defRPr b="0" i="0" sz="1400" u="none" cap="none" strike="noStrike">
                 <a:solidFill>
                   <a:schemeClr val="dk2"/>
                 </a:solidFill>
+                <a:latin typeface="Arial"/>
+                <a:ea typeface="Arial"/>
+                <a:cs typeface="Arial"/>
+                <a:sym typeface="Arial"/>
               </a:defRPr>
             </a:lvl9pPr>
           </a:lstStyle>
@@ -5643,76 +8808,238 @@
             <a:normAutofit/>
           </a:bodyPr>
           <a:lstStyle>
-            <a:lvl1pPr lvl="0" algn="r">
-              <a:buNone/>
-              <a:defRPr sz="1000">
+            <a:lvl1pPr indent="0" lvl="0" marL="0" marR="0" rtl="0" algn="r">
+              <a:lnSpc>
+                <a:spcPct val="100000"/>
+              </a:lnSpc>
+              <a:spcBef>
+                <a:spcPts val="0"/>
+              </a:spcBef>
+              <a:spcAft>
+                <a:spcPts val="0"/>
+              </a:spcAft>
+              <a:buClr>
+                <a:srgbClr val="000000"/>
+              </a:buClr>
+              <a:buSzPts val="1000"/>
+              <a:buFont typeface="Arial"/>
+              <a:buNone/>
+              <a:defRPr b="0" i="0" sz="1000" u="none" cap="none" strike="noStrike">
                 <a:solidFill>
                   <a:schemeClr val="dk2"/>
                 </a:solidFill>
+                <a:latin typeface="Arial"/>
+                <a:ea typeface="Arial"/>
+                <a:cs typeface="Arial"/>
+                <a:sym typeface="Arial"/>
               </a:defRPr>
             </a:lvl1pPr>
-            <a:lvl2pPr lvl="1" algn="r">
-              <a:buNone/>
-              <a:defRPr sz="1000">
+            <a:lvl2pPr indent="0" lvl="1" marL="0" marR="0" rtl="0" algn="r">
+              <a:lnSpc>
+                <a:spcPct val="100000"/>
+              </a:lnSpc>
+              <a:spcBef>
+                <a:spcPts val="0"/>
+              </a:spcBef>
+              <a:spcAft>
+                <a:spcPts val="0"/>
+              </a:spcAft>
+              <a:buClr>
+                <a:srgbClr val="000000"/>
+              </a:buClr>
+              <a:buSzPts val="1000"/>
+              <a:buFont typeface="Arial"/>
+              <a:buNone/>
+              <a:defRPr b="0" i="0" sz="1000" u="none" cap="none" strike="noStrike">
                 <a:solidFill>
                   <a:schemeClr val="dk2"/>
                 </a:solidFill>
+                <a:latin typeface="Arial"/>
+                <a:ea typeface="Arial"/>
+                <a:cs typeface="Arial"/>
+                <a:sym typeface="Arial"/>
               </a:defRPr>
             </a:lvl2pPr>
-            <a:lvl3pPr lvl="2" algn="r">
-              <a:buNone/>
-              <a:defRPr sz="1000">
+            <a:lvl3pPr indent="0" lvl="2" marL="0" marR="0" rtl="0" algn="r">
+              <a:lnSpc>
+                <a:spcPct val="100000"/>
+              </a:lnSpc>
+              <a:spcBef>
+                <a:spcPts val="0"/>
+              </a:spcBef>
+              <a:spcAft>
+                <a:spcPts val="0"/>
+              </a:spcAft>
+              <a:buClr>
+                <a:srgbClr val="000000"/>
+              </a:buClr>
+              <a:buSzPts val="1000"/>
+              <a:buFont typeface="Arial"/>
+              <a:buNone/>
+              <a:defRPr b="0" i="0" sz="1000" u="none" cap="none" strike="noStrike">
                 <a:solidFill>
                   <a:schemeClr val="dk2"/>
                 </a:solidFill>
+                <a:latin typeface="Arial"/>
+                <a:ea typeface="Arial"/>
+                <a:cs typeface="Arial"/>
+                <a:sym typeface="Arial"/>
               </a:defRPr>
             </a:lvl3pPr>
-            <a:lvl4pPr lvl="3" algn="r">
-              <a:buNone/>
-              <a:defRPr sz="1000">
+            <a:lvl4pPr indent="0" lvl="3" marL="0" marR="0" rtl="0" algn="r">
+              <a:lnSpc>
+                <a:spcPct val="100000"/>
+              </a:lnSpc>
+              <a:spcBef>
+                <a:spcPts val="0"/>
+              </a:spcBef>
+              <a:spcAft>
+                <a:spcPts val="0"/>
+              </a:spcAft>
+              <a:buClr>
+                <a:srgbClr val="000000"/>
+              </a:buClr>
+              <a:buSzPts val="1000"/>
+              <a:buFont typeface="Arial"/>
+              <a:buNone/>
+              <a:defRPr b="0" i="0" sz="1000" u="none" cap="none" strike="noStrike">
                 <a:solidFill>
                   <a:schemeClr val="dk2"/>
                 </a:solidFill>
+                <a:latin typeface="Arial"/>
+                <a:ea typeface="Arial"/>
+                <a:cs typeface="Arial"/>
+                <a:sym typeface="Arial"/>
               </a:defRPr>
             </a:lvl4pPr>
-            <a:lvl5pPr lvl="4" algn="r">
-              <a:buNone/>
-              <a:defRPr sz="1000">
+            <a:lvl5pPr indent="0" lvl="4" marL="0" marR="0" rtl="0" algn="r">
+              <a:lnSpc>
+                <a:spcPct val="100000"/>
+              </a:lnSpc>
+              <a:spcBef>
+                <a:spcPts val="0"/>
+              </a:spcBef>
+              <a:spcAft>
+                <a:spcPts val="0"/>
+              </a:spcAft>
+              <a:buClr>
+                <a:srgbClr val="000000"/>
+              </a:buClr>
+              <a:buSzPts val="1000"/>
+              <a:buFont typeface="Arial"/>
+              <a:buNone/>
+              <a:defRPr b="0" i="0" sz="1000" u="none" cap="none" strike="noStrike">
                 <a:solidFill>
                   <a:schemeClr val="dk2"/>
                 </a:solidFill>
+                <a:latin typeface="Arial"/>
+                <a:ea typeface="Arial"/>
+                <a:cs typeface="Arial"/>
+                <a:sym typeface="Arial"/>
               </a:defRPr>
             </a:lvl5pPr>
-            <a:lvl6pPr lvl="5" algn="r">
-              <a:buNone/>
-              <a:defRPr sz="1000">
+            <a:lvl6pPr indent="0" lvl="5" marL="0" marR="0" rtl="0" algn="r">
+              <a:lnSpc>
+                <a:spcPct val="100000"/>
+              </a:lnSpc>
+              <a:spcBef>
+                <a:spcPts val="0"/>
+              </a:spcBef>
+              <a:spcAft>
+                <a:spcPts val="0"/>
+              </a:spcAft>
+              <a:buClr>
+                <a:srgbClr val="000000"/>
+              </a:buClr>
+              <a:buSzPts val="1000"/>
+              <a:buFont typeface="Arial"/>
+              <a:buNone/>
+              <a:defRPr b="0" i="0" sz="1000" u="none" cap="none" strike="noStrike">
                 <a:solidFill>
                   <a:schemeClr val="dk2"/>
                 </a:solidFill>
+                <a:latin typeface="Arial"/>
+                <a:ea typeface="Arial"/>
+                <a:cs typeface="Arial"/>
+                <a:sym typeface="Arial"/>
               </a:defRPr>
             </a:lvl6pPr>
-            <a:lvl7pPr lvl="6" algn="r">
-              <a:buNone/>
-              <a:defRPr sz="1000">
+            <a:lvl7pPr indent="0" lvl="6" marL="0" marR="0" rtl="0" algn="r">
+              <a:lnSpc>
+                <a:spcPct val="100000"/>
+              </a:lnSpc>
+              <a:spcBef>
+                <a:spcPts val="0"/>
+              </a:spcBef>
+              <a:spcAft>
+                <a:spcPts val="0"/>
+              </a:spcAft>
+              <a:buClr>
+                <a:srgbClr val="000000"/>
+              </a:buClr>
+              <a:buSzPts val="1000"/>
+              <a:buFont typeface="Arial"/>
+              <a:buNone/>
+              <a:defRPr b="0" i="0" sz="1000" u="none" cap="none" strike="noStrike">
                 <a:solidFill>
                   <a:schemeClr val="dk2"/>
                 </a:solidFill>
+                <a:latin typeface="Arial"/>
+                <a:ea typeface="Arial"/>
+                <a:cs typeface="Arial"/>
+                <a:sym typeface="Arial"/>
               </a:defRPr>
             </a:lvl7pPr>
-            <a:lvl8pPr lvl="7" algn="r">
-              <a:buNone/>
-              <a:defRPr sz="1000">
+            <a:lvl8pPr indent="0" lvl="7" marL="0" marR="0" rtl="0" algn="r">
+              <a:lnSpc>
+                <a:spcPct val="100000"/>
+              </a:lnSpc>
+              <a:spcBef>
+                <a:spcPts val="0"/>
+              </a:spcBef>
+              <a:spcAft>
+                <a:spcPts val="0"/>
+              </a:spcAft>
+              <a:buClr>
+                <a:srgbClr val="000000"/>
+              </a:buClr>
+              <a:buSzPts val="1000"/>
+              <a:buFont typeface="Arial"/>
+              <a:buNone/>
+              <a:defRPr b="0" i="0" sz="1000" u="none" cap="none" strike="noStrike">
                 <a:solidFill>
                   <a:schemeClr val="dk2"/>
                 </a:solidFill>
+                <a:latin typeface="Arial"/>
+                <a:ea typeface="Arial"/>
+                <a:cs typeface="Arial"/>
+                <a:sym typeface="Arial"/>
               </a:defRPr>
             </a:lvl8pPr>
-            <a:lvl9pPr lvl="8" algn="r">
-              <a:buNone/>
-              <a:defRPr sz="1000">
+            <a:lvl9pPr indent="0" lvl="8" marL="0" marR="0" rtl="0" algn="r">
+              <a:lnSpc>
+                <a:spcPct val="100000"/>
+              </a:lnSpc>
+              <a:spcBef>
+                <a:spcPts val="0"/>
+              </a:spcBef>
+              <a:spcAft>
+                <a:spcPts val="0"/>
+              </a:spcAft>
+              <a:buClr>
+                <a:srgbClr val="000000"/>
+              </a:buClr>
+              <a:buSzPts val="1000"/>
+              <a:buFont typeface="Arial"/>
+              <a:buNone/>
+              <a:defRPr b="0" i="0" sz="1000" u="none" cap="none" strike="noStrike">
                 <a:solidFill>
                   <a:schemeClr val="dk2"/>
                 </a:solidFill>
+                <a:latin typeface="Arial"/>
+                <a:ea typeface="Arial"/>
+                <a:cs typeface="Arial"/>
+                <a:sym typeface="Arial"/>
               </a:defRPr>
             </a:lvl9pPr>
           </a:lstStyle>
@@ -6476,6 +9803,10 @@
           <a:prstGeom prst="rect">
             <a:avLst/>
           </a:prstGeom>
+          <a:noFill/>
+          <a:ln>
+            <a:noFill/>
+          </a:ln>
         </p:spPr>
         <p:txBody>
           <a:bodyPr anchorCtr="0" anchor="b" bIns="91425" lIns="91425" spcFirstLastPara="1" rIns="91425" wrap="square" tIns="91425">
@@ -6484,12 +9815,16 @@
           <a:lstStyle/>
           <a:p>
             <a:pPr indent="0" lvl="0" marL="0" rtl="0" algn="ctr">
-              <a:spcBef>
-                <a:spcPts val="0"/>
-              </a:spcBef>
-              <a:spcAft>
-                <a:spcPts val="0"/>
-              </a:spcAft>
+              <a:lnSpc>
+                <a:spcPct val="100000"/>
+              </a:lnSpc>
+              <a:spcBef>
+                <a:spcPts val="0"/>
+              </a:spcBef>
+              <a:spcAft>
+                <a:spcPts val="0"/>
+              </a:spcAft>
+              <a:buSzPct val="160493"/>
               <a:buNone/>
             </a:pPr>
             <a:r>
@@ -6526,6 +9861,10 @@
           <a:prstGeom prst="rect">
             <a:avLst/>
           </a:prstGeom>
+          <a:noFill/>
+          <a:ln>
+            <a:noFill/>
+          </a:ln>
         </p:spPr>
         <p:txBody>
           <a:bodyPr anchorCtr="0" anchor="t" bIns="91425" lIns="91425" spcFirstLastPara="1" rIns="91425" wrap="square" tIns="91425">
@@ -6543,6 +9882,7 @@
               <a:spcAft>
                 <a:spcPts val="0"/>
               </a:spcAft>
+              <a:buSzPct val="219607"/>
               <a:buNone/>
             </a:pPr>
             <a:r>
@@ -6594,17 +9934,25 @@
           </a:bodyPr>
           <a:lstStyle/>
           <a:p>
-            <a:pPr indent="0" lvl="0" marL="0" rtl="0" algn="ctr">
-              <a:spcBef>
-                <a:spcPts val="0"/>
-              </a:spcBef>
-              <a:spcAft>
-                <a:spcPts val="0"/>
-              </a:spcAft>
+            <a:pPr indent="0" lvl="0" marL="0" marR="0" rtl="0" algn="ctr">
+              <a:lnSpc>
+                <a:spcPct val="100000"/>
+              </a:lnSpc>
+              <a:spcBef>
+                <a:spcPts val="0"/>
+              </a:spcBef>
+              <a:spcAft>
+                <a:spcPts val="0"/>
+              </a:spcAft>
+              <a:buClr>
+                <a:srgbClr val="000000"/>
+              </a:buClr>
+              <a:buSzPts val="1800"/>
+              <a:buFont typeface="Arial"/>
               <a:buNone/>
             </a:pPr>
             <a:r>
-              <a:rPr lang="en" sz="1800">
+              <a:rPr b="0" i="0" lang="en" sz="1800" u="none" cap="none" strike="noStrike">
                 <a:solidFill>
                   <a:schemeClr val="dk1"/>
                 </a:solidFill>
@@ -6615,7 +9963,7 @@
               </a:rPr>
               <a:t>      Data Science Capstone Project - July 2025</a:t>
             </a:r>
-            <a:endParaRPr sz="1800">
+            <a:endParaRPr b="0" i="0" sz="1800" u="none" cap="none" strike="noStrike">
               <a:solidFill>
                 <a:schemeClr val="dk1"/>
               </a:solidFill>
@@ -6633,13 +9981,12 @@
           <p:cNvPicPr preferRelativeResize="0"/>
           <p:nvPr/>
         </p:nvPicPr>
-        <p:blipFill>
+        <p:blipFill rotWithShape="1">
           <a:blip r:embed="rId3">
             <a:alphaModFix/>
           </a:blip>
-          <a:stretch>
-            <a:fillRect/>
-          </a:stretch>
+          <a:srcRect b="0" l="0" r="0" t="0"/>
+          <a:stretch/>
         </p:blipFill>
         <p:spPr>
           <a:xfrm>
@@ -6680,19 +10027,27 @@
           </a:bodyPr>
           <a:lstStyle/>
           <a:p>
-            <a:pPr indent="0" lvl="0" marL="0" rtl="0" algn="l">
-              <a:spcBef>
-                <a:spcPts val="0"/>
-              </a:spcBef>
-              <a:spcAft>
-                <a:spcPts val="0"/>
-              </a:spcAft>
+            <a:pPr indent="0" lvl="0" marL="0" marR="0" rtl="0" algn="l">
+              <a:lnSpc>
+                <a:spcPct val="100000"/>
+              </a:lnSpc>
+              <a:spcBef>
+                <a:spcPts val="0"/>
+              </a:spcBef>
+              <a:spcAft>
+                <a:spcPts val="0"/>
+              </a:spcAft>
+              <a:buClr>
+                <a:srgbClr val="000000"/>
+              </a:buClr>
+              <a:buSzPts val="1000"/>
+              <a:buFont typeface="Arial"/>
               <a:buNone/>
             </a:pPr>
             <a:r>
-              <a:rPr b="1" lang="en" sz="1000">
-                <a:solidFill>
-                  <a:srgbClr val="0A66C2"/>
+              <a:rPr b="1" i="0" lang="en" sz="1000" u="none" cap="none" strike="noStrike">
+                <a:solidFill>
+                  <a:schemeClr val="hlink"/>
                 </a:solidFill>
                 <a:uFill>
                   <a:noFill/>
@@ -6701,20 +10056,14 @@
                 <a:ea typeface="Times New Roman"/>
                 <a:cs typeface="Times New Roman"/>
                 <a:sym typeface="Times New Roman"/>
-                <a:hlinkClick r:id="rId4">
-                  <a:extLst>
-                    <a:ext uri="{A12FA001-AC4F-418D-AE19-62706E023703}">
-                      <ahyp:hlinkClr val="tx"/>
-                    </a:ext>
-                  </a:extLst>
-                </a:hlinkClick>
+                <a:hlinkClick r:id="rId4"/>
               </a:rPr>
               <a:t>Gaurav Laddha (CFA®, FRM®)</a:t>
             </a:r>
             <a:r>
-              <a:rPr lang="en" sz="1000">
-                <a:solidFill>
-                  <a:srgbClr val="0A66C2"/>
+              <a:rPr b="0" i="0" lang="en" sz="1000" u="none" cap="none" strike="noStrike">
+                <a:solidFill>
+                  <a:schemeClr val="hlink"/>
                 </a:solidFill>
                 <a:uFill>
                   <a:noFill/>
@@ -6723,17 +10072,11 @@
                 <a:ea typeface="Times New Roman"/>
                 <a:cs typeface="Times New Roman"/>
                 <a:sym typeface="Times New Roman"/>
-                <a:hlinkClick r:id="rId5">
-                  <a:extLst>
-                    <a:ext uri="{A12FA001-AC4F-418D-AE19-62706E023703}">
-                      <ahyp:hlinkClr val="tx"/>
-                    </a:ext>
-                  </a:extLst>
-                </a:hlinkClick>
+                <a:hlinkClick r:id="rId5"/>
               </a:rPr>
               <a:t> </a:t>
             </a:r>
-            <a:endParaRPr sz="1000">
+            <a:endParaRPr b="0" i="0" sz="1000" u="none" cap="none" strike="noStrike">
               <a:solidFill>
                 <a:schemeClr val="dk2"/>
               </a:solidFill>
@@ -6770,17 +10113,25 @@
           </a:bodyPr>
           <a:lstStyle/>
           <a:p>
-            <a:pPr indent="0" lvl="0" marL="0" rtl="0" algn="l">
-              <a:spcBef>
-                <a:spcPts val="0"/>
-              </a:spcBef>
-              <a:spcAft>
-                <a:spcPts val="0"/>
-              </a:spcAft>
+            <a:pPr indent="0" lvl="0" marL="0" marR="0" rtl="0" algn="l">
+              <a:lnSpc>
+                <a:spcPct val="100000"/>
+              </a:lnSpc>
+              <a:spcBef>
+                <a:spcPts val="0"/>
+              </a:spcBef>
+              <a:spcAft>
+                <a:spcPts val="0"/>
+              </a:spcAft>
+              <a:buClr>
+                <a:srgbClr val="000000"/>
+              </a:buClr>
+              <a:buSzPts val="1000"/>
+              <a:buFont typeface="Arial"/>
               <a:buNone/>
             </a:pPr>
             <a:r>
-              <a:rPr lang="en" sz="1000">
+              <a:rPr b="0" i="0" lang="en" sz="1000" u="none" cap="none" strike="noStrike">
                 <a:solidFill>
                   <a:schemeClr val="dk1"/>
                 </a:solidFill>
@@ -6791,7 +10142,7 @@
               </a:rPr>
               <a:t>Thanks to springboard mentor</a:t>
             </a:r>
-            <a:endParaRPr sz="1000">
+            <a:endParaRPr b="0" i="0" sz="1000" u="none" cap="none" strike="noStrike">
               <a:solidFill>
                 <a:schemeClr val="dk1"/>
               </a:solidFill>
@@ -6844,6 +10195,10 @@
           <a:prstGeom prst="rect">
             <a:avLst/>
           </a:prstGeom>
+          <a:noFill/>
+          <a:ln>
+            <a:noFill/>
+          </a:ln>
         </p:spPr>
         <p:txBody>
           <a:bodyPr anchorCtr="0" anchor="t" bIns="91425" lIns="91425" spcFirstLastPara="1" rIns="91425" wrap="square" tIns="91425">
@@ -6852,12 +10207,16 @@
           <a:lstStyle/>
           <a:p>
             <a:pPr indent="0" lvl="0" marL="0" rtl="0" algn="ctr">
-              <a:spcBef>
-                <a:spcPts val="0"/>
-              </a:spcBef>
-              <a:spcAft>
-                <a:spcPts val="0"/>
-              </a:spcAft>
+              <a:lnSpc>
+                <a:spcPct val="100000"/>
+              </a:lnSpc>
+              <a:spcBef>
+                <a:spcPts val="0"/>
+              </a:spcBef>
+              <a:spcAft>
+                <a:spcPts val="0"/>
+              </a:spcAft>
+              <a:buSzPct val="111111"/>
               <a:buNone/>
             </a:pPr>
             <a:r>
@@ -6884,6 +10243,10 @@
           <a:prstGeom prst="rect">
             <a:avLst/>
           </a:prstGeom>
+          <a:noFill/>
+          <a:ln>
+            <a:noFill/>
+          </a:ln>
         </p:spPr>
         <p:txBody>
           <a:bodyPr anchorCtr="0" anchor="t" bIns="91425" lIns="91425" spcFirstLastPara="1" rIns="91425" wrap="square" tIns="91425">
@@ -7085,8 +10448,35 @@
           <p:cNvPicPr preferRelativeResize="0"/>
           <p:nvPr/>
         </p:nvPicPr>
+        <p:blipFill rotWithShape="1">
+          <a:blip r:embed="rId3">
+            <a:alphaModFix/>
+          </a:blip>
+          <a:srcRect b="0" l="0" r="0" t="0"/>
+          <a:stretch/>
+        </p:blipFill>
+        <p:spPr>
+          <a:xfrm>
+            <a:off x="215850" y="2799275"/>
+            <a:ext cx="4538900" cy="2176950"/>
+          </a:xfrm>
+          <a:prstGeom prst="rect">
+            <a:avLst/>
+          </a:prstGeom>
+          <a:noFill/>
+          <a:ln>
+            <a:noFill/>
+          </a:ln>
+        </p:spPr>
+      </p:pic>
+      <p:pic>
+        <p:nvPicPr>
+          <p:cNvPr id="118" name="Google Shape;118;p22" title="Screenshot 2025-07-25 161003.png"/>
+          <p:cNvPicPr preferRelativeResize="0"/>
+          <p:nvPr/>
+        </p:nvPicPr>
         <p:blipFill>
-          <a:blip r:embed="rId3">
+          <a:blip r:embed="rId4">
             <a:alphaModFix/>
           </a:blip>
           <a:stretch>
@@ -7095,8 +10485,8 @@
         </p:blipFill>
         <p:spPr>
           <a:xfrm>
-            <a:off x="1404525" y="2709575"/>
-            <a:ext cx="6075250" cy="2176950"/>
+            <a:off x="4874550" y="2799275"/>
+            <a:ext cx="3349075" cy="1270325"/>
           </a:xfrm>
           <a:prstGeom prst="rect">
             <a:avLst/>
@@ -7120,7 +10510,7 @@
   <p:cSld>
     <p:spTree>
       <p:nvGrpSpPr>
-        <p:cNvPr id="121" name="Shape 121"/>
+        <p:cNvPr id="122" name="Shape 122"/>
         <p:cNvGrpSpPr/>
         <p:nvPr/>
       </p:nvGrpSpPr>
@@ -7134,7 +10524,7 @@
       </p:grpSpPr>
       <p:sp>
         <p:nvSpPr>
-          <p:cNvPr id="122" name="Google Shape;122;p23"/>
+          <p:cNvPr id="123" name="Google Shape;123;p23"/>
           <p:cNvSpPr txBox="1"/>
           <p:nvPr>
             <p:ph type="title"/>
@@ -7148,6 +10538,10 @@
           <a:prstGeom prst="rect">
             <a:avLst/>
           </a:prstGeom>
+          <a:noFill/>
+          <a:ln>
+            <a:noFill/>
+          </a:ln>
         </p:spPr>
         <p:txBody>
           <a:bodyPr anchorCtr="0" anchor="t" bIns="91425" lIns="91425" spcFirstLastPara="1" rIns="91425" wrap="square" tIns="91425">
@@ -7156,12 +10550,16 @@
           <a:lstStyle/>
           <a:p>
             <a:pPr indent="0" lvl="0" marL="0" rtl="0" algn="ctr">
-              <a:spcBef>
-                <a:spcPts val="0"/>
-              </a:spcBef>
-              <a:spcAft>
-                <a:spcPts val="0"/>
-              </a:spcAft>
+              <a:lnSpc>
+                <a:spcPct val="100000"/>
+              </a:lnSpc>
+              <a:spcBef>
+                <a:spcPts val="0"/>
+              </a:spcBef>
+              <a:spcAft>
+                <a:spcPts val="0"/>
+              </a:spcAft>
+              <a:buSzPct val="111111"/>
               <a:buNone/>
             </a:pPr>
             <a:r>
@@ -7174,7 +10572,7 @@
       </p:sp>
       <p:sp>
         <p:nvSpPr>
-          <p:cNvPr id="123" name="Google Shape;123;p23"/>
+          <p:cNvPr id="124" name="Google Shape;124;p23"/>
           <p:cNvSpPr txBox="1"/>
           <p:nvPr>
             <p:ph idx="1" type="body"/>
@@ -7188,6 +10586,10 @@
           <a:prstGeom prst="rect">
             <a:avLst/>
           </a:prstGeom>
+          <a:noFill/>
+          <a:ln>
+            <a:noFill/>
+          </a:ln>
         </p:spPr>
         <p:txBody>
           <a:bodyPr anchorCtr="0" anchor="t" bIns="91425" lIns="91425" spcFirstLastPara="1" rIns="91425" wrap="square" tIns="91425">
@@ -7196,6 +10598,9 @@
           <a:lstStyle/>
           <a:p>
             <a:pPr indent="-342900" lvl="0" marL="457200" rtl="0" algn="l">
+              <a:lnSpc>
+                <a:spcPct val="115000"/>
+              </a:lnSpc>
               <a:spcBef>
                 <a:spcPts val="1200"/>
               </a:spcBef>
@@ -7224,6 +10629,9 @@
           </a:p>
           <a:p>
             <a:pPr indent="-342900" lvl="0" marL="457200" rtl="0" algn="l">
+              <a:lnSpc>
+                <a:spcPct val="115000"/>
+              </a:lnSpc>
               <a:spcBef>
                 <a:spcPts val="0"/>
               </a:spcBef>
@@ -7252,6 +10660,9 @@
           </a:p>
           <a:p>
             <a:pPr indent="-342900" lvl="0" marL="457200" rtl="0" algn="l">
+              <a:lnSpc>
+                <a:spcPct val="115000"/>
+              </a:lnSpc>
               <a:spcBef>
                 <a:spcPts val="0"/>
               </a:spcBef>
@@ -7288,6 +10699,9 @@
           </a:p>
           <a:p>
             <a:pPr indent="-342900" lvl="1" marL="914400" rtl="0" algn="l">
+              <a:lnSpc>
+                <a:spcPct val="115000"/>
+              </a:lnSpc>
               <a:spcBef>
                 <a:spcPts val="0"/>
               </a:spcBef>
@@ -7316,6 +10730,9 @@
           </a:p>
           <a:p>
             <a:pPr indent="-342900" lvl="0" marL="457200" rtl="0" algn="l">
+              <a:lnSpc>
+                <a:spcPct val="115000"/>
+              </a:lnSpc>
               <a:spcBef>
                 <a:spcPts val="0"/>
               </a:spcBef>
@@ -7352,6 +10769,9 @@
           </a:p>
           <a:p>
             <a:pPr indent="-342900" lvl="1" marL="914400" rtl="0" algn="l">
+              <a:lnSpc>
+                <a:spcPct val="115000"/>
+              </a:lnSpc>
               <a:spcBef>
                 <a:spcPts val="0"/>
               </a:spcBef>
@@ -7380,6 +10800,9 @@
           </a:p>
           <a:p>
             <a:pPr indent="-342900" lvl="1" marL="914400" rtl="0" algn="l">
+              <a:lnSpc>
+                <a:spcPct val="115000"/>
+              </a:lnSpc>
               <a:spcBef>
                 <a:spcPts val="0"/>
               </a:spcBef>
@@ -7408,12 +10831,16 @@
           </a:p>
           <a:p>
             <a:pPr indent="0" lvl="0" marL="457200" rtl="0" algn="l">
+              <a:lnSpc>
+                <a:spcPct val="115000"/>
+              </a:lnSpc>
               <a:spcBef>
                 <a:spcPts val="1200"/>
               </a:spcBef>
               <a:spcAft>
                 <a:spcPts val="1200"/>
               </a:spcAft>
+              <a:buSzPts val="1800"/>
               <a:buNone/>
             </a:pPr>
             <a:r>
@@ -7464,6 +10891,10 @@
           <a:prstGeom prst="rect">
             <a:avLst/>
           </a:prstGeom>
+          <a:noFill/>
+          <a:ln>
+            <a:noFill/>
+          </a:ln>
         </p:spPr>
         <p:txBody>
           <a:bodyPr anchorCtr="0" anchor="t" bIns="91425" lIns="91425" spcFirstLastPara="1" rIns="91425" wrap="square" tIns="91425">
@@ -7472,12 +10903,16 @@
           <a:lstStyle/>
           <a:p>
             <a:pPr indent="0" lvl="0" marL="0" rtl="0" algn="ctr">
-              <a:spcBef>
-                <a:spcPts val="0"/>
-              </a:spcBef>
-              <a:spcAft>
-                <a:spcPts val="0"/>
-              </a:spcAft>
+              <a:lnSpc>
+                <a:spcPct val="100000"/>
+              </a:lnSpc>
+              <a:spcBef>
+                <a:spcPts val="0"/>
+              </a:spcBef>
+              <a:spcAft>
+                <a:spcPts val="0"/>
+              </a:spcAft>
+              <a:buSzPct val="111111"/>
               <a:buNone/>
             </a:pPr>
             <a:r>
@@ -7504,6 +10939,10 @@
           <a:prstGeom prst="rect">
             <a:avLst/>
           </a:prstGeom>
+          <a:noFill/>
+          <a:ln>
+            <a:noFill/>
+          </a:ln>
         </p:spPr>
         <p:txBody>
           <a:bodyPr anchorCtr="0" anchor="t" bIns="91425" lIns="91425" spcFirstLastPara="1" rIns="91425" wrap="square" tIns="91425">
@@ -7512,6 +10951,9 @@
           <a:lstStyle/>
           <a:p>
             <a:pPr indent="-342900" lvl="0" marL="457200" rtl="0" algn="l">
+              <a:lnSpc>
+                <a:spcPct val="115000"/>
+              </a:lnSpc>
               <a:spcBef>
                 <a:spcPts val="0"/>
               </a:spcBef>
@@ -7555,6 +10997,9 @@
           </a:p>
           <a:p>
             <a:pPr indent="-342900" lvl="0" marL="457200" rtl="0" algn="l">
+              <a:lnSpc>
+                <a:spcPct val="115000"/>
+              </a:lnSpc>
               <a:spcBef>
                 <a:spcPts val="0"/>
               </a:spcBef>
@@ -7611,6 +11056,9 @@
           </a:p>
           <a:p>
             <a:pPr indent="-342900" lvl="0" marL="457200" rtl="0" algn="l">
+              <a:lnSpc>
+                <a:spcPct val="115000"/>
+              </a:lnSpc>
               <a:spcBef>
                 <a:spcPts val="0"/>
               </a:spcBef>
@@ -7647,12 +11095,16 @@
           </a:p>
           <a:p>
             <a:pPr indent="0" lvl="0" marL="0" rtl="0" algn="l">
+              <a:lnSpc>
+                <a:spcPct val="115000"/>
+              </a:lnSpc>
               <a:spcBef>
                 <a:spcPts val="1200"/>
               </a:spcBef>
               <a:spcAft>
                 <a:spcPts val="1200"/>
               </a:spcAft>
+              <a:buSzPts val="1800"/>
               <a:buNone/>
             </a:pPr>
             <a:r>
@@ -7703,6 +11155,10 @@
           <a:prstGeom prst="rect">
             <a:avLst/>
           </a:prstGeom>
+          <a:noFill/>
+          <a:ln>
+            <a:noFill/>
+          </a:ln>
         </p:spPr>
         <p:txBody>
           <a:bodyPr anchorCtr="0" anchor="t" bIns="91425" lIns="91425" spcFirstLastPara="1" rIns="91425" wrap="square" tIns="91425">
@@ -7711,12 +11167,16 @@
           <a:lstStyle/>
           <a:p>
             <a:pPr indent="0" lvl="0" marL="0" rtl="0" algn="ctr">
-              <a:spcBef>
-                <a:spcPts val="0"/>
-              </a:spcBef>
-              <a:spcAft>
-                <a:spcPts val="0"/>
-              </a:spcAft>
+              <a:lnSpc>
+                <a:spcPct val="100000"/>
+              </a:lnSpc>
+              <a:spcBef>
+                <a:spcPts val="0"/>
+              </a:spcBef>
+              <a:spcAft>
+                <a:spcPts val="0"/>
+              </a:spcAft>
+              <a:buSzPct val="111111"/>
               <a:buNone/>
             </a:pPr>
             <a:r>
@@ -7751,6 +11211,10 @@
           <a:prstGeom prst="rect">
             <a:avLst/>
           </a:prstGeom>
+          <a:noFill/>
+          <a:ln>
+            <a:noFill/>
+          </a:ln>
         </p:spPr>
         <p:txBody>
           <a:bodyPr anchorCtr="0" anchor="t" bIns="91425" lIns="91425" spcFirstLastPara="1" rIns="91425" wrap="square" tIns="91425">
@@ -7759,6 +11223,9 @@
           <a:lstStyle/>
           <a:p>
             <a:pPr indent="-342900" lvl="0" marL="457200" rtl="0" algn="l">
+              <a:lnSpc>
+                <a:spcPct val="115000"/>
+              </a:lnSpc>
               <a:spcBef>
                 <a:spcPts val="1200"/>
               </a:spcBef>
@@ -7787,6 +11254,9 @@
           </a:p>
           <a:p>
             <a:pPr indent="-342900" lvl="0" marL="457200" rtl="0" algn="l">
+              <a:lnSpc>
+                <a:spcPct val="115000"/>
+              </a:lnSpc>
               <a:spcBef>
                 <a:spcPts val="0"/>
               </a:spcBef>
@@ -7955,6 +11425,9 @@
           </a:p>
           <a:p>
             <a:pPr indent="-342900" lvl="0" marL="457200" rtl="0" algn="l">
+              <a:lnSpc>
+                <a:spcPct val="115000"/>
+              </a:lnSpc>
               <a:spcBef>
                 <a:spcPts val="0"/>
               </a:spcBef>
@@ -7999,6 +11472,9 @@
           </a:p>
           <a:p>
             <a:pPr indent="-342900" lvl="0" marL="457200" rtl="0" algn="l">
+              <a:lnSpc>
+                <a:spcPct val="115000"/>
+              </a:lnSpc>
               <a:spcBef>
                 <a:spcPts val="0"/>
               </a:spcBef>
@@ -8068,6 +11544,10 @@
           <a:prstGeom prst="rect">
             <a:avLst/>
           </a:prstGeom>
+          <a:noFill/>
+          <a:ln>
+            <a:noFill/>
+          </a:ln>
         </p:spPr>
         <p:txBody>
           <a:bodyPr anchorCtr="0" anchor="t" bIns="91425" lIns="91425" spcFirstLastPara="1" rIns="91425" wrap="square" tIns="91425">
@@ -8076,12 +11556,16 @@
           <a:lstStyle/>
           <a:p>
             <a:pPr indent="0" lvl="0" marL="0" rtl="0" algn="ctr">
-              <a:spcBef>
-                <a:spcPts val="0"/>
-              </a:spcBef>
-              <a:spcAft>
-                <a:spcPts val="0"/>
-              </a:spcAft>
+              <a:lnSpc>
+                <a:spcPct val="100000"/>
+              </a:lnSpc>
+              <a:spcBef>
+                <a:spcPts val="0"/>
+              </a:spcBef>
+              <a:spcAft>
+                <a:spcPts val="0"/>
+              </a:spcAft>
+              <a:buSzPct val="111111"/>
               <a:buNone/>
             </a:pPr>
             <a:r>
@@ -8112,6 +11596,10 @@
           <a:prstGeom prst="rect">
             <a:avLst/>
           </a:prstGeom>
+          <a:noFill/>
+          <a:ln>
+            <a:noFill/>
+          </a:ln>
         </p:spPr>
         <p:txBody>
           <a:bodyPr anchorCtr="0" anchor="t" bIns="91425" lIns="91425" spcFirstLastPara="1" rIns="91425" wrap="square" tIns="91425">
@@ -8120,6 +11608,9 @@
           <a:lstStyle/>
           <a:p>
             <a:pPr indent="-342900" lvl="0" marL="457200" rtl="0" algn="l">
+              <a:lnSpc>
+                <a:spcPct val="115000"/>
+              </a:lnSpc>
               <a:spcBef>
                 <a:spcPts val="0"/>
               </a:spcBef>
@@ -8149,6 +11640,9 @@
           </a:p>
           <a:p>
             <a:pPr indent="-342900" lvl="0" marL="457200" rtl="0" algn="l">
+              <a:lnSpc>
+                <a:spcPct val="115000"/>
+              </a:lnSpc>
               <a:spcBef>
                 <a:spcPts val="0"/>
               </a:spcBef>
@@ -8166,6 +11660,9 @@
           </a:p>
           <a:p>
             <a:pPr indent="-342900" lvl="0" marL="457200" rtl="0" algn="l">
+              <a:lnSpc>
+                <a:spcPct val="115000"/>
+              </a:lnSpc>
               <a:spcBef>
                 <a:spcPts val="0"/>
               </a:spcBef>
@@ -8195,6 +11692,9 @@
           </a:p>
           <a:p>
             <a:pPr indent="-342900" lvl="0" marL="457200" rtl="0" algn="l">
+              <a:lnSpc>
+                <a:spcPct val="115000"/>
+              </a:lnSpc>
               <a:spcBef>
                 <a:spcPts val="0"/>
               </a:spcBef>
@@ -8236,6 +11736,9 @@
           </a:p>
           <a:p>
             <a:pPr indent="-342900" lvl="0" marL="457200" rtl="0" algn="l">
+              <a:lnSpc>
+                <a:spcPct val="115000"/>
+              </a:lnSpc>
               <a:spcBef>
                 <a:spcPts val="0"/>
               </a:spcBef>
@@ -8253,12 +11756,16 @@
           </a:p>
           <a:p>
             <a:pPr indent="0" lvl="0" marL="457200" rtl="0" algn="l">
+              <a:lnSpc>
+                <a:spcPct val="115000"/>
+              </a:lnSpc>
               <a:spcBef>
                 <a:spcPts val="1200"/>
               </a:spcBef>
               <a:spcAft>
                 <a:spcPts val="0"/>
               </a:spcAft>
+              <a:buSzPts val="1800"/>
               <a:buNone/>
             </a:pPr>
             <a:r>
@@ -8268,12 +11775,16 @@
           </a:p>
           <a:p>
             <a:pPr indent="0" lvl="0" marL="0" rtl="0" algn="l">
+              <a:lnSpc>
+                <a:spcPct val="115000"/>
+              </a:lnSpc>
               <a:spcBef>
                 <a:spcPts val="1200"/>
               </a:spcBef>
               <a:spcAft>
                 <a:spcPts val="1200"/>
               </a:spcAft>
+              <a:buSzPts val="1800"/>
               <a:buNone/>
             </a:pPr>
             <a:r>
@@ -8324,6 +11835,10 @@
           <a:prstGeom prst="rect">
             <a:avLst/>
           </a:prstGeom>
+          <a:noFill/>
+          <a:ln>
+            <a:noFill/>
+          </a:ln>
         </p:spPr>
         <p:txBody>
           <a:bodyPr anchorCtr="0" anchor="t" bIns="91425" lIns="91425" spcFirstLastPara="1" rIns="91425" wrap="square" tIns="91425">
@@ -8332,12 +11847,16 @@
           <a:lstStyle/>
           <a:p>
             <a:pPr indent="0" lvl="0" marL="0" rtl="0" algn="ctr">
-              <a:spcBef>
-                <a:spcPts val="0"/>
-              </a:spcBef>
-              <a:spcAft>
-                <a:spcPts val="0"/>
-              </a:spcAft>
+              <a:lnSpc>
+                <a:spcPct val="100000"/>
+              </a:lnSpc>
+              <a:spcBef>
+                <a:spcPts val="0"/>
+              </a:spcBef>
+              <a:spcAft>
+                <a:spcPts val="0"/>
+              </a:spcAft>
+              <a:buSzPct val="111111"/>
               <a:buNone/>
             </a:pPr>
             <a:r>
@@ -8364,6 +11883,10 @@
           <a:prstGeom prst="rect">
             <a:avLst/>
           </a:prstGeom>
+          <a:noFill/>
+          <a:ln>
+            <a:noFill/>
+          </a:ln>
         </p:spPr>
         <p:txBody>
           <a:bodyPr anchorCtr="0" anchor="t" bIns="91425" lIns="91425" spcFirstLastPara="1" rIns="91425" wrap="square" tIns="91425">
@@ -8697,6 +12220,10 @@
           <a:prstGeom prst="rect">
             <a:avLst/>
           </a:prstGeom>
+          <a:noFill/>
+          <a:ln>
+            <a:noFill/>
+          </a:ln>
         </p:spPr>
         <p:txBody>
           <a:bodyPr anchorCtr="0" anchor="t" bIns="91425" lIns="91425" spcFirstLastPara="1" rIns="91425" wrap="square" tIns="91425">
@@ -8705,12 +12232,16 @@
           <a:lstStyle/>
           <a:p>
             <a:pPr indent="0" lvl="0" marL="0" rtl="0" algn="ctr">
-              <a:spcBef>
-                <a:spcPts val="0"/>
-              </a:spcBef>
-              <a:spcAft>
-                <a:spcPts val="0"/>
-              </a:spcAft>
+              <a:lnSpc>
+                <a:spcPct val="100000"/>
+              </a:lnSpc>
+              <a:spcBef>
+                <a:spcPts val="0"/>
+              </a:spcBef>
+              <a:spcAft>
+                <a:spcPts val="0"/>
+              </a:spcAft>
+              <a:buSzPct val="111111"/>
               <a:buNone/>
             </a:pPr>
             <a:r>
@@ -8737,6 +12268,10 @@
           <a:prstGeom prst="rect">
             <a:avLst/>
           </a:prstGeom>
+          <a:noFill/>
+          <a:ln>
+            <a:noFill/>
+          </a:ln>
         </p:spPr>
         <p:txBody>
           <a:bodyPr anchorCtr="0" anchor="t" bIns="91425" lIns="91425" spcFirstLastPara="1" rIns="91425" wrap="square" tIns="91425">
@@ -8745,12 +12280,16 @@
           <a:lstStyle/>
           <a:p>
             <a:pPr indent="0" lvl="0" marL="0" rtl="0" algn="l">
+              <a:lnSpc>
+                <a:spcPct val="115000"/>
+              </a:lnSpc>
               <a:spcBef>
                 <a:spcPts val="0"/>
               </a:spcBef>
               <a:spcAft>
                 <a:spcPts val="1200"/>
               </a:spcAft>
+              <a:buSzPts val="1800"/>
               <a:buNone/>
             </a:pPr>
             <a:r>
@@ -8766,13 +12305,12 @@
           <p:cNvPicPr preferRelativeResize="0"/>
           <p:nvPr/>
         </p:nvPicPr>
-        <p:blipFill>
+        <p:blipFill rotWithShape="1">
           <a:blip r:embed="rId3">
             <a:alphaModFix/>
           </a:blip>
-          <a:stretch>
-            <a:fillRect/>
-          </a:stretch>
+          <a:srcRect b="0" l="0" r="0" t="0"/>
+          <a:stretch/>
         </p:blipFill>
         <p:spPr>
           <a:xfrm>
@@ -8829,6 +12367,10 @@
           <a:prstGeom prst="rect">
             <a:avLst/>
           </a:prstGeom>
+          <a:noFill/>
+          <a:ln>
+            <a:noFill/>
+          </a:ln>
         </p:spPr>
         <p:txBody>
           <a:bodyPr anchorCtr="0" anchor="t" bIns="91425" lIns="91425" spcFirstLastPara="1" rIns="91425" wrap="square" tIns="91425">
@@ -8837,12 +12379,16 @@
           <a:lstStyle/>
           <a:p>
             <a:pPr indent="0" lvl="0" marL="0" rtl="0" algn="l">
-              <a:spcBef>
-                <a:spcPts val="0"/>
-              </a:spcBef>
-              <a:spcAft>
-                <a:spcPts val="0"/>
-              </a:spcAft>
+              <a:lnSpc>
+                <a:spcPct val="100000"/>
+              </a:lnSpc>
+              <a:spcBef>
+                <a:spcPts val="0"/>
+              </a:spcBef>
+              <a:spcAft>
+                <a:spcPts val="0"/>
+              </a:spcAft>
+              <a:buSzPct val="111111"/>
               <a:buNone/>
             </a:pPr>
             <a:r>
@@ -8868,6 +12414,10 @@
           <a:prstGeom prst="rect">
             <a:avLst/>
           </a:prstGeom>
+          <a:noFill/>
+          <a:ln>
+            <a:noFill/>
+          </a:ln>
         </p:spPr>
         <p:txBody>
           <a:bodyPr anchorCtr="0" anchor="t" bIns="91425" lIns="91425" spcFirstLastPara="1" rIns="91425" wrap="square" tIns="91425">
@@ -8876,12 +12426,16 @@
           <a:lstStyle/>
           <a:p>
             <a:pPr indent="0" lvl="0" marL="0" rtl="0" algn="l">
+              <a:lnSpc>
+                <a:spcPct val="115000"/>
+              </a:lnSpc>
               <a:spcBef>
                 <a:spcPts val="0"/>
               </a:spcBef>
               <a:spcAft>
                 <a:spcPts val="1200"/>
               </a:spcAft>
+              <a:buSzPts val="1800"/>
               <a:buNone/>
             </a:pPr>
             <a:r>
@@ -8897,13 +12451,12 @@
           <p:cNvPicPr preferRelativeResize="0"/>
           <p:nvPr/>
         </p:nvPicPr>
-        <p:blipFill>
+        <p:blipFill rotWithShape="1">
           <a:blip r:embed="rId3">
             <a:alphaModFix/>
           </a:blip>
-          <a:stretch>
-            <a:fillRect/>
-          </a:stretch>
+          <a:srcRect b="0" l="0" r="0" t="0"/>
+          <a:stretch/>
         </p:blipFill>
         <p:spPr>
           <a:xfrm>
@@ -8960,6 +12513,10 @@
           <a:prstGeom prst="rect">
             <a:avLst/>
           </a:prstGeom>
+          <a:noFill/>
+          <a:ln>
+            <a:noFill/>
+          </a:ln>
         </p:spPr>
         <p:txBody>
           <a:bodyPr anchorCtr="0" anchor="t" bIns="91425" lIns="91425" spcFirstLastPara="1" rIns="91425" wrap="square" tIns="91425">
@@ -8968,12 +12525,16 @@
           <a:lstStyle/>
           <a:p>
             <a:pPr indent="0" lvl="0" marL="0" rtl="0" algn="l">
-              <a:spcBef>
-                <a:spcPts val="0"/>
-              </a:spcBef>
-              <a:spcAft>
-                <a:spcPts val="0"/>
-              </a:spcAft>
+              <a:lnSpc>
+                <a:spcPct val="100000"/>
+              </a:lnSpc>
+              <a:spcBef>
+                <a:spcPts val="0"/>
+              </a:spcBef>
+              <a:spcAft>
+                <a:spcPts val="0"/>
+              </a:spcAft>
+              <a:buSzPct val="111111"/>
               <a:buNone/>
             </a:pPr>
             <a:r>
@@ -8999,6 +12560,10 @@
           <a:prstGeom prst="rect">
             <a:avLst/>
           </a:prstGeom>
+          <a:noFill/>
+          <a:ln>
+            <a:noFill/>
+          </a:ln>
         </p:spPr>
         <p:txBody>
           <a:bodyPr anchorCtr="0" anchor="t" bIns="91425" lIns="91425" spcFirstLastPara="1" rIns="91425" wrap="square" tIns="91425">
@@ -9007,12 +12572,16 @@
           <a:lstStyle/>
           <a:p>
             <a:pPr indent="0" lvl="0" marL="0" rtl="0" algn="l">
+              <a:lnSpc>
+                <a:spcPct val="115000"/>
+              </a:lnSpc>
               <a:spcBef>
                 <a:spcPts val="0"/>
               </a:spcBef>
               <a:spcAft>
                 <a:spcPts val="1200"/>
               </a:spcAft>
+              <a:buSzPts val="1800"/>
               <a:buNone/>
             </a:pPr>
             <a:r>
@@ -9028,13 +12597,12 @@
           <p:cNvPicPr preferRelativeResize="0"/>
           <p:nvPr/>
         </p:nvPicPr>
-        <p:blipFill>
+        <p:blipFill rotWithShape="1">
           <a:blip r:embed="rId3">
             <a:alphaModFix/>
           </a:blip>
-          <a:stretch>
-            <a:fillRect/>
-          </a:stretch>
+          <a:srcRect b="0" l="0" r="0" t="0"/>
+          <a:stretch/>
         </p:blipFill>
         <p:spPr>
           <a:xfrm>
@@ -9091,6 +12659,10 @@
           <a:prstGeom prst="rect">
             <a:avLst/>
           </a:prstGeom>
+          <a:noFill/>
+          <a:ln>
+            <a:noFill/>
+          </a:ln>
         </p:spPr>
         <p:txBody>
           <a:bodyPr anchorCtr="0" anchor="t" bIns="91425" lIns="91425" spcFirstLastPara="1" rIns="91425" wrap="square" tIns="91425">
@@ -9099,12 +12671,16 @@
           <a:lstStyle/>
           <a:p>
             <a:pPr indent="0" lvl="0" marL="0" rtl="0" algn="ctr">
-              <a:spcBef>
-                <a:spcPts val="0"/>
-              </a:spcBef>
-              <a:spcAft>
-                <a:spcPts val="0"/>
-              </a:spcAft>
+              <a:lnSpc>
+                <a:spcPct val="100000"/>
+              </a:lnSpc>
+              <a:spcBef>
+                <a:spcPts val="0"/>
+              </a:spcBef>
+              <a:spcAft>
+                <a:spcPts val="0"/>
+              </a:spcAft>
+              <a:buSzPct val="111111"/>
               <a:buNone/>
             </a:pPr>
             <a:r>
@@ -9131,6 +12707,10 @@
           <a:prstGeom prst="rect">
             <a:avLst/>
           </a:prstGeom>
+          <a:noFill/>
+          <a:ln>
+            <a:noFill/>
+          </a:ln>
         </p:spPr>
         <p:txBody>
           <a:bodyPr anchorCtr="0" anchor="t" bIns="91425" lIns="91425" spcFirstLastPara="1" rIns="91425" wrap="square" tIns="91425">
@@ -9431,6 +13011,285 @@
 </file>
 
 <file path=ppt/theme/theme1.xml><?xml version="1.0" encoding="utf-8"?>
+<a:theme xmlns:a="http://schemas.openxmlformats.org/drawingml/2006/main" xmlns:r="http://schemas.openxmlformats.org/officeDocument/2006/relationships" name="Simple Light">
+  <a:themeElements>
+    <a:clrScheme name="Simple Light">
+      <a:dk1>
+        <a:srgbClr val="000000"/>
+      </a:dk1>
+      <a:lt1>
+        <a:srgbClr val="FFFFFF"/>
+      </a:lt1>
+      <a:dk2>
+        <a:srgbClr val="595959"/>
+      </a:dk2>
+      <a:lt2>
+        <a:srgbClr val="EEEEEE"/>
+      </a:lt2>
+      <a:accent1>
+        <a:srgbClr val="4285F4"/>
+      </a:accent1>
+      <a:accent2>
+        <a:srgbClr val="212121"/>
+      </a:accent2>
+      <a:accent3>
+        <a:srgbClr val="78909C"/>
+      </a:accent3>
+      <a:accent4>
+        <a:srgbClr val="FFAB40"/>
+      </a:accent4>
+      <a:accent5>
+        <a:srgbClr val="0097A7"/>
+      </a:accent5>
+      <a:accent6>
+        <a:srgbClr val="EEFF41"/>
+      </a:accent6>
+      <a:hlink>
+        <a:srgbClr val="0097A7"/>
+      </a:hlink>
+      <a:folHlink>
+        <a:srgbClr val="0097A7"/>
+      </a:folHlink>
+    </a:clrScheme>
+    <a:fontScheme name="Office">
+      <a:majorFont>
+        <a:latin typeface="Arial"/>
+        <a:ea typeface=""/>
+        <a:cs typeface=""/>
+        <a:font script="Jpan" typeface="ＭＳ Ｐゴシック"/>
+        <a:font script="Hang" typeface="맑은 고딕"/>
+        <a:font script="Hans" typeface="宋体"/>
+        <a:font script="Hant" typeface="新細明體"/>
+        <a:font script="Arab" typeface="Times New Roman"/>
+        <a:font script="Hebr" typeface="Times New Roman"/>
+        <a:font script="Thai" typeface="Angsana New"/>
+        <a:font script="Ethi" typeface="Nyala"/>
+        <a:font script="Beng" typeface="Vrinda"/>
+        <a:font script="Gujr" typeface="Shruti"/>
+        <a:font script="Khmr" typeface="MoolBoran"/>
+        <a:font script="Knda" typeface="Tunga"/>
+        <a:font script="Guru" typeface="Raavi"/>
+        <a:font script="Cans" typeface="Euphemia"/>
+        <a:font script="Cher" typeface="Plantagenet Cherokee"/>
+        <a:font script="Yiii" typeface="Microsoft Yi Baiti"/>
+        <a:font script="Tibt" typeface="Microsoft Himalaya"/>
+        <a:font script="Thaa" typeface="MV Boli"/>
+        <a:font script="Deva" typeface="Mangal"/>
+        <a:font script="Telu" typeface="Gautami"/>
+        <a:font script="Taml" typeface="Latha"/>
+        <a:font script="Syrc" typeface="Estrangelo Edessa"/>
+        <a:font script="Orya" typeface="Kalinga"/>
+        <a:font script="Mlym" typeface="Kartika"/>
+        <a:font script="Laoo" typeface="DokChampa"/>
+        <a:font script="Sinh" typeface="Iskoola Pota"/>
+        <a:font script="Mong" typeface="Mongolian Baiti"/>
+        <a:font script="Viet" typeface="Times New Roman"/>
+        <a:font script="Uigh" typeface="Microsoft Uighur"/>
+        <a:font script="Geor" typeface="Sylfaen"/>
+      </a:majorFont>
+      <a:minorFont>
+        <a:latin typeface="Arial"/>
+        <a:ea typeface=""/>
+        <a:cs typeface=""/>
+        <a:font script="Jpan" typeface="ＭＳ Ｐゴシック"/>
+        <a:font script="Hang" typeface="맑은 고딕"/>
+        <a:font script="Hans" typeface="宋体"/>
+        <a:font script="Hant" typeface="新細明體"/>
+        <a:font script="Arab" typeface="Arial"/>
+        <a:font script="Hebr" typeface="Arial"/>
+        <a:font script="Thai" typeface="Cordia New"/>
+        <a:font script="Ethi" typeface="Nyala"/>
+        <a:font script="Beng" typeface="Vrinda"/>
+        <a:font script="Gujr" typeface="Shruti"/>
+        <a:font script="Khmr" typeface="DaunPenh"/>
+        <a:font script="Knda" typeface="Tunga"/>
+        <a:font script="Guru" typeface="Raavi"/>
+        <a:font script="Cans" typeface="Euphemia"/>
+        <a:font script="Cher" typeface="Plantagenet Cherokee"/>
+        <a:font script="Yiii" typeface="Microsoft Yi Baiti"/>
+        <a:font script="Tibt" typeface="Microsoft Himalaya"/>
+        <a:font script="Thaa" typeface="MV Boli"/>
+        <a:font script="Deva" typeface="Mangal"/>
+        <a:font script="Telu" typeface="Gautami"/>
+        <a:font script="Taml" typeface="Latha"/>
+        <a:font script="Syrc" typeface="Estrangelo Edessa"/>
+        <a:font script="Orya" typeface="Kalinga"/>
+        <a:font script="Mlym" typeface="Kartika"/>
+        <a:font script="Laoo" typeface="DokChampa"/>
+        <a:font script="Sinh" typeface="Iskoola Pota"/>
+        <a:font script="Mong" typeface="Mongolian Baiti"/>
+        <a:font script="Viet" typeface="Arial"/>
+        <a:font script="Uigh" typeface="Microsoft Uighur"/>
+        <a:font script="Geor" typeface="Sylfaen"/>
+      </a:minorFont>
+    </a:fontScheme>
+    <a:fmtScheme name="Office">
+      <a:fillStyleLst>
+        <a:solidFill>
+          <a:schemeClr val="phClr"/>
+        </a:solidFill>
+        <a:gradFill rotWithShape="1">
+          <a:gsLst>
+            <a:gs pos="0">
+              <a:schemeClr val="phClr">
+                <a:tint val="50000"/>
+                <a:satMod val="300000"/>
+              </a:schemeClr>
+            </a:gs>
+            <a:gs pos="35000">
+              <a:schemeClr val="phClr">
+                <a:tint val="37000"/>
+                <a:satMod val="300000"/>
+              </a:schemeClr>
+            </a:gs>
+            <a:gs pos="100000">
+              <a:schemeClr val="phClr">
+                <a:tint val="15000"/>
+                <a:satMod val="350000"/>
+              </a:schemeClr>
+            </a:gs>
+          </a:gsLst>
+          <a:lin ang="16200000" scaled="1"/>
+        </a:gradFill>
+        <a:gradFill rotWithShape="1">
+          <a:gsLst>
+            <a:gs pos="0">
+              <a:schemeClr val="phClr">
+                <a:tint val="100000"/>
+                <a:shade val="100000"/>
+                <a:satMod val="130000"/>
+              </a:schemeClr>
+            </a:gs>
+            <a:gs pos="100000">
+              <a:schemeClr val="phClr">
+                <a:tint val="50000"/>
+                <a:shade val="100000"/>
+                <a:satMod val="350000"/>
+              </a:schemeClr>
+            </a:gs>
+          </a:gsLst>
+          <a:lin ang="16200000" scaled="0"/>
+        </a:gradFill>
+      </a:fillStyleLst>
+      <a:lnStyleLst>
+        <a:ln w="9525" cap="flat" cmpd="sng" algn="ctr">
+          <a:solidFill>
+            <a:schemeClr val="phClr">
+              <a:shade val="95000"/>
+              <a:satMod val="105000"/>
+            </a:schemeClr>
+          </a:solidFill>
+          <a:prstDash val="solid"/>
+        </a:ln>
+        <a:ln w="25400" cap="flat" cmpd="sng" algn="ctr">
+          <a:solidFill>
+            <a:schemeClr val="phClr"/>
+          </a:solidFill>
+          <a:prstDash val="solid"/>
+        </a:ln>
+        <a:ln w="38100" cap="flat" cmpd="sng" algn="ctr">
+          <a:solidFill>
+            <a:schemeClr val="phClr"/>
+          </a:solidFill>
+          <a:prstDash val="solid"/>
+        </a:ln>
+      </a:lnStyleLst>
+      <a:effectStyleLst>
+        <a:effectStyle>
+          <a:effectLst>
+            <a:outerShdw blurRad="40000" dist="20000" dir="5400000" rotWithShape="0">
+              <a:srgbClr val="000000">
+                <a:alpha val="38000"/>
+              </a:srgbClr>
+            </a:outerShdw>
+          </a:effectLst>
+        </a:effectStyle>
+        <a:effectStyle>
+          <a:effectLst>
+            <a:outerShdw blurRad="40000" dist="23000" dir="5400000" rotWithShape="0">
+              <a:srgbClr val="000000">
+                <a:alpha val="35000"/>
+              </a:srgbClr>
+            </a:outerShdw>
+          </a:effectLst>
+        </a:effectStyle>
+        <a:effectStyle>
+          <a:effectLst>
+            <a:outerShdw blurRad="40000" dist="23000" dir="5400000" rotWithShape="0">
+              <a:srgbClr val="000000">
+                <a:alpha val="35000"/>
+              </a:srgbClr>
+            </a:outerShdw>
+          </a:effectLst>
+          <a:scene3d>
+            <a:camera prst="orthographicFront">
+              <a:rot lat="0" lon="0" rev="0"/>
+            </a:camera>
+            <a:lightRig rig="threePt" dir="t">
+              <a:rot lat="0" lon="0" rev="1200000"/>
+            </a:lightRig>
+          </a:scene3d>
+          <a:sp3d>
+            <a:bevelT w="63500" h="25400"/>
+          </a:sp3d>
+        </a:effectStyle>
+      </a:effectStyleLst>
+      <a:bgFillStyleLst>
+        <a:solidFill>
+          <a:schemeClr val="phClr"/>
+        </a:solidFill>
+        <a:gradFill rotWithShape="1">
+          <a:gsLst>
+            <a:gs pos="0">
+              <a:schemeClr val="phClr">
+                <a:tint val="40000"/>
+                <a:satMod val="350000"/>
+              </a:schemeClr>
+            </a:gs>
+            <a:gs pos="40000">
+              <a:schemeClr val="phClr">
+                <a:tint val="45000"/>
+                <a:shade val="99000"/>
+                <a:satMod val="350000"/>
+              </a:schemeClr>
+            </a:gs>
+            <a:gs pos="100000">
+              <a:schemeClr val="phClr">
+                <a:shade val="20000"/>
+                <a:satMod val="255000"/>
+              </a:schemeClr>
+            </a:gs>
+          </a:gsLst>
+          <a:path path="circle">
+            <a:fillToRect l="50000" t="-80000" r="50000" b="180000"/>
+          </a:path>
+        </a:gradFill>
+        <a:gradFill rotWithShape="1">
+          <a:gsLst>
+            <a:gs pos="0">
+              <a:schemeClr val="phClr">
+                <a:tint val="80000"/>
+                <a:satMod val="300000"/>
+              </a:schemeClr>
+            </a:gs>
+            <a:gs pos="100000">
+              <a:schemeClr val="phClr">
+                <a:shade val="30000"/>
+                <a:satMod val="200000"/>
+              </a:schemeClr>
+            </a:gs>
+          </a:gsLst>
+          <a:path path="circle">
+            <a:fillToRect l="50000" t="50000" r="50000" b="50000"/>
+          </a:path>
+        </a:gradFill>
+      </a:bgFillStyleLst>
+    </a:fmtScheme>
+  </a:themeElements>
+</a:theme>
+</file>
+
+<file path=ppt/theme/theme2.xml><?xml version="1.0" encoding="utf-8"?>
 <a:theme xmlns:a="http://schemas.openxmlformats.org/drawingml/2006/main" xmlns:r="http://schemas.openxmlformats.org/officeDocument/2006/relationships">
   <a:themeElements>
     <a:clrScheme name="Default">
@@ -9707,283 +13566,4 @@
     </a:fmtScheme>
   </a:themeElements>
 </a:theme>
-</file>
-
-<file path=ppt/theme/theme2.xml><?xml version="1.0" encoding="utf-8"?>
-<a:theme xmlns:a="http://schemas.openxmlformats.org/drawingml/2006/main" xmlns:r="http://schemas.openxmlformats.org/officeDocument/2006/relationships" name="Simple Light">
-  <a:themeElements>
-    <a:clrScheme name="Simple Light">
-      <a:dk1>
-        <a:srgbClr val="000000"/>
-      </a:dk1>
-      <a:lt1>
-        <a:srgbClr val="FFFFFF"/>
-      </a:lt1>
-      <a:dk2>
-        <a:srgbClr val="595959"/>
-      </a:dk2>
-      <a:lt2>
-        <a:srgbClr val="EEEEEE"/>
-      </a:lt2>
-      <a:accent1>
-        <a:srgbClr val="4285F4"/>
-      </a:accent1>
-      <a:accent2>
-        <a:srgbClr val="212121"/>
-      </a:accent2>
-      <a:accent3>
-        <a:srgbClr val="78909C"/>
-      </a:accent3>
-      <a:accent4>
-        <a:srgbClr val="FFAB40"/>
-      </a:accent4>
-      <a:accent5>
-        <a:srgbClr val="0097A7"/>
-      </a:accent5>
-      <a:accent6>
-        <a:srgbClr val="EEFF41"/>
-      </a:accent6>
-      <a:hlink>
-        <a:srgbClr val="0097A7"/>
-      </a:hlink>
-      <a:folHlink>
-        <a:srgbClr val="0097A7"/>
-      </a:folHlink>
-    </a:clrScheme>
-    <a:fontScheme name="Office">
-      <a:majorFont>
-        <a:latin typeface="Arial"/>
-        <a:ea typeface=""/>
-        <a:cs typeface=""/>
-        <a:font script="Jpan" typeface="ＭＳ Ｐゴシック"/>
-        <a:font script="Hang" typeface="맑은 고딕"/>
-        <a:font script="Hans" typeface="宋体"/>
-        <a:font script="Hant" typeface="新細明體"/>
-        <a:font script="Arab" typeface="Times New Roman"/>
-        <a:font script="Hebr" typeface="Times New Roman"/>
-        <a:font script="Thai" typeface="Angsana New"/>
-        <a:font script="Ethi" typeface="Nyala"/>
-        <a:font script="Beng" typeface="Vrinda"/>
-        <a:font script="Gujr" typeface="Shruti"/>
-        <a:font script="Khmr" typeface="MoolBoran"/>
-        <a:font script="Knda" typeface="Tunga"/>
-        <a:font script="Guru" typeface="Raavi"/>
-        <a:font script="Cans" typeface="Euphemia"/>
-        <a:font script="Cher" typeface="Plantagenet Cherokee"/>
-        <a:font script="Yiii" typeface="Microsoft Yi Baiti"/>
-        <a:font script="Tibt" typeface="Microsoft Himalaya"/>
-        <a:font script="Thaa" typeface="MV Boli"/>
-        <a:font script="Deva" typeface="Mangal"/>
-        <a:font script="Telu" typeface="Gautami"/>
-        <a:font script="Taml" typeface="Latha"/>
-        <a:font script="Syrc" typeface="Estrangelo Edessa"/>
-        <a:font script="Orya" typeface="Kalinga"/>
-        <a:font script="Mlym" typeface="Kartika"/>
-        <a:font script="Laoo" typeface="DokChampa"/>
-        <a:font script="Sinh" typeface="Iskoola Pota"/>
-        <a:font script="Mong" typeface="Mongolian Baiti"/>
-        <a:font script="Viet" typeface="Times New Roman"/>
-        <a:font script="Uigh" typeface="Microsoft Uighur"/>
-        <a:font script="Geor" typeface="Sylfaen"/>
-      </a:majorFont>
-      <a:minorFont>
-        <a:latin typeface="Arial"/>
-        <a:ea typeface=""/>
-        <a:cs typeface=""/>
-        <a:font script="Jpan" typeface="ＭＳ Ｐゴシック"/>
-        <a:font script="Hang" typeface="맑은 고딕"/>
-        <a:font script="Hans" typeface="宋体"/>
-        <a:font script="Hant" typeface="新細明體"/>
-        <a:font script="Arab" typeface="Arial"/>
-        <a:font script="Hebr" typeface="Arial"/>
-        <a:font script="Thai" typeface="Cordia New"/>
-        <a:font script="Ethi" typeface="Nyala"/>
-        <a:font script="Beng" typeface="Vrinda"/>
-        <a:font script="Gujr" typeface="Shruti"/>
-        <a:font script="Khmr" typeface="DaunPenh"/>
-        <a:font script="Knda" typeface="Tunga"/>
-        <a:font script="Guru" typeface="Raavi"/>
-        <a:font script="Cans" typeface="Euphemia"/>
-        <a:font script="Cher" typeface="Plantagenet Cherokee"/>
-        <a:font script="Yiii" typeface="Microsoft Yi Baiti"/>
-        <a:font script="Tibt" typeface="Microsoft Himalaya"/>
-        <a:font script="Thaa" typeface="MV Boli"/>
-        <a:font script="Deva" typeface="Mangal"/>
-        <a:font script="Telu" typeface="Gautami"/>
-        <a:font script="Taml" typeface="Latha"/>
-        <a:font script="Syrc" typeface="Estrangelo Edessa"/>
-        <a:font script="Orya" typeface="Kalinga"/>
-        <a:font script="Mlym" typeface="Kartika"/>
-        <a:font script="Laoo" typeface="DokChampa"/>
-        <a:font script="Sinh" typeface="Iskoola Pota"/>
-        <a:font script="Mong" typeface="Mongolian Baiti"/>
-        <a:font script="Viet" typeface="Arial"/>
-        <a:font script="Uigh" typeface="Microsoft Uighur"/>
-        <a:font script="Geor" typeface="Sylfaen"/>
-      </a:minorFont>
-    </a:fontScheme>
-    <a:fmtScheme name="Office">
-      <a:fillStyleLst>
-        <a:solidFill>
-          <a:schemeClr val="phClr"/>
-        </a:solidFill>
-        <a:gradFill rotWithShape="1">
-          <a:gsLst>
-            <a:gs pos="0">
-              <a:schemeClr val="phClr">
-                <a:tint val="50000"/>
-                <a:satMod val="300000"/>
-              </a:schemeClr>
-            </a:gs>
-            <a:gs pos="35000">
-              <a:schemeClr val="phClr">
-                <a:tint val="37000"/>
-                <a:satMod val="300000"/>
-              </a:schemeClr>
-            </a:gs>
-            <a:gs pos="100000">
-              <a:schemeClr val="phClr">
-                <a:tint val="15000"/>
-                <a:satMod val="350000"/>
-              </a:schemeClr>
-            </a:gs>
-          </a:gsLst>
-          <a:lin ang="16200000" scaled="1"/>
-        </a:gradFill>
-        <a:gradFill rotWithShape="1">
-          <a:gsLst>
-            <a:gs pos="0">
-              <a:schemeClr val="phClr">
-                <a:tint val="100000"/>
-                <a:shade val="100000"/>
-                <a:satMod val="130000"/>
-              </a:schemeClr>
-            </a:gs>
-            <a:gs pos="100000">
-              <a:schemeClr val="phClr">
-                <a:tint val="50000"/>
-                <a:shade val="100000"/>
-                <a:satMod val="350000"/>
-              </a:schemeClr>
-            </a:gs>
-          </a:gsLst>
-          <a:lin ang="16200000" scaled="0"/>
-        </a:gradFill>
-      </a:fillStyleLst>
-      <a:lnStyleLst>
-        <a:ln w="9525" cap="flat" cmpd="sng" algn="ctr">
-          <a:solidFill>
-            <a:schemeClr val="phClr">
-              <a:shade val="95000"/>
-              <a:satMod val="105000"/>
-            </a:schemeClr>
-          </a:solidFill>
-          <a:prstDash val="solid"/>
-        </a:ln>
-        <a:ln w="25400" cap="flat" cmpd="sng" algn="ctr">
-          <a:solidFill>
-            <a:schemeClr val="phClr"/>
-          </a:solidFill>
-          <a:prstDash val="solid"/>
-        </a:ln>
-        <a:ln w="38100" cap="flat" cmpd="sng" algn="ctr">
-          <a:solidFill>
-            <a:schemeClr val="phClr"/>
-          </a:solidFill>
-          <a:prstDash val="solid"/>
-        </a:ln>
-      </a:lnStyleLst>
-      <a:effectStyleLst>
-        <a:effectStyle>
-          <a:effectLst>
-            <a:outerShdw blurRad="40000" dist="20000" dir="5400000" rotWithShape="0">
-              <a:srgbClr val="000000">
-                <a:alpha val="38000"/>
-              </a:srgbClr>
-            </a:outerShdw>
-          </a:effectLst>
-        </a:effectStyle>
-        <a:effectStyle>
-          <a:effectLst>
-            <a:outerShdw blurRad="40000" dist="23000" dir="5400000" rotWithShape="0">
-              <a:srgbClr val="000000">
-                <a:alpha val="35000"/>
-              </a:srgbClr>
-            </a:outerShdw>
-          </a:effectLst>
-        </a:effectStyle>
-        <a:effectStyle>
-          <a:effectLst>
-            <a:outerShdw blurRad="40000" dist="23000" dir="5400000" rotWithShape="0">
-              <a:srgbClr val="000000">
-                <a:alpha val="35000"/>
-              </a:srgbClr>
-            </a:outerShdw>
-          </a:effectLst>
-          <a:scene3d>
-            <a:camera prst="orthographicFront">
-              <a:rot lat="0" lon="0" rev="0"/>
-            </a:camera>
-            <a:lightRig rig="threePt" dir="t">
-              <a:rot lat="0" lon="0" rev="1200000"/>
-            </a:lightRig>
-          </a:scene3d>
-          <a:sp3d>
-            <a:bevelT w="63500" h="25400"/>
-          </a:sp3d>
-        </a:effectStyle>
-      </a:effectStyleLst>
-      <a:bgFillStyleLst>
-        <a:solidFill>
-          <a:schemeClr val="phClr"/>
-        </a:solidFill>
-        <a:gradFill rotWithShape="1">
-          <a:gsLst>
-            <a:gs pos="0">
-              <a:schemeClr val="phClr">
-                <a:tint val="40000"/>
-                <a:satMod val="350000"/>
-              </a:schemeClr>
-            </a:gs>
-            <a:gs pos="40000">
-              <a:schemeClr val="phClr">
-                <a:tint val="45000"/>
-                <a:shade val="99000"/>
-                <a:satMod val="350000"/>
-              </a:schemeClr>
-            </a:gs>
-            <a:gs pos="100000">
-              <a:schemeClr val="phClr">
-                <a:shade val="20000"/>
-                <a:satMod val="255000"/>
-              </a:schemeClr>
-            </a:gs>
-          </a:gsLst>
-          <a:path path="circle">
-            <a:fillToRect l="50000" t="-80000" r="50000" b="180000"/>
-          </a:path>
-        </a:gradFill>
-        <a:gradFill rotWithShape="1">
-          <a:gsLst>
-            <a:gs pos="0">
-              <a:schemeClr val="phClr">
-                <a:tint val="80000"/>
-                <a:satMod val="300000"/>
-              </a:schemeClr>
-            </a:gs>
-            <a:gs pos="100000">
-              <a:schemeClr val="phClr">
-                <a:shade val="30000"/>
-                <a:satMod val="200000"/>
-              </a:schemeClr>
-            </a:gs>
-          </a:gsLst>
-          <a:path path="circle">
-            <a:fillToRect l="50000" t="50000" r="50000" b="50000"/>
-          </a:path>
-        </a:gradFill>
-      </a:bgFillStyleLst>
-    </a:fmtScheme>
-  </a:themeElements>
-</a:theme>
 </file>